--- a/fall11/slidesF11/slides12w.pptx
+++ b/fall11/slidesF11/slides12w.pptx
@@ -5,10 +5,10 @@
     <p:sldMasterId id="2147483650" r:id="rId1"/>
   </p:sldMasterIdLst>
   <p:notesMasterIdLst>
-    <p:notesMasterId r:id="rId46"/>
+    <p:notesMasterId r:id="rId47"/>
   </p:notesMasterIdLst>
   <p:handoutMasterIdLst>
-    <p:handoutMasterId r:id="rId47"/>
+    <p:handoutMasterId r:id="rId48"/>
   </p:handoutMasterIdLst>
   <p:sldIdLst>
     <p:sldId id="474" r:id="rId2"/>
@@ -40,26 +40,27 @@
     <p:sldId id="521" r:id="rId28"/>
     <p:sldId id="561" r:id="rId29"/>
     <p:sldId id="560" r:id="rId30"/>
-    <p:sldId id="526" r:id="rId31"/>
-    <p:sldId id="550" r:id="rId32"/>
-    <p:sldId id="551" r:id="rId33"/>
-    <p:sldId id="552" r:id="rId34"/>
-    <p:sldId id="571" r:id="rId35"/>
-    <p:sldId id="564" r:id="rId36"/>
-    <p:sldId id="565" r:id="rId37"/>
-    <p:sldId id="566" r:id="rId38"/>
-    <p:sldId id="567" r:id="rId39"/>
-    <p:sldId id="562" r:id="rId40"/>
-    <p:sldId id="563" r:id="rId41"/>
-    <p:sldId id="573" r:id="rId42"/>
-    <p:sldId id="574" r:id="rId43"/>
-    <p:sldId id="575" r:id="rId44"/>
-    <p:sldId id="569" r:id="rId45"/>
+    <p:sldId id="576" r:id="rId31"/>
+    <p:sldId id="526" r:id="rId32"/>
+    <p:sldId id="550" r:id="rId33"/>
+    <p:sldId id="551" r:id="rId34"/>
+    <p:sldId id="552" r:id="rId35"/>
+    <p:sldId id="571" r:id="rId36"/>
+    <p:sldId id="575" r:id="rId37"/>
+    <p:sldId id="564" r:id="rId38"/>
+    <p:sldId id="565" r:id="rId39"/>
+    <p:sldId id="566" r:id="rId40"/>
+    <p:sldId id="567" r:id="rId41"/>
+    <p:sldId id="562" r:id="rId42"/>
+    <p:sldId id="563" r:id="rId43"/>
+    <p:sldId id="573" r:id="rId44"/>
+    <p:sldId id="574" r:id="rId45"/>
+    <p:sldId id="569" r:id="rId46"/>
   </p:sldIdLst>
   <p:sldSz cx="9144000" cy="6858000" type="screen4x3"/>
   <p:notesSz cx="7315200" cy="9601200"/>
   <p:custDataLst>
-    <p:tags r:id="rId49"/>
+    <p:tags r:id="rId50"/>
   </p:custDataLst>
   <p:defaultTextStyle>
     <a:defPPr>
@@ -2528,7 +2529,7 @@
               <a:pPr>
                 <a:defRPr/>
               </a:pPr>
-              <a:t>41</a:t>
+              <a:t>34</a:t>
             </a:fld>
             <a:endParaRPr lang="en-US"/>
           </a:p>
@@ -2615,7 +2616,7 @@
               <a:pPr>
                 <a:defRPr/>
               </a:pPr>
-              <a:t>42</a:t>
+              <a:t>36</a:t>
             </a:fld>
             <a:endParaRPr lang="en-US"/>
           </a:p>
@@ -2735,94 +2736,45 @@
       </p:grpSpPr>
       <p:sp>
         <p:nvSpPr>
-          <p:cNvPr id="95234" name="Text Box 2"/>
-          <p:cNvSpPr txBox="1">
-            <a:spLocks noGrp="1" noChangeArrowheads="1"/>
-          </p:cNvSpPr>
-          <p:nvPr/>
-        </p:nvSpPr>
-        <p:spPr bwMode="auto">
-          <a:xfrm>
-            <a:off x="4146550" y="9121775"/>
-            <a:ext cx="3168650" cy="479425"/>
-          </a:xfrm>
-          <a:prstGeom prst="rect">
-            <a:avLst/>
-          </a:prstGeom>
-          <a:noFill/>
-          <a:ln w="9525">
-            <a:noFill/>
-            <a:miter lim="800000"/>
-            <a:headEnd/>
-            <a:tailEnd/>
-          </a:ln>
-        </p:spPr>
-        <p:txBody>
-          <a:bodyPr lIns="96653" tIns="48326" rIns="96653" bIns="48326" anchor="b"/>
-          <a:lstStyle/>
-          <a:p>
-            <a:pPr algn="r" defTabSz="966788" fontAlgn="base">
-              <a:spcBef>
-                <a:spcPct val="0"/>
-              </a:spcBef>
-              <a:spcAft>
-                <a:spcPct val="0"/>
-              </a:spcAft>
-            </a:pPr>
-            <a:r>
-              <a:rPr lang="en-US" sz="1300">
-                <a:latin typeface="Times New Roman" pitchFamily="18" charset="0"/>
-              </a:rPr>
-              <a:t>36</a:t>
-            </a:r>
-          </a:p>
-        </p:txBody>
-      </p:sp>
-      <p:sp>
-        <p:nvSpPr>
-          <p:cNvPr id="95235" name="Rectangle 3"/>
+          <p:cNvPr id="2" name="Slide Image Placeholder 1"/>
           <p:cNvSpPr>
-            <a:spLocks noGrp="1" noRot="1" noChangeAspect="1" noChangeArrowheads="1" noTextEdit="1"/>
+            <a:spLocks noGrp="1" noRot="1" noChangeAspect="1"/>
           </p:cNvSpPr>
           <p:nvPr>
             <p:ph type="sldImg"/>
           </p:nvPr>
         </p:nvSpPr>
-        <p:spPr>
-          <a:ln/>
-        </p:spPr>
+        <p:spPr/>
       </p:sp>
       <p:sp>
         <p:nvSpPr>
-          <p:cNvPr id="7173" name="Rectangle 4"/>
+          <p:cNvPr id="3" name="Notes Placeholder 2"/>
           <p:cNvSpPr>
-            <a:spLocks noGrp="1" noChangeArrowheads="1"/>
+            <a:spLocks noGrp="1"/>
           </p:cNvSpPr>
           <p:nvPr>
             <p:ph type="body" idx="1"/>
           </p:nvPr>
         </p:nvSpPr>
-        <p:spPr>
-          <a:noFill/>
-          <a:ln/>
-        </p:spPr>
+        <p:spPr/>
         <p:txBody>
-          <a:bodyPr/>
+          <a:bodyPr>
+            <a:normAutofit/>
+          </a:bodyPr>
           <a:lstStyle/>
           <a:p>
-            <a:pPr eaLnBrk="1" hangingPunct="1"/>
             <a:endParaRPr lang="en-US"/>
           </a:p>
         </p:txBody>
       </p:sp>
       <p:sp>
         <p:nvSpPr>
-          <p:cNvPr id="11" name="Footer Placeholder 10"/>
+          <p:cNvPr id="4" name="Slide Number Placeholder 3"/>
           <p:cNvSpPr>
             <a:spLocks noGrp="1"/>
           </p:cNvSpPr>
           <p:nvPr>
-            <p:ph type="ftr" sz="quarter" idx="11"/>
+            <p:ph type="sldNum" sz="quarter" idx="10"/>
           </p:nvPr>
         </p:nvSpPr>
         <p:spPr/>
@@ -2833,10 +2785,13 @@
             <a:pPr>
               <a:defRPr/>
             </a:pPr>
-            <a:r>
+            <a:fld id="{E7625D05-B33F-4064-AC10-CB80748B6ABD}" type="slidenum">
               <a:rPr lang="en-US" smtClean="0"/>
-              <a:t>4/2/08 2:20PM</a:t>
-            </a:r>
+              <a:pPr>
+                <a:defRPr/>
+              </a:pPr>
+              <a:t>44</a:t>
+            </a:fld>
             <a:endParaRPr lang="en-US"/>
           </a:p>
         </p:txBody>
@@ -2926,6 +2881,139 @@
           <a:p>
             <a:pPr eaLnBrk="1" hangingPunct="1"/>
             <a:endParaRPr lang="en-US" smtClean="0"/>
+          </a:p>
+        </p:txBody>
+      </p:sp>
+    </p:spTree>
+  </p:cSld>
+  <p:clrMapOvr>
+    <a:masterClrMapping/>
+  </p:clrMapOvr>
+</p:notes>
+</file>
+
+<file path=ppt/notesSlides/notesSlide30.xml><?xml version="1.0" encoding="utf-8"?>
+<p:notes xmlns:a="http://schemas.openxmlformats.org/drawingml/2006/main" xmlns:r="http://schemas.openxmlformats.org/officeDocument/2006/relationships" xmlns:p="http://schemas.openxmlformats.org/presentationml/2006/main">
+  <p:cSld>
+    <p:spTree>
+      <p:nvGrpSpPr>
+        <p:cNvPr id="1" name=""/>
+        <p:cNvGrpSpPr/>
+        <p:nvPr/>
+      </p:nvGrpSpPr>
+      <p:grpSpPr>
+        <a:xfrm>
+          <a:off x="0" y="0"/>
+          <a:ext cx="0" cy="0"/>
+          <a:chOff x="0" y="0"/>
+          <a:chExt cx="0" cy="0"/>
+        </a:xfrm>
+      </p:grpSpPr>
+      <p:sp>
+        <p:nvSpPr>
+          <p:cNvPr id="95234" name="Text Box 2"/>
+          <p:cNvSpPr txBox="1">
+            <a:spLocks noGrp="1" noChangeArrowheads="1"/>
+          </p:cNvSpPr>
+          <p:nvPr/>
+        </p:nvSpPr>
+        <p:spPr bwMode="auto">
+          <a:xfrm>
+            <a:off x="4146550" y="9121775"/>
+            <a:ext cx="3168650" cy="479425"/>
+          </a:xfrm>
+          <a:prstGeom prst="rect">
+            <a:avLst/>
+          </a:prstGeom>
+          <a:noFill/>
+          <a:ln w="9525">
+            <a:noFill/>
+            <a:miter lim="800000"/>
+            <a:headEnd/>
+            <a:tailEnd/>
+          </a:ln>
+        </p:spPr>
+        <p:txBody>
+          <a:bodyPr lIns="96653" tIns="48326" rIns="96653" bIns="48326" anchor="b"/>
+          <a:lstStyle/>
+          <a:p>
+            <a:pPr algn="r" defTabSz="966788" fontAlgn="base">
+              <a:spcBef>
+                <a:spcPct val="0"/>
+              </a:spcBef>
+              <a:spcAft>
+                <a:spcPct val="0"/>
+              </a:spcAft>
+            </a:pPr>
+            <a:r>
+              <a:rPr lang="en-US" sz="1300">
+                <a:latin typeface="Times New Roman" pitchFamily="18" charset="0"/>
+              </a:rPr>
+              <a:t>36</a:t>
+            </a:r>
+          </a:p>
+        </p:txBody>
+      </p:sp>
+      <p:sp>
+        <p:nvSpPr>
+          <p:cNvPr id="95235" name="Rectangle 3"/>
+          <p:cNvSpPr>
+            <a:spLocks noGrp="1" noRot="1" noChangeAspect="1" noChangeArrowheads="1" noTextEdit="1"/>
+          </p:cNvSpPr>
+          <p:nvPr>
+            <p:ph type="sldImg"/>
+          </p:nvPr>
+        </p:nvSpPr>
+        <p:spPr>
+          <a:ln/>
+        </p:spPr>
+      </p:sp>
+      <p:sp>
+        <p:nvSpPr>
+          <p:cNvPr id="7173" name="Rectangle 4"/>
+          <p:cNvSpPr>
+            <a:spLocks noGrp="1" noChangeArrowheads="1"/>
+          </p:cNvSpPr>
+          <p:nvPr>
+            <p:ph type="body" idx="1"/>
+          </p:nvPr>
+        </p:nvSpPr>
+        <p:spPr>
+          <a:noFill/>
+          <a:ln/>
+        </p:spPr>
+        <p:txBody>
+          <a:bodyPr/>
+          <a:lstStyle/>
+          <a:p>
+            <a:pPr eaLnBrk="1" hangingPunct="1"/>
+            <a:endParaRPr lang="en-US"/>
+          </a:p>
+        </p:txBody>
+      </p:sp>
+      <p:sp>
+        <p:nvSpPr>
+          <p:cNvPr id="11" name="Footer Placeholder 10"/>
+          <p:cNvSpPr>
+            <a:spLocks noGrp="1"/>
+          </p:cNvSpPr>
+          <p:nvPr>
+            <p:ph type="ftr" sz="quarter" idx="11"/>
+          </p:nvPr>
+        </p:nvSpPr>
+        <p:spPr/>
+        <p:txBody>
+          <a:bodyPr/>
+          <a:lstStyle/>
+          <a:p>
+            <a:pPr>
+              <a:defRPr/>
+            </a:pPr>
+            <a:r>
+              <a:rPr lang="en-US" smtClean="0"/>
+              <a:t>4/2/08 2:20PM</a:t>
+            </a:r>
+            <a:endParaRPr lang="en-US"/>
           </a:p>
         </p:txBody>
       </p:sp>
@@ -3753,11 +3841,7 @@
             </a:r>
             <a:r>
               <a:rPr lang="en-US" dirty="0" smtClean="0"/>
-              <a:t> </a:t>
-            </a:r>
-            <a:r>
-              <a:rPr lang="en-US" dirty="0" smtClean="0"/>
-              <a:t>12W.</a:t>
+              <a:t> 12W.</a:t>
             </a:r>
             <a:fld id="{167FB316-D213-489C-8FDE-91E3356C5A60}" type="slidenum">
               <a:rPr lang="en-US" smtClean="0"/>
@@ -3855,11 +3939,7 @@
             </a:r>
             <a:r>
               <a:rPr lang="en-US" dirty="0" smtClean="0"/>
-              <a:t> </a:t>
-            </a:r>
-            <a:r>
-              <a:rPr lang="en-US" dirty="0" smtClean="0"/>
-              <a:t>12W.</a:t>
+              <a:t> 12W.</a:t>
             </a:r>
             <a:fld id="{A585D087-0720-40C8-BCB9-442D95888E3B}" type="slidenum">
               <a:rPr lang="en-US" smtClean="0"/>
@@ -3934,11 +4014,7 @@
             </a:r>
             <a:r>
               <a:rPr lang="en-US" dirty="0" smtClean="0"/>
-              <a:t> </a:t>
-            </a:r>
-            <a:r>
-              <a:rPr lang="en-US" dirty="0" smtClean="0"/>
-              <a:t>12W.</a:t>
+              <a:t> 12W.</a:t>
             </a:r>
             <a:fld id="{3E6AFCB8-BCAF-493D-8357-CF426FD28108}" type="slidenum">
               <a:rPr lang="en-US" smtClean="0"/>
@@ -4172,11 +4248,7 @@
             </a:r>
             <a:r>
               <a:rPr lang="en-US" dirty="0" smtClean="0"/>
-              <a:t> </a:t>
-            </a:r>
-            <a:r>
-              <a:rPr lang="en-US" dirty="0" smtClean="0"/>
-              <a:t>12W.</a:t>
+              <a:t> 12W.</a:t>
             </a:r>
             <a:fld id="{11D69C3C-9102-4DF1-90D9-901407515A97}" type="slidenum">
               <a:rPr lang="en-US" smtClean="0"/>
@@ -4390,11 +4462,7 @@
             </a:r>
             <a:r>
               <a:rPr lang="en-US" dirty="0" smtClean="0"/>
-              <a:t> </a:t>
-            </a:r>
-            <a:r>
-              <a:rPr lang="en-US" dirty="0" smtClean="0"/>
-              <a:t>12W.</a:t>
+              <a:t> 12W.</a:t>
             </a:r>
             <a:fld id="{17233D2A-0857-4415-88C1-423492E69A26}" type="slidenum">
               <a:rPr lang="en-US" smtClean="0"/>
@@ -4490,22 +4558,7 @@
                 <a:uFillTx/>
                 <a:latin typeface="Comic Sans MS" pitchFamily="66" charset="0"/>
               </a:rPr>
-              <a:t>Albert R Meyer,             </a:t>
-            </a:r>
-            <a:r>
-              <a:rPr kumimoji="0" lang="en-US" sz="1200" b="0" i="0" u="none" strike="noStrike" kern="1200" cap="none" spc="0" normalizeH="0" baseline="0" noProof="0" dirty="0" smtClean="0">
-                <a:ln>
-                  <a:noFill/>
-                </a:ln>
-                <a:solidFill>
-                  <a:schemeClr val="tx1"/>
-                </a:solidFill>
-                <a:effectLst/>
-                <a:uLnTx/>
-                <a:uFillTx/>
-                <a:latin typeface="Comic Sans MS" pitchFamily="66" charset="0"/>
-              </a:rPr>
-              <a:t>November 23, 2011</a:t>
+              <a:t>Albert R Meyer,             November 23, 2011</a:t>
             </a:r>
             <a:endParaRPr kumimoji="0" lang="en-US" sz="1200" b="0" i="0" u="none" strike="noStrike" kern="1200" cap="none" spc="0" normalizeH="0" baseline="0" noProof="0" dirty="0">
               <a:ln>
@@ -4973,11 +5026,7 @@
             </a:r>
             <a:r>
               <a:rPr lang="en-US" dirty="0" smtClean="0"/>
-              <a:t> </a:t>
-            </a:r>
-            <a:r>
-              <a:rPr lang="en-US" dirty="0" smtClean="0"/>
-              <a:t>12W.</a:t>
+              <a:t> 12W.</a:t>
             </a:r>
             <a:fld id="{B20F91F6-F4EE-490C-AA68-F15A44211122}" type="slidenum">
               <a:rPr lang="en-US" smtClean="0"/>
@@ -5206,11 +5255,7 @@
             </a:r>
             <a:r>
               <a:rPr lang="en-US" dirty="0" smtClean="0"/>
-              <a:t> </a:t>
-            </a:r>
-            <a:r>
-              <a:rPr lang="en-US" dirty="0" smtClean="0"/>
-              <a:t>12W.</a:t>
+              <a:t> 12W.</a:t>
             </a:r>
             <a:fld id="{167FB316-D213-489C-8FDE-91E3356C5A60}" type="slidenum">
               <a:rPr lang="en-US" smtClean="0"/>
@@ -5239,7 +5284,7 @@
           <a:graphicData uri="http://schemas.openxmlformats.org/presentationml/2006/ole">
             <mc:AlternateContent xmlns:mc="http://schemas.openxmlformats.org/markup-compatibility/2006">
               <mc:Choice xmlns:v="urn:schemas-microsoft-com:vml" Requires="v">
-                <p:oleObj spid="_x0000_s81952" name="Equation" r:id="rId3" imgW="3454200" imgH="1396800" progId="Equation.DSMT4">
+                <p:oleObj spid="_x0000_s81969" name="Equation" r:id="rId3" imgW="3454200" imgH="1396800" progId="Equation.DSMT4">
                   <p:embed/>
                 </p:oleObj>
               </mc:Choice>
@@ -5427,7 +5472,7 @@
           <a:graphicData uri="http://schemas.openxmlformats.org/presentationml/2006/ole">
             <mc:AlternateContent xmlns:mc="http://schemas.openxmlformats.org/markup-compatibility/2006">
               <mc:Choice xmlns:v="urn:schemas-microsoft-com:vml" Requires="v">
-                <p:oleObj spid="_x0000_s81953" name="Equation" r:id="rId5" imgW="2895480" imgH="647640" progId="Equation.DSMT4">
+                <p:oleObj spid="_x0000_s81970" name="Equation" r:id="rId5" imgW="2895480" imgH="647640" progId="Equation.DSMT4">
                   <p:embed/>
                 </p:oleObj>
               </mc:Choice>
@@ -5497,7 +5542,7 @@
           <a:graphicData uri="http://schemas.openxmlformats.org/presentationml/2006/ole">
             <mc:AlternateContent xmlns:mc="http://schemas.openxmlformats.org/markup-compatibility/2006">
               <mc:Choice xmlns:v="urn:schemas-microsoft-com:vml" Requires="v">
-                <p:oleObj spid="_x0000_s81954" name="Equation" r:id="rId7" imgW="1295280" imgH="609480" progId="Equation.DSMT4">
+                <p:oleObj spid="_x0000_s81971" name="Equation" r:id="rId7" imgW="1295280" imgH="609480" progId="Equation.DSMT4">
                   <p:embed/>
                 </p:oleObj>
               </mc:Choice>
@@ -5567,7 +5612,7 @@
           <a:graphicData uri="http://schemas.openxmlformats.org/presentationml/2006/ole">
             <mc:AlternateContent xmlns:mc="http://schemas.openxmlformats.org/markup-compatibility/2006">
               <mc:Choice xmlns:v="urn:schemas-microsoft-com:vml" Requires="v">
-                <p:oleObj spid="_x0000_s81955" name="Equation" r:id="rId9" imgW="1295280" imgH="609480" progId="Equation.DSMT4">
+                <p:oleObj spid="_x0000_s81972" name="Equation" r:id="rId9" imgW="1295280" imgH="609480" progId="Equation.DSMT4">
                   <p:embed/>
                 </p:oleObj>
               </mc:Choice>
@@ -5637,7 +5682,7 @@
           <a:graphicData uri="http://schemas.openxmlformats.org/presentationml/2006/ole">
             <mc:AlternateContent xmlns:mc="http://schemas.openxmlformats.org/markup-compatibility/2006">
               <mc:Choice xmlns:v="urn:schemas-microsoft-com:vml" Requires="v">
-                <p:oleObj spid="_x0000_s81956" name="Equation" r:id="rId11" imgW="1295280" imgH="622080" progId="Equation.DSMT4">
+                <p:oleObj spid="_x0000_s81973" name="Equation" r:id="rId11" imgW="1295280" imgH="622080" progId="Equation.DSMT4">
                   <p:embed/>
                 </p:oleObj>
               </mc:Choice>
@@ -5707,7 +5752,7 @@
           <a:graphicData uri="http://schemas.openxmlformats.org/presentationml/2006/ole">
             <mc:AlternateContent xmlns:mc="http://schemas.openxmlformats.org/markup-compatibility/2006">
               <mc:Choice xmlns:v="urn:schemas-microsoft-com:vml" Requires="v">
-                <p:oleObj spid="_x0000_s81957" name="Equation" r:id="rId13" imgW="1892160" imgH="1346040" progId="Equation.DSMT4">
+                <p:oleObj spid="_x0000_s81974" name="Equation" r:id="rId13" imgW="1892160" imgH="1346040" progId="Equation.DSMT4">
                   <p:embed/>
                 </p:oleObj>
               </mc:Choice>
@@ -5791,7 +5836,7 @@
             <a:graphicData uri="http://schemas.openxmlformats.org/presentationml/2006/ole">
               <mc:AlternateContent xmlns:mc="http://schemas.openxmlformats.org/markup-compatibility/2006">
                 <mc:Choice xmlns:v="urn:schemas-microsoft-com:vml" Requires="v">
-                  <p:oleObj spid="_x0000_s81958" name="Equation" r:id="rId15" imgW="545760" imgH="3124080" progId="Equation.DSMT4">
+                  <p:oleObj spid="_x0000_s81975" name="Equation" r:id="rId15" imgW="545760" imgH="3124080" progId="Equation.DSMT4">
                     <p:embed/>
                   </p:oleObj>
                 </mc:Choice>
@@ -5861,7 +5906,7 @@
             <a:graphicData uri="http://schemas.openxmlformats.org/presentationml/2006/ole">
               <mc:AlternateContent xmlns:mc="http://schemas.openxmlformats.org/markup-compatibility/2006">
                 <mc:Choice xmlns:v="urn:schemas-microsoft-com:vml" Requires="v">
-                  <p:oleObj spid="_x0000_s81959" name="Equation" r:id="rId17" imgW="4076640" imgH="660240" progId="Equation.DSMT4">
+                  <p:oleObj spid="_x0000_s81976" name="Equation" r:id="rId17" imgW="4076640" imgH="660240" progId="Equation.DSMT4">
                     <p:embed/>
                   </p:oleObj>
                 </mc:Choice>
@@ -6564,11 +6609,7 @@
             </a:r>
             <a:r>
               <a:rPr lang="en-US" dirty="0" smtClean="0"/>
-              <a:t> </a:t>
-            </a:r>
-            <a:r>
-              <a:rPr lang="en-US" dirty="0" smtClean="0"/>
-              <a:t>12W.</a:t>
+              <a:t> 12W.</a:t>
             </a:r>
             <a:fld id="{167FB316-D213-489C-8FDE-91E3356C5A60}" type="slidenum">
               <a:rPr lang="en-US" smtClean="0"/>
@@ -6603,7 +6644,7 @@
           <a:graphicData uri="http://schemas.openxmlformats.org/presentationml/2006/ole">
             <mc:AlternateContent xmlns:mc="http://schemas.openxmlformats.org/markup-compatibility/2006">
               <mc:Choice xmlns:v="urn:schemas-microsoft-com:vml" Requires="v">
-                <p:oleObj spid="_x0000_s82958" name="Equation" r:id="rId4" imgW="5499100" imgH="1968500" progId="Equation.3">
+                <p:oleObj spid="_x0000_s82961" name="Equation" r:id="rId4" imgW="5499100" imgH="1968500" progId="Equation.3">
                   <p:embed/>
                 </p:oleObj>
               </mc:Choice>
@@ -6785,6 +6826,139 @@
           <a:chExt cx="0" cy="0"/>
         </a:xfrm>
       </p:grpSpPr>
+      <p:graphicFrame>
+        <p:nvGraphicFramePr>
+          <p:cNvPr id="82950" name="Object 6"/>
+          <p:cNvGraphicFramePr>
+            <a:graphicFrameLocks noChangeAspect="1"/>
+          </p:cNvGraphicFramePr>
+          <p:nvPr>
+            <p:extLst>
+              <p:ext uri="{D42A27DB-BD31-4B8C-83A1-F6EECF244321}">
+                <p14:modId xmlns:p14="http://schemas.microsoft.com/office/powerpoint/2010/main" val="3473343719"/>
+              </p:ext>
+            </p:extLst>
+          </p:nvPr>
+        </p:nvGraphicFramePr>
+        <p:xfrm>
+          <a:off x="304800" y="3240088"/>
+          <a:ext cx="8013700" cy="1560512"/>
+        </p:xfrm>
+        <a:graphic>
+          <a:graphicData uri="http://schemas.openxmlformats.org/presentationml/2006/ole">
+            <mc:AlternateContent xmlns:mc="http://schemas.openxmlformats.org/markup-compatibility/2006">
+              <mc:Choice xmlns:v="urn:schemas-microsoft-com:vml" Requires="v">
+                <p:oleObj spid="_x0000_s135198" name="Equation" r:id="rId4" imgW="8013700" imgH="1562100" progId="Equation.DSMT4">
+                  <p:embed/>
+                </p:oleObj>
+              </mc:Choice>
+              <mc:Fallback>
+                <p:oleObj name="Equation" r:id="rId4" imgW="8013700" imgH="1562100" progId="Equation.DSMT4">
+                  <p:embed/>
+                  <p:pic>
+                    <p:nvPicPr>
+                      <p:cNvPr id="0" name="Picture 5"/>
+                      <p:cNvPicPr>
+                        <a:picLocks noChangeAspect="1" noChangeArrowheads="1"/>
+                      </p:cNvPicPr>
+                      <p:nvPr/>
+                    </p:nvPicPr>
+                    <p:blipFill>
+                      <a:blip r:embed="rId5"/>
+                      <a:srcRect/>
+                      <a:stretch>
+                        <a:fillRect/>
+                      </a:stretch>
+                    </p:blipFill>
+                    <p:spPr bwMode="auto">
+                      <a:xfrm>
+                        <a:off x="304800" y="3240088"/>
+                        <a:ext cx="8013700" cy="1560512"/>
+                      </a:xfrm>
+                      <a:prstGeom prst="rect">
+                        <a:avLst/>
+                      </a:prstGeom>
+                      <a:noFill/>
+                      <a:extLst>
+                        <a:ext uri="{909E8E84-426E-40dd-AFC4-6F175D3DCCD1}">
+                          <a14:hiddenFill xmlns:a14="http://schemas.microsoft.com/office/drawing/2010/main">
+                            <a:solidFill>
+                              <a:srgbClr val="FFFFFF"/>
+                            </a:solidFill>
+                          </a14:hiddenFill>
+                        </a:ext>
+                      </a:extLst>
+                    </p:spPr>
+                  </p:pic>
+                </p:oleObj>
+              </mc:Fallback>
+            </mc:AlternateContent>
+          </a:graphicData>
+        </a:graphic>
+      </p:graphicFrame>
+      <p:graphicFrame>
+        <p:nvGraphicFramePr>
+          <p:cNvPr id="27" name="Object 26"/>
+          <p:cNvGraphicFramePr>
+            <a:graphicFrameLocks noChangeAspect="1"/>
+          </p:cNvGraphicFramePr>
+          <p:nvPr>
+            <p:extLst>
+              <p:ext uri="{D42A27DB-BD31-4B8C-83A1-F6EECF244321}">
+                <p14:modId xmlns:p14="http://schemas.microsoft.com/office/powerpoint/2010/main" val="941679444"/>
+              </p:ext>
+            </p:extLst>
+          </p:nvPr>
+        </p:nvGraphicFramePr>
+        <p:xfrm>
+          <a:off x="271543" y="3147060"/>
+          <a:ext cx="8796257" cy="1671946"/>
+        </p:xfrm>
+        <a:graphic>
+          <a:graphicData uri="http://schemas.openxmlformats.org/presentationml/2006/ole">
+            <mc:AlternateContent xmlns:mc="http://schemas.openxmlformats.org/markup-compatibility/2006">
+              <mc:Choice xmlns:v="urn:schemas-microsoft-com:vml" Requires="v">
+                <p:oleObj spid="_x0000_s135199" name="Equation" r:id="rId6" imgW="8280400" imgH="1574800" progId="Equation.3">
+                  <p:embed/>
+                </p:oleObj>
+              </mc:Choice>
+              <mc:Fallback>
+                <p:oleObj name="Equation" r:id="rId6" imgW="8280400" imgH="1574800" progId="Equation.3">
+                  <p:embed/>
+                  <p:pic>
+                    <p:nvPicPr>
+                      <p:cNvPr id="0" name="Picture 7"/>
+                      <p:cNvPicPr>
+                        <a:picLocks noChangeAspect="1" noChangeArrowheads="1"/>
+                      </p:cNvPicPr>
+                      <p:nvPr/>
+                    </p:nvPicPr>
+                    <p:blipFill>
+                      <a:blip r:embed="rId7"/>
+                      <a:srcRect/>
+                      <a:stretch>
+                        <a:fillRect/>
+                      </a:stretch>
+                    </p:blipFill>
+                    <p:spPr bwMode="auto">
+                      <a:xfrm>
+                        <a:off x="271543" y="3147060"/>
+                        <a:ext cx="8796257" cy="1671946"/>
+                      </a:xfrm>
+                      <a:prstGeom prst="rect">
+                        <a:avLst/>
+                      </a:prstGeom>
+                      <a:solidFill>
+                        <a:schemeClr val="accent1"/>
+                      </a:solidFill>
+                    </p:spPr>
+                  </p:pic>
+                </p:oleObj>
+              </mc:Fallback>
+            </mc:AlternateContent>
+          </a:graphicData>
+        </a:graphic>
+      </p:graphicFrame>
       <p:sp>
         <p:nvSpPr>
           <p:cNvPr id="2" name="Title 1"/>
@@ -6861,11 +7035,7 @@
             </a:r>
             <a:r>
               <a:rPr lang="en-US" dirty="0" smtClean="0"/>
-              <a:t> </a:t>
-            </a:r>
-            <a:r>
-              <a:rPr lang="en-US" dirty="0" smtClean="0"/>
-              <a:t>12W.</a:t>
+              <a:t> 12W.</a:t>
             </a:r>
             <a:fld id="{167FB316-D213-489C-8FDE-91E3356C5A60}" type="slidenum">
               <a:rPr lang="en-US" smtClean="0"/>
@@ -6900,12 +7070,12 @@
           <a:graphicData uri="http://schemas.openxmlformats.org/presentationml/2006/ole">
             <mc:AlternateContent xmlns:mc="http://schemas.openxmlformats.org/markup-compatibility/2006">
               <mc:Choice xmlns:v="urn:schemas-microsoft-com:vml" Requires="v">
-                <p:oleObj spid="_x0000_s135189" name="Equation" r:id="rId4" imgW="5168900" imgH="1574800" progId="Equation.3">
+                <p:oleObj spid="_x0000_s135200" name="Equation" r:id="rId8" imgW="5168900" imgH="1574800" progId="Equation.3">
                   <p:embed/>
                 </p:oleObj>
               </mc:Choice>
               <mc:Fallback>
-                <p:oleObj name="Equation" r:id="rId4" imgW="5168900" imgH="1574800" progId="Equation.3">
+                <p:oleObj name="Equation" r:id="rId8" imgW="5168900" imgH="1574800" progId="Equation.3">
                   <p:embed/>
                   <p:pic>
                     <p:nvPicPr>
@@ -6916,7 +7086,7 @@
                       <p:nvPr/>
                     </p:nvPicPr>
                     <p:blipFill>
-                      <a:blip r:embed="rId5"/>
+                      <a:blip r:embed="rId9"/>
                       <a:srcRect/>
                       <a:stretch>
                         <a:fillRect/>
@@ -6926,76 +7096,6 @@
                       <a:xfrm>
                         <a:off x="641350" y="1358900"/>
                         <a:ext cx="5168900" cy="1574800"/>
-                      </a:xfrm>
-                      <a:prstGeom prst="rect">
-                        <a:avLst/>
-                      </a:prstGeom>
-                      <a:noFill/>
-                      <a:extLst>
-                        <a:ext uri="{909E8E84-426E-40dd-AFC4-6F175D3DCCD1}">
-                          <a14:hiddenFill xmlns:a14="http://schemas.microsoft.com/office/drawing/2010/main">
-                            <a:solidFill>
-                              <a:srgbClr val="FFFFFF"/>
-                            </a:solidFill>
-                          </a14:hiddenFill>
-                        </a:ext>
-                      </a:extLst>
-                    </p:spPr>
-                  </p:pic>
-                </p:oleObj>
-              </mc:Fallback>
-            </mc:AlternateContent>
-          </a:graphicData>
-        </a:graphic>
-      </p:graphicFrame>
-      <p:graphicFrame>
-        <p:nvGraphicFramePr>
-          <p:cNvPr id="82950" name="Object 6"/>
-          <p:cNvGraphicFramePr>
-            <a:graphicFrameLocks noChangeAspect="1"/>
-          </p:cNvGraphicFramePr>
-          <p:nvPr/>
-        </p:nvGraphicFramePr>
-        <p:xfrm>
-          <a:off x="685800" y="3352800"/>
-          <a:ext cx="7988300" cy="1268413"/>
-        </p:xfrm>
-        <a:graphic>
-          <a:graphicData uri="http://schemas.openxmlformats.org/presentationml/2006/ole">
-            <mc:AlternateContent xmlns:mc="http://schemas.openxmlformats.org/markup-compatibility/2006">
-              <mc:Choice xmlns:v="urn:schemas-microsoft-com:vml" Requires="v">
-                <p:oleObj spid="_x0000_s135190" name="Equation" r:id="rId6" imgW="7988040" imgH="1269720" progId="Equation.DSMT4">
-                  <p:embed/>
-                </p:oleObj>
-              </mc:Choice>
-              <mc:Fallback>
-                <p:oleObj name="Equation" r:id="rId6" imgW="7988040" imgH="1269720" progId="Equation.DSMT4">
-                  <p:embed/>
-                  <p:pic>
-                    <p:nvPicPr>
-                      <p:cNvPr id="0" name="Picture 5"/>
-                      <p:cNvPicPr>
-                        <a:picLocks noChangeAspect="1" noChangeArrowheads="1"/>
-                      </p:cNvPicPr>
-                      <p:nvPr/>
-                    </p:nvPicPr>
-                    <p:blipFill>
-                      <a:blip r:embed="rId7">
-                        <a:extLst>
-                          <a:ext uri="{28A0092B-C50C-407E-A947-70E740481C1C}">
-                            <a14:useLocalDpi xmlns:a14="http://schemas.microsoft.com/office/drawing/2010/main" val="0"/>
-                          </a:ext>
-                        </a:extLst>
-                      </a:blip>
-                      <a:srcRect/>
-                      <a:stretch>
-                        <a:fillRect/>
-                      </a:stretch>
-                    </p:blipFill>
-                    <p:spPr bwMode="auto">
-                      <a:xfrm>
-                        <a:off x="685800" y="3352800"/>
-                        <a:ext cx="7988300" cy="1268413"/>
                       </a:xfrm>
                       <a:prstGeom prst="rect">
                         <a:avLst/>
@@ -7040,12 +7140,12 @@
           <a:graphicData uri="http://schemas.openxmlformats.org/presentationml/2006/ole">
             <mc:AlternateContent xmlns:mc="http://schemas.openxmlformats.org/markup-compatibility/2006">
               <mc:Choice xmlns:v="urn:schemas-microsoft-com:vml" Requires="v">
-                <p:oleObj spid="_x0000_s135191" name="Equation" r:id="rId8" imgW="7632700" imgH="1511300" progId="Equation.3">
+                <p:oleObj spid="_x0000_s135201" name="Equation" r:id="rId10" imgW="7632700" imgH="1511300" progId="Equation.3">
                   <p:embed/>
                 </p:oleObj>
               </mc:Choice>
               <mc:Fallback>
-                <p:oleObj name="Equation" r:id="rId8" imgW="7632700" imgH="1511300" progId="Equation.3">
+                <p:oleObj name="Equation" r:id="rId10" imgW="7632700" imgH="1511300" progId="Equation.3">
                   <p:embed/>
                   <p:pic>
                     <p:nvPicPr>
@@ -7056,7 +7156,7 @@
                       <p:nvPr/>
                     </p:nvPicPr>
                     <p:blipFill>
-                      <a:blip r:embed="rId9"/>
+                      <a:blip r:embed="rId11"/>
                       <a:srcRect/>
                       <a:stretch>
                         <a:fillRect/>
@@ -7080,69 +7180,6 @@
                           </a14:hiddenFill>
                         </a:ext>
                       </a:extLst>
-                    </p:spPr>
-                  </p:pic>
-                </p:oleObj>
-              </mc:Fallback>
-            </mc:AlternateContent>
-          </a:graphicData>
-        </a:graphic>
-      </p:graphicFrame>
-      <p:graphicFrame>
-        <p:nvGraphicFramePr>
-          <p:cNvPr id="27" name="Object 26"/>
-          <p:cNvGraphicFramePr>
-            <a:graphicFrameLocks noChangeAspect="1"/>
-          </p:cNvGraphicFramePr>
-          <p:nvPr>
-            <p:extLst>
-              <p:ext uri="{D42A27DB-BD31-4B8C-83A1-F6EECF244321}">
-                <p14:modId xmlns:p14="http://schemas.microsoft.com/office/powerpoint/2010/main" val="2129113019"/>
-              </p:ext>
-            </p:extLst>
-          </p:nvPr>
-        </p:nvGraphicFramePr>
-        <p:xfrm>
-          <a:off x="685800" y="3200400"/>
-          <a:ext cx="8285163" cy="1574800"/>
-        </p:xfrm>
-        <a:graphic>
-          <a:graphicData uri="http://schemas.openxmlformats.org/presentationml/2006/ole">
-            <mc:AlternateContent xmlns:mc="http://schemas.openxmlformats.org/markup-compatibility/2006">
-              <mc:Choice xmlns:v="urn:schemas-microsoft-com:vml" Requires="v">
-                <p:oleObj spid="_x0000_s135192" name="Equation" r:id="rId10" imgW="8280400" imgH="1574800" progId="Equation.3">
-                  <p:embed/>
-                </p:oleObj>
-              </mc:Choice>
-              <mc:Fallback>
-                <p:oleObj name="Equation" r:id="rId10" imgW="8280400" imgH="1574800" progId="Equation.3">
-                  <p:embed/>
-                  <p:pic>
-                    <p:nvPicPr>
-                      <p:cNvPr id="0" name="Picture 7"/>
-                      <p:cNvPicPr>
-                        <a:picLocks noChangeAspect="1" noChangeArrowheads="1"/>
-                      </p:cNvPicPr>
-                      <p:nvPr/>
-                    </p:nvPicPr>
-                    <p:blipFill>
-                      <a:blip r:embed="rId11"/>
-                      <a:srcRect/>
-                      <a:stretch>
-                        <a:fillRect/>
-                      </a:stretch>
-                    </p:blipFill>
-                    <p:spPr bwMode="auto">
-                      <a:xfrm>
-                        <a:off x="685800" y="3200400"/>
-                        <a:ext cx="8285163" cy="1574800"/>
-                      </a:xfrm>
-                      <a:prstGeom prst="rect">
-                        <a:avLst/>
-                      </a:prstGeom>
-                      <a:solidFill>
-                        <a:schemeClr val="accent1"/>
-                      </a:solidFill>
                     </p:spPr>
                   </p:pic>
                 </p:oleObj>
@@ -7422,7 +7459,7 @@
                             </p:stCondLst>
                             <p:childTnLst>
                               <p:par>
-                                <p:cTn id="15" presetID="1" presetClass="exit" presetSubtype="0" fill="hold" nodeType="clickEffect">
+                                <p:cTn id="15" presetID="9" presetClass="entr" presetSubtype="0" fill="hold" nodeType="clickEffect">
                                   <p:stCondLst>
                                     <p:cond delay="0"/>
                                   </p:stCondLst>
@@ -7430,33 +7467,6 @@
                                     <p:set>
                                       <p:cBhvr>
                                         <p:cTn id="16" dur="1" fill="hold">
-                                          <p:stCondLst>
-                                            <p:cond delay="0"/>
-                                          </p:stCondLst>
-                                        </p:cTn>
-                                        <p:tgtEl>
-                                          <p:spTgt spid="82950"/>
-                                        </p:tgtEl>
-                                        <p:attrNameLst>
-                                          <p:attrName>style.visibility</p:attrName>
-                                        </p:attrNameLst>
-                                      </p:cBhvr>
-                                      <p:to>
-                                        <p:strVal val="hidden"/>
-                                      </p:to>
-                                    </p:set>
-                                  </p:childTnLst>
-                                </p:cTn>
-                              </p:par>
-                              <p:par>
-                                <p:cTn id="17" presetID="9" presetClass="entr" presetSubtype="0" fill="hold" nodeType="withEffect">
-                                  <p:stCondLst>
-                                    <p:cond delay="0"/>
-                                  </p:stCondLst>
-                                  <p:childTnLst>
-                                    <p:set>
-                                      <p:cBhvr>
-                                        <p:cTn id="18" dur="1" fill="hold">
                                           <p:stCondLst>
                                             <p:cond delay="0"/>
                                           </p:stCondLst>
@@ -7474,7 +7484,7 @@
                                     </p:set>
                                     <p:animEffect transition="in" filter="dissolve">
                                       <p:cBhvr>
-                                        <p:cTn id="19" dur="500"/>
+                                        <p:cTn id="17" dur="500"/>
                                         <p:tgtEl>
                                           <p:spTgt spid="27"/>
                                         </p:tgtEl>
@@ -7490,26 +7500,26 @@
                     </p:cTn>
                   </p:par>
                   <p:par>
-                    <p:cTn id="20" fill="hold">
+                    <p:cTn id="18" fill="hold">
                       <p:stCondLst>
                         <p:cond delay="indefinite"/>
                       </p:stCondLst>
                       <p:childTnLst>
                         <p:par>
-                          <p:cTn id="21" fill="hold">
+                          <p:cTn id="19" fill="hold">
                             <p:stCondLst>
                               <p:cond delay="0"/>
                             </p:stCondLst>
                             <p:childTnLst>
                               <p:par>
-                                <p:cTn id="22" presetID="22" presetClass="entr" presetSubtype="1" fill="hold" nodeType="clickEffect">
+                                <p:cTn id="20" presetID="22" presetClass="entr" presetSubtype="1" fill="hold" nodeType="clickEffect">
                                   <p:stCondLst>
                                     <p:cond delay="0"/>
                                   </p:stCondLst>
                                   <p:childTnLst>
                                     <p:set>
                                       <p:cBhvr>
-                                        <p:cTn id="23" dur="1" fill="hold">
+                                        <p:cTn id="21" dur="1" fill="hold">
                                           <p:stCondLst>
                                             <p:cond delay="0"/>
                                           </p:stCondLst>
@@ -7527,7 +7537,7 @@
                                     </p:set>
                                     <p:animEffect transition="in" filter="wipe(up)">
                                       <p:cBhvr>
-                                        <p:cTn id="24" dur="500"/>
+                                        <p:cTn id="22" dur="500"/>
                                         <p:tgtEl>
                                           <p:spTgt spid="39"/>
                                         </p:tgtEl>
@@ -7540,20 +7550,20 @@
                           </p:cTn>
                         </p:par>
                         <p:par>
-                          <p:cTn id="25" fill="hold">
+                          <p:cTn id="23" fill="hold">
                             <p:stCondLst>
                               <p:cond delay="500"/>
                             </p:stCondLst>
                             <p:childTnLst>
                               <p:par>
-                                <p:cTn id="26" presetID="22" presetClass="entr" presetSubtype="1" fill="hold" nodeType="afterEffect">
+                                <p:cTn id="24" presetID="22" presetClass="entr" presetSubtype="1" fill="hold" nodeType="afterEffect">
                                   <p:stCondLst>
                                     <p:cond delay="0"/>
                                   </p:stCondLst>
                                   <p:childTnLst>
                                     <p:set>
                                       <p:cBhvr>
-                                        <p:cTn id="27" dur="1" fill="hold">
+                                        <p:cTn id="25" dur="1" fill="hold">
                                           <p:stCondLst>
                                             <p:cond delay="0"/>
                                           </p:stCondLst>
@@ -7571,7 +7581,7 @@
                                     </p:set>
                                     <p:animEffect transition="in" filter="wipe(up)">
                                       <p:cBhvr>
-                                        <p:cTn id="28" dur="2000"/>
+                                        <p:cTn id="26" dur="2000"/>
                                         <p:tgtEl>
                                           <p:spTgt spid="13"/>
                                         </p:tgtEl>
@@ -7688,11 +7698,7 @@
             </a:r>
             <a:r>
               <a:rPr lang="en-US" dirty="0" smtClean="0"/>
-              <a:t> </a:t>
-            </a:r>
-            <a:r>
-              <a:rPr lang="en-US" dirty="0" smtClean="0"/>
-              <a:t>12W.</a:t>
+              <a:t> 12W.</a:t>
             </a:r>
             <a:fld id="{A585D087-0720-40C8-BCB9-442D95888E3B}" type="slidenum">
               <a:rPr lang="en-US" smtClean="0"/>
@@ -7727,7 +7733,7 @@
           <a:graphicData uri="http://schemas.openxmlformats.org/presentationml/2006/ole">
             <mc:AlternateContent xmlns:mc="http://schemas.openxmlformats.org/markup-compatibility/2006">
               <mc:Choice xmlns:v="urn:schemas-microsoft-com:vml" Requires="v">
-                <p:oleObj spid="_x0000_s83980" name="Equation" r:id="rId4" imgW="7251700" imgH="1092200" progId="Equation.3">
+                <p:oleObj spid="_x0000_s83985" name="Equation" r:id="rId4" imgW="7251700" imgH="1092200" progId="Equation.3">
                   <p:embed/>
                 </p:oleObj>
               </mc:Choice>
@@ -7791,7 +7797,7 @@
           <a:graphicData uri="http://schemas.openxmlformats.org/presentationml/2006/ole">
             <mc:AlternateContent xmlns:mc="http://schemas.openxmlformats.org/markup-compatibility/2006">
               <mc:Choice xmlns:v="urn:schemas-microsoft-com:vml" Requires="v">
-                <p:oleObj spid="_x0000_s83981" name="Equation" r:id="rId6" imgW="3390840" imgH="1269720" progId="Equation.DSMT4">
+                <p:oleObj spid="_x0000_s83986" name="Equation" r:id="rId6" imgW="3390840" imgH="1269720" progId="Equation.DSMT4">
                   <p:embed/>
                 </p:oleObj>
               </mc:Choice>
@@ -8046,11 +8052,7 @@
             </a:r>
             <a:r>
               <a:rPr lang="en-US" dirty="0" smtClean="0"/>
-              <a:t> </a:t>
-            </a:r>
-            <a:r>
-              <a:rPr lang="en-US" dirty="0" smtClean="0"/>
-              <a:t>12W.</a:t>
+              <a:t> 12W.</a:t>
             </a:r>
             <a:fld id="{A585D087-0720-40C8-BCB9-442D95888E3B}" type="slidenum">
               <a:rPr lang="en-US" smtClean="0"/>
@@ -8079,7 +8081,7 @@
           <a:graphicData uri="http://schemas.openxmlformats.org/presentationml/2006/ole">
             <mc:AlternateContent xmlns:mc="http://schemas.openxmlformats.org/markup-compatibility/2006">
               <mc:Choice xmlns:v="urn:schemas-microsoft-com:vml" Requires="v">
-                <p:oleObj spid="_x0000_s85005" name="Equation" r:id="rId4" imgW="3479760" imgH="1269720" progId="Equation.DSMT4">
+                <p:oleObj spid="_x0000_s85012" name="Equation" r:id="rId4" imgW="3479760" imgH="1269720" progId="Equation.DSMT4">
                   <p:embed/>
                 </p:oleObj>
               </mc:Choice>
@@ -8149,7 +8151,7 @@
           <a:graphicData uri="http://schemas.openxmlformats.org/presentationml/2006/ole">
             <mc:AlternateContent xmlns:mc="http://schemas.openxmlformats.org/markup-compatibility/2006">
               <mc:Choice xmlns:v="urn:schemas-microsoft-com:vml" Requires="v">
-                <p:oleObj spid="_x0000_s85006" name="Equation" r:id="rId6" imgW="3251160" imgH="1269720" progId="Equation.DSMT4">
+                <p:oleObj spid="_x0000_s85013" name="Equation" r:id="rId6" imgW="3251160" imgH="1269720" progId="Equation.DSMT4">
                   <p:embed/>
                 </p:oleObj>
               </mc:Choice>
@@ -8219,7 +8221,7 @@
           <a:graphicData uri="http://schemas.openxmlformats.org/presentationml/2006/ole">
             <mc:AlternateContent xmlns:mc="http://schemas.openxmlformats.org/markup-compatibility/2006">
               <mc:Choice xmlns:v="urn:schemas-microsoft-com:vml" Requires="v">
-                <p:oleObj spid="_x0000_s85007" name="Equation" r:id="rId8" imgW="3504960" imgH="1346040" progId="Equation.DSMT4">
+                <p:oleObj spid="_x0000_s85014" name="Equation" r:id="rId8" imgW="3504960" imgH="1346040" progId="Equation.DSMT4">
                   <p:embed/>
                 </p:oleObj>
               </mc:Choice>
@@ -8615,11 +8617,7 @@
             </a:r>
             <a:r>
               <a:rPr lang="en-US" dirty="0" smtClean="0"/>
-              <a:t> </a:t>
-            </a:r>
-            <a:r>
-              <a:rPr lang="en-US" dirty="0" smtClean="0"/>
-              <a:t>12W.</a:t>
+              <a:t> 12W.</a:t>
             </a:r>
             <a:fld id="{A585D087-0720-40C8-BCB9-442D95888E3B}" type="slidenum">
               <a:rPr lang="en-US" smtClean="0"/>
@@ -8796,22 +8794,28 @@
           <p:cNvGraphicFramePr>
             <a:graphicFrameLocks noChangeAspect="1"/>
           </p:cNvGraphicFramePr>
-          <p:nvPr/>
+          <p:nvPr>
+            <p:extLst>
+              <p:ext uri="{D42A27DB-BD31-4B8C-83A1-F6EECF244321}">
+                <p14:modId xmlns:p14="http://schemas.microsoft.com/office/powerpoint/2010/main" val="2502342153"/>
+              </p:ext>
+            </p:extLst>
+          </p:nvPr>
         </p:nvGraphicFramePr>
         <p:xfrm>
-          <a:off x="2971800" y="4267200"/>
-          <a:ext cx="152400" cy="698501"/>
+          <a:off x="3124200" y="4331680"/>
+          <a:ext cx="152399" cy="621320"/>
         </p:xfrm>
         <a:graphic>
           <a:graphicData uri="http://schemas.openxmlformats.org/presentationml/2006/ole">
             <mc:AlternateContent xmlns:mc="http://schemas.openxmlformats.org/markup-compatibility/2006">
               <mc:Choice xmlns:v="urn:schemas-microsoft-com:vml" Requires="v">
-                <p:oleObj spid="_x0000_s181263" name="Equation" r:id="rId3" imgW="152280" imgH="698400" progId="Equation.DSMT4">
+                <p:oleObj spid="_x0000_s181270" name="Equation" r:id="rId3" imgW="165100" imgH="673100" progId="Equation.DSMT4">
                   <p:embed/>
                 </p:oleObj>
               </mc:Choice>
               <mc:Fallback>
-                <p:oleObj name="Equation" r:id="rId3" imgW="152280" imgH="698400" progId="Equation.DSMT4">
+                <p:oleObj name="Equation" r:id="rId3" imgW="165100" imgH="673100" progId="Equation.DSMT4">
                   <p:embed/>
                   <p:pic>
                     <p:nvPicPr>
@@ -8822,13 +8826,7 @@
                       <p:nvPr/>
                     </p:nvPicPr>
                     <p:blipFill>
-                      <a:blip r:embed="rId4">
-                        <a:extLst>
-                          <a:ext uri="{28A0092B-C50C-407E-A947-70E740481C1C}">
-                            <a14:useLocalDpi xmlns:a14="http://schemas.microsoft.com/office/drawing/2010/main" val="0"/>
-                          </a:ext>
-                        </a:extLst>
-                      </a:blip>
+                      <a:blip r:embed="rId4"/>
                       <a:srcRect/>
                       <a:stretch>
                         <a:fillRect/>
@@ -8836,22 +8834,14 @@
                     </p:blipFill>
                     <p:spPr bwMode="auto">
                       <a:xfrm>
-                        <a:off x="2971800" y="4267200"/>
-                        <a:ext cx="152400" cy="698501"/>
+                        <a:off x="3124200" y="4331680"/>
+                        <a:ext cx="152399" cy="621320"/>
                       </a:xfrm>
                       <a:prstGeom prst="rect">
                         <a:avLst/>
                       </a:prstGeom>
                       <a:noFill/>
-                      <a:extLst>
-                        <a:ext uri="{909E8E84-426E-40dd-AFC4-6F175D3DCCD1}">
-                          <a14:hiddenFill xmlns:a14="http://schemas.microsoft.com/office/drawing/2010/main">
-                            <a:solidFill>
-                              <a:srgbClr val="FFFFFF"/>
-                            </a:solidFill>
-                          </a14:hiddenFill>
-                        </a:ext>
-                      </a:extLst>
+                      <a:extLst/>
                     </p:spPr>
                   </p:pic>
                 </p:oleObj>
@@ -9082,22 +9072,28 @@
           <p:cNvGraphicFramePr>
             <a:graphicFrameLocks noChangeAspect="1"/>
           </p:cNvGraphicFramePr>
-          <p:nvPr/>
+          <p:nvPr>
+            <p:extLst>
+              <p:ext uri="{D42A27DB-BD31-4B8C-83A1-F6EECF244321}">
+                <p14:modId xmlns:p14="http://schemas.microsoft.com/office/powerpoint/2010/main" val="12185303"/>
+              </p:ext>
+            </p:extLst>
+          </p:nvPr>
         </p:nvGraphicFramePr>
         <p:xfrm>
-          <a:off x="7466369" y="4267200"/>
-          <a:ext cx="152400" cy="698500"/>
+          <a:off x="7459663" y="4279899"/>
+          <a:ext cx="160337" cy="653681"/>
         </p:xfrm>
         <a:graphic>
           <a:graphicData uri="http://schemas.openxmlformats.org/presentationml/2006/ole">
             <mc:AlternateContent xmlns:mc="http://schemas.openxmlformats.org/markup-compatibility/2006">
               <mc:Choice xmlns:v="urn:schemas-microsoft-com:vml" Requires="v">
-                <p:oleObj spid="_x0000_s181264" name="Equation" r:id="rId5" imgW="152280" imgH="698400" progId="Equation.DSMT4">
+                <p:oleObj spid="_x0000_s181271" name="Equation" r:id="rId5" imgW="165100" imgH="673100" progId="Equation.DSMT4">
                   <p:embed/>
                 </p:oleObj>
               </mc:Choice>
               <mc:Fallback>
-                <p:oleObj name="Equation" r:id="rId5" imgW="152280" imgH="698400" progId="Equation.DSMT4">
+                <p:oleObj name="Equation" r:id="rId5" imgW="165100" imgH="673100" progId="Equation.DSMT4">
                   <p:embed/>
                   <p:pic>
                     <p:nvPicPr>
@@ -9108,13 +9104,7 @@
                       <p:nvPr/>
                     </p:nvPicPr>
                     <p:blipFill>
-                      <a:blip r:embed="rId4">
-                        <a:extLst>
-                          <a:ext uri="{28A0092B-C50C-407E-A947-70E740481C1C}">
-                            <a14:useLocalDpi xmlns:a14="http://schemas.microsoft.com/office/drawing/2010/main" val="0"/>
-                          </a:ext>
-                        </a:extLst>
-                      </a:blip>
+                      <a:blip r:embed="rId6"/>
                       <a:srcRect/>
                       <a:stretch>
                         <a:fillRect/>
@@ -9122,22 +9112,14 @@
                     </p:blipFill>
                     <p:spPr bwMode="auto">
                       <a:xfrm>
-                        <a:off x="7466369" y="4267200"/>
-                        <a:ext cx="152400" cy="698500"/>
+                        <a:off x="7459663" y="4279899"/>
+                        <a:ext cx="160337" cy="653681"/>
                       </a:xfrm>
                       <a:prstGeom prst="rect">
                         <a:avLst/>
                       </a:prstGeom>
                       <a:noFill/>
-                      <a:extLst>
-                        <a:ext uri="{909E8E84-426E-40dd-AFC4-6F175D3DCCD1}">
-                          <a14:hiddenFill xmlns:a14="http://schemas.microsoft.com/office/drawing/2010/main">
-                            <a:solidFill>
-                              <a:srgbClr val="FFFFFF"/>
-                            </a:solidFill>
-                          </a14:hiddenFill>
-                        </a:ext>
-                      </a:extLst>
+                      <a:extLst/>
                     </p:spPr>
                   </p:pic>
                 </p:oleObj>
@@ -9760,11 +9742,7 @@
             </a:r>
             <a:r>
               <a:rPr lang="en-US" dirty="0" smtClean="0"/>
-              <a:t> </a:t>
-            </a:r>
-            <a:r>
-              <a:rPr lang="en-US" dirty="0" smtClean="0"/>
-              <a:t>12W.</a:t>
+              <a:t> 12W.</a:t>
             </a:r>
             <a:fld id="{A585D087-0720-40C8-BCB9-442D95888E3B}" type="slidenum">
               <a:rPr lang="en-US" smtClean="0"/>
@@ -10030,11 +10008,7 @@
               </a:r>
               <a:r>
                 <a:rPr lang="en-US" dirty="0" smtClean="0"/>
-                <a:t> apples </a:t>
-              </a:r>
-              <a:r>
-                <a:rPr lang="en-US" dirty="0" smtClean="0"/>
-                <a:t>      </a:t>
+                <a:t> apples       </a:t>
               </a:r>
             </a:p>
             <a:p>
@@ -10045,11 +10019,7 @@
               </a:r>
               <a:r>
                 <a:rPr lang="en-US" dirty="0" smtClean="0"/>
-                <a:t>  </a:t>
-              </a:r>
-              <a:r>
-                <a:rPr lang="en-US" dirty="0" smtClean="0"/>
-                <a:t>and </a:t>
+                <a:t>  and </a:t>
               </a:r>
               <a:r>
                 <a:rPr lang="en-US" dirty="0" smtClean="0">
@@ -10380,11 +10350,7 @@
             </a:r>
             <a:r>
               <a:rPr lang="en-US" dirty="0" smtClean="0"/>
-              <a:t> </a:t>
-            </a:r>
-            <a:r>
-              <a:rPr lang="en-US" dirty="0" smtClean="0"/>
-              <a:t>12W.</a:t>
+              <a:t> 12W.</a:t>
             </a:r>
             <a:fld id="{A585D087-0720-40C8-BCB9-442D95888E3B}" type="slidenum">
               <a:rPr lang="en-US" smtClean="0"/>
@@ -10455,7 +10421,7 @@
           <a:graphicData uri="http://schemas.openxmlformats.org/presentationml/2006/ole">
             <mc:AlternateContent xmlns:mc="http://schemas.openxmlformats.org/markup-compatibility/2006">
               <mc:Choice xmlns:v="urn:schemas-microsoft-com:vml" Requires="v">
-                <p:oleObj spid="_x0000_s164870" name="Equation" r:id="rId3" imgW="8013700" imgH="939800" progId="Equation.DSMT4">
+                <p:oleObj spid="_x0000_s164873" name="Equation" r:id="rId3" imgW="8013700" imgH="939800" progId="Equation.DSMT4">
                   <p:embed/>
                 </p:oleObj>
               </mc:Choice>
@@ -10776,11 +10742,7 @@
             </a:r>
             <a:r>
               <a:rPr lang="en-US" dirty="0" smtClean="0"/>
-              <a:t> </a:t>
-            </a:r>
-            <a:r>
-              <a:rPr lang="en-US" dirty="0" smtClean="0"/>
-              <a:t>12W.</a:t>
+              <a:t> 12W.</a:t>
             </a:r>
             <a:fld id="{A585D087-0720-40C8-BCB9-442D95888E3B}" type="slidenum">
               <a:rPr lang="en-US" smtClean="0"/>
@@ -10921,7 +10883,7 @@
           <a:graphicData uri="http://schemas.openxmlformats.org/presentationml/2006/ole">
             <mc:AlternateContent xmlns:mc="http://schemas.openxmlformats.org/markup-compatibility/2006">
               <mc:Choice xmlns:v="urn:schemas-microsoft-com:vml" Requires="v">
-                <p:oleObj spid="_x0000_s230420" name="Equation" r:id="rId3" imgW="7543800" imgH="939800" progId="Equation.3">
+                <p:oleObj spid="_x0000_s230430" name="Equation" r:id="rId3" imgW="7543800" imgH="939800" progId="Equation.3">
                   <p:embed/>
                 </p:oleObj>
               </mc:Choice>
@@ -10982,7 +10944,7 @@
           <a:graphicData uri="http://schemas.openxmlformats.org/presentationml/2006/ole">
             <mc:AlternateContent xmlns:mc="http://schemas.openxmlformats.org/markup-compatibility/2006">
               <mc:Choice xmlns:v="urn:schemas-microsoft-com:vml" Requires="v">
-                <p:oleObj spid="_x0000_s230421" name="Equation" r:id="rId5" imgW="8178800" imgH="774700" progId="Equation.3">
+                <p:oleObj spid="_x0000_s230431" name="Equation" r:id="rId5" imgW="8178800" imgH="774700" progId="Equation.3">
                   <p:embed/>
                 </p:oleObj>
               </mc:Choice>
@@ -11043,7 +11005,7 @@
           <a:graphicData uri="http://schemas.openxmlformats.org/presentationml/2006/ole">
             <mc:AlternateContent xmlns:mc="http://schemas.openxmlformats.org/markup-compatibility/2006">
               <mc:Choice xmlns:v="urn:schemas-microsoft-com:vml" Requires="v">
-                <p:oleObj spid="_x0000_s230422" name="Equation" r:id="rId7" imgW="7810500" imgH="762000" progId="Equation.DSMT4">
+                <p:oleObj spid="_x0000_s230432" name="Equation" r:id="rId7" imgW="7810500" imgH="762000" progId="Equation.DSMT4">
                   <p:embed/>
                 </p:oleObj>
               </mc:Choice>
@@ -11083,6 +11045,18 @@
   <p:clrMapOvr>
     <a:masterClrMapping/>
   </p:clrMapOvr>
+  <mc:AlternateContent xmlns:mc="http://schemas.openxmlformats.org/markup-compatibility/2006">
+    <mc:Choice xmlns:p14="http://schemas.microsoft.com/office/powerpoint/2010/main" Requires="p14">
+      <p:transition spd="med" p14:dur="700">
+        <p:fade/>
+      </p:transition>
+    </mc:Choice>
+    <mc:Fallback>
+      <p:transition xmlns:p14="http://schemas.microsoft.com/office/powerpoint/2010/main" spd="med">
+        <p:fade/>
+      </p:transition>
+    </mc:Fallback>
+  </mc:AlternateContent>
   <p:timing>
     <p:tnLst>
       <p:par>
@@ -11117,7 +11091,7 @@
                                           </p:stCondLst>
                                         </p:cTn>
                                         <p:tgtEl>
-                                          <p:spTgt spid="230406"/>
+                                          <p:spTgt spid="9"/>
                                         </p:tgtEl>
                                         <p:attrNameLst>
                                           <p:attrName>style.visibility</p:attrName>
@@ -11129,9 +11103,9 @@
                                     </p:set>
                                     <p:animEffect transition="in" filter="wipe(left)">
                                       <p:cBhvr>
-                                        <p:cTn id="7" dur="1000"/>
+                                        <p:cTn id="7" dur="500"/>
                                         <p:tgtEl>
-                                          <p:spTgt spid="230406"/>
+                                          <p:spTgt spid="9"/>
                                         </p:tgtEl>
                                       </p:cBhvr>
                                     </p:animEffect>
@@ -11157,7 +11131,7 @@
                             </p:stCondLst>
                             <p:childTnLst>
                               <p:par>
-                                <p:cTn id="10" presetID="22" presetClass="entr" presetSubtype="1" fill="hold" nodeType="clickEffect">
+                                <p:cTn id="10" presetID="22" presetClass="entr" presetSubtype="8" fill="hold" nodeType="clickEffect">
                                   <p:stCondLst>
                                     <p:cond delay="0"/>
                                   </p:stCondLst>
@@ -11170,7 +11144,7 @@
                                           </p:stCondLst>
                                         </p:cTn>
                                         <p:tgtEl>
-                                          <p:spTgt spid="9"/>
+                                          <p:spTgt spid="2"/>
                                         </p:tgtEl>
                                         <p:attrNameLst>
                                           <p:attrName>style.visibility</p:attrName>
@@ -11180,11 +11154,64 @@
                                         <p:strVal val="visible"/>
                                       </p:to>
                                     </p:set>
-                                    <p:animEffect transition="in" filter="wipe(up)">
+                                    <p:animEffect transition="in" filter="wipe(left)">
                                       <p:cBhvr>
                                         <p:cTn id="12" dur="500"/>
                                         <p:tgtEl>
-                                          <p:spTgt spid="9"/>
+                                          <p:spTgt spid="2"/>
+                                        </p:tgtEl>
+                                      </p:cBhvr>
+                                    </p:animEffect>
+                                  </p:childTnLst>
+                                </p:cTn>
+                              </p:par>
+                            </p:childTnLst>
+                          </p:cTn>
+                        </p:par>
+                      </p:childTnLst>
+                    </p:cTn>
+                  </p:par>
+                  <p:par>
+                    <p:cTn id="13" fill="hold">
+                      <p:stCondLst>
+                        <p:cond delay="indefinite"/>
+                      </p:stCondLst>
+                      <p:childTnLst>
+                        <p:par>
+                          <p:cTn id="14" fill="hold">
+                            <p:stCondLst>
+                              <p:cond delay="0"/>
+                            </p:stCondLst>
+                            <p:childTnLst>
+                              <p:par>
+                                <p:cTn id="15" presetID="22" presetClass="entr" presetSubtype="8" fill="hold" nodeType="clickEffect">
+                                  <p:stCondLst>
+                                    <p:cond delay="0"/>
+                                  </p:stCondLst>
+                                  <p:childTnLst>
+                                    <p:set>
+                                      <p:cBhvr>
+                                        <p:cTn id="16" dur="1" fill="hold">
+                                          <p:stCondLst>
+                                            <p:cond delay="0"/>
+                                          </p:stCondLst>
+                                        </p:cTn>
+                                        <p:tgtEl>
+                                          <p:spTgt spid="230406"/>
+                                        </p:tgtEl>
+                                        <p:attrNameLst>
+                                          <p:attrName>style.visibility</p:attrName>
+                                        </p:attrNameLst>
+                                      </p:cBhvr>
+                                      <p:to>
+                                        <p:strVal val="visible"/>
+                                      </p:to>
+                                    </p:set>
+                                    <p:animEffect transition="in" filter="wipe(left)">
+                                      <p:cBhvr>
+                                        <p:cTn id="17" dur="1000"/>
+                                        <p:tgtEl>
+                                          <p:spTgt spid="230406"/>
                                         </p:tgtEl>
                                       </p:cBhvr>
                                     </p:animEffect>
@@ -11291,11 +11318,7 @@
             </a:r>
             <a:r>
               <a:rPr lang="en-US" dirty="0" smtClean="0"/>
-              <a:t> </a:t>
-            </a:r>
-            <a:r>
-              <a:rPr lang="en-US" dirty="0" smtClean="0"/>
-              <a:t>12W.</a:t>
+              <a:t> 12W.</a:t>
             </a:r>
             <a:fld id="{A585D087-0720-40C8-BCB9-442D95888E3B}" type="slidenum">
               <a:rPr lang="en-US" smtClean="0"/>
@@ -11475,7 +11498,7 @@
           <a:graphicData uri="http://schemas.openxmlformats.org/presentationml/2006/ole">
             <mc:AlternateContent xmlns:mc="http://schemas.openxmlformats.org/markup-compatibility/2006">
               <mc:Choice xmlns:v="urn:schemas-microsoft-com:vml" Requires="v">
-                <p:oleObj spid="_x0000_s320519" name="Equation" r:id="rId3" imgW="762000" imgH="469900" progId="Equation.DSMT4">
+                <p:oleObj spid="_x0000_s320522" name="Equation" r:id="rId3" imgW="762000" imgH="469900" progId="Equation.DSMT4">
                   <p:embed/>
                 </p:oleObj>
               </mc:Choice>
@@ -11769,7 +11792,7 @@
           <a:graphicData uri="http://schemas.openxmlformats.org/presentationml/2006/ole">
             <mc:AlternateContent xmlns:mc="http://schemas.openxmlformats.org/markup-compatibility/2006">
               <mc:Choice xmlns:v="urn:schemas-microsoft-com:vml" Requires="v">
-                <p:oleObj spid="_x0000_s251920" name="Equation" r:id="rId4" imgW="2159000" imgH="241300" progId="Equation.DSMT4">
+                <p:oleObj spid="_x0000_s251927" name="Equation" r:id="rId4" imgW="2159000" imgH="241300" progId="Equation.DSMT4">
                   <p:embed/>
                 </p:oleObj>
               </mc:Choice>
@@ -11850,11 +11873,7 @@
             </a:r>
             <a:r>
               <a:rPr lang="en-US" dirty="0" smtClean="0"/>
-              <a:t> </a:t>
-            </a:r>
-            <a:r>
-              <a:rPr lang="en-US" dirty="0" smtClean="0"/>
-              <a:t>12W.</a:t>
+              <a:t> 12W.</a:t>
             </a:r>
             <a:fld id="{B20F91F6-F4EE-490C-AA68-F15A44211122}" type="slidenum">
               <a:rPr lang="en-US" smtClean="0"/>
@@ -11881,7 +11900,7 @@
           <a:graphicData uri="http://schemas.openxmlformats.org/presentationml/2006/ole">
             <mc:AlternateContent xmlns:mc="http://schemas.openxmlformats.org/markup-compatibility/2006">
               <mc:Choice xmlns:v="urn:schemas-microsoft-com:vml" Requires="v">
-                <p:oleObj spid="_x0000_s251921" name="Equation" r:id="rId6" imgW="647700" imgH="215900" progId="Equation.DSMT4">
+                <p:oleObj spid="_x0000_s251928" name="Equation" r:id="rId6" imgW="647700" imgH="215900" progId="Equation.DSMT4">
                   <p:embed/>
                 </p:oleObj>
               </mc:Choice>
@@ -11951,7 +11970,7 @@
           <a:graphicData uri="http://schemas.openxmlformats.org/presentationml/2006/ole">
             <mc:AlternateContent xmlns:mc="http://schemas.openxmlformats.org/markup-compatibility/2006">
               <mc:Choice xmlns:v="urn:schemas-microsoft-com:vml" Requires="v">
-                <p:oleObj spid="_x0000_s251922" name="Equation" r:id="rId8" imgW="1244600" imgH="241300" progId="Equation.DSMT4">
+                <p:oleObj spid="_x0000_s251929" name="Equation" r:id="rId8" imgW="1244600" imgH="241300" progId="Equation.DSMT4">
                   <p:embed/>
                 </p:oleObj>
               </mc:Choice>
@@ -12271,11 +12290,7 @@
             </a:r>
             <a:r>
               <a:rPr lang="en-US" dirty="0" smtClean="0"/>
-              <a:t> </a:t>
-            </a:r>
-            <a:r>
-              <a:rPr lang="en-US" dirty="0" smtClean="0"/>
-              <a:t>12W.</a:t>
+              <a:t> 12W.</a:t>
             </a:r>
             <a:fld id="{A585D087-0720-40C8-BCB9-442D95888E3B}" type="slidenum">
               <a:rPr lang="en-US" smtClean="0"/>
@@ -12545,11 +12560,7 @@
             </a:r>
             <a:r>
               <a:rPr lang="en-US" dirty="0" smtClean="0"/>
-              <a:t> </a:t>
-            </a:r>
-            <a:r>
-              <a:rPr lang="en-US" dirty="0" smtClean="0"/>
-              <a:t>12W.</a:t>
+              <a:t> 12W.</a:t>
             </a:r>
             <a:fld id="{A585D087-0720-40C8-BCB9-442D95888E3B}" type="slidenum">
               <a:rPr lang="en-US" smtClean="0"/>
@@ -12608,7 +12619,7 @@
           <a:graphicData uri="http://schemas.openxmlformats.org/presentationml/2006/ole">
             <mc:AlternateContent xmlns:mc="http://schemas.openxmlformats.org/markup-compatibility/2006">
               <mc:Choice xmlns:v="urn:schemas-microsoft-com:vml" Requires="v">
-                <p:oleObj spid="_x0000_s88087" name="Equation" r:id="rId4" imgW="990360" imgH="571320" progId="Equation.DSMT4">
+                <p:oleObj spid="_x0000_s88096" name="Equation" r:id="rId4" imgW="990360" imgH="571320" progId="Equation.DSMT4">
                   <p:embed/>
                 </p:oleObj>
               </mc:Choice>
@@ -12684,7 +12695,7 @@
           <a:graphicData uri="http://schemas.openxmlformats.org/presentationml/2006/ole">
             <mc:AlternateContent xmlns:mc="http://schemas.openxmlformats.org/markup-compatibility/2006">
               <mc:Choice xmlns:v="urn:schemas-microsoft-com:vml" Requires="v">
-                <p:oleObj spid="_x0000_s88088" name="Equation" r:id="rId6" imgW="2095500" imgH="2006600" progId="Equation.3">
+                <p:oleObj spid="_x0000_s88097" name="Equation" r:id="rId6" imgW="2095500" imgH="2006600" progId="Equation.3">
                   <p:embed/>
                 </p:oleObj>
               </mc:Choice>
@@ -12773,7 +12784,7 @@
           <a:graphicData uri="http://schemas.openxmlformats.org/presentationml/2006/ole">
             <mc:AlternateContent xmlns:mc="http://schemas.openxmlformats.org/markup-compatibility/2006">
               <mc:Choice xmlns:v="urn:schemas-microsoft-com:vml" Requires="v">
-                <p:oleObj spid="_x0000_s88089" name="Equation" r:id="rId8" imgW="4609800" imgH="1231560" progId="Equation.DSMT4">
+                <p:oleObj spid="_x0000_s88098" name="Equation" r:id="rId8" imgW="4609800" imgH="1231560" progId="Equation.DSMT4">
                   <p:embed/>
                 </p:oleObj>
               </mc:Choice>
@@ -12843,7 +12854,7 @@
           <a:graphicData uri="http://schemas.openxmlformats.org/presentationml/2006/ole">
             <mc:AlternateContent xmlns:mc="http://schemas.openxmlformats.org/markup-compatibility/2006">
               <mc:Choice xmlns:v="urn:schemas-microsoft-com:vml" Requires="v">
-                <p:oleObj spid="_x0000_s88090" name="Equation" r:id="rId10" imgW="4063680" imgH="571320" progId="Equation.DSMT4">
+                <p:oleObj spid="_x0000_s88099" name="Equation" r:id="rId10" imgW="4063680" imgH="571320" progId="Equation.DSMT4">
                   <p:embed/>
                 </p:oleObj>
               </mc:Choice>
@@ -13276,11 +13287,7 @@
             </a:r>
             <a:r>
               <a:rPr lang="en-US" dirty="0" smtClean="0"/>
-              <a:t> </a:t>
-            </a:r>
-            <a:r>
-              <a:rPr lang="en-US" dirty="0" smtClean="0"/>
-              <a:t>12W.</a:t>
+              <a:t> 12W.</a:t>
             </a:r>
             <a:fld id="{A585D087-0720-40C8-BCB9-442D95888E3B}" type="slidenum">
               <a:rPr lang="en-US" smtClean="0"/>
@@ -13309,7 +13316,7 @@
           <a:graphicData uri="http://schemas.openxmlformats.org/presentationml/2006/ole">
             <mc:AlternateContent xmlns:mc="http://schemas.openxmlformats.org/markup-compatibility/2006">
               <mc:Choice xmlns:v="urn:schemas-microsoft-com:vml" Requires="v">
-                <p:oleObj spid="_x0000_s234506" name="Equation" r:id="rId4" imgW="2222500" imgH="927100" progId="Equation.DSMT4">
+                <p:oleObj spid="_x0000_s234509" name="Equation" r:id="rId4" imgW="2222500" imgH="927100" progId="Equation.DSMT4">
                   <p:embed/>
                 </p:oleObj>
               </mc:Choice>
@@ -13732,11 +13739,7 @@
             </a:r>
             <a:r>
               <a:rPr lang="en-US" dirty="0" smtClean="0"/>
-              <a:t> </a:t>
-            </a:r>
-            <a:r>
-              <a:rPr lang="en-US" dirty="0" smtClean="0"/>
-              <a:t>12W.</a:t>
+              <a:t> 12W.</a:t>
             </a:r>
             <a:fld id="{A585D087-0720-40C8-BCB9-442D95888E3B}" type="slidenum">
               <a:rPr lang="en-US" smtClean="0"/>
@@ -13834,11 +13837,7 @@
             </a:r>
             <a:r>
               <a:rPr lang="en-US" dirty="0" smtClean="0"/>
-              <a:t> </a:t>
-            </a:r>
-            <a:r>
-              <a:rPr lang="en-US" dirty="0" smtClean="0"/>
-              <a:t>12W.</a:t>
+              <a:t> 12W.</a:t>
             </a:r>
             <a:fld id="{A585D087-0720-40C8-BCB9-442D95888E3B}" type="slidenum">
               <a:rPr lang="en-US" smtClean="0"/>
@@ -13921,7 +13920,7 @@
           <a:graphicData uri="http://schemas.openxmlformats.org/presentationml/2006/ole">
             <mc:AlternateContent xmlns:mc="http://schemas.openxmlformats.org/markup-compatibility/2006">
               <mc:Choice xmlns:v="urn:schemas-microsoft-com:vml" Requires="v">
-                <p:oleObj spid="_x0000_s235530" name="Equation" r:id="rId4" imgW="3429000" imgH="1244520" progId="Equation.DSMT4">
+                <p:oleObj spid="_x0000_s235535" name="Equation" r:id="rId4" imgW="3429000" imgH="1244520" progId="Equation.DSMT4">
                   <p:embed/>
                 </p:oleObj>
               </mc:Choice>
@@ -13991,7 +13990,7 @@
           <a:graphicData uri="http://schemas.openxmlformats.org/presentationml/2006/ole">
             <mc:AlternateContent xmlns:mc="http://schemas.openxmlformats.org/markup-compatibility/2006">
               <mc:Choice xmlns:v="urn:schemas-microsoft-com:vml" Requires="v">
-                <p:oleObj spid="_x0000_s235531" name="Equation" r:id="rId6" imgW="3429000" imgH="1244520" progId="Equation.DSMT4">
+                <p:oleObj spid="_x0000_s235536" name="Equation" r:id="rId6" imgW="3429000" imgH="1244520" progId="Equation.DSMT4">
                   <p:embed/>
                 </p:oleObj>
               </mc:Choice>
@@ -14258,11 +14257,7 @@
             </a:r>
             <a:r>
               <a:rPr lang="en-US" dirty="0" smtClean="0"/>
-              <a:t> </a:t>
-            </a:r>
-            <a:r>
-              <a:rPr lang="en-US" dirty="0" smtClean="0"/>
-              <a:t>12W.</a:t>
+              <a:t> 12W.</a:t>
             </a:r>
             <a:fld id="{A585D087-0720-40C8-BCB9-442D95888E3B}" type="slidenum">
               <a:rPr lang="en-US" smtClean="0"/>
@@ -14357,7 +14352,7 @@
           <a:graphicData uri="http://schemas.openxmlformats.org/presentationml/2006/ole">
             <mc:AlternateContent xmlns:mc="http://schemas.openxmlformats.org/markup-compatibility/2006">
               <mc:Choice xmlns:v="urn:schemas-microsoft-com:vml" Requires="v">
-                <p:oleObj spid="_x0000_s236557" name="Equation" r:id="rId4" imgW="3009600" imgH="596880" progId="Equation.DSMT4">
+                <p:oleObj spid="_x0000_s236564" name="Equation" r:id="rId4" imgW="3009600" imgH="596880" progId="Equation.DSMT4">
                   <p:embed/>
                 </p:oleObj>
               </mc:Choice>
@@ -14427,7 +14422,7 @@
           <a:graphicData uri="http://schemas.openxmlformats.org/presentationml/2006/ole">
             <mc:AlternateContent xmlns:mc="http://schemas.openxmlformats.org/markup-compatibility/2006">
               <mc:Choice xmlns:v="urn:schemas-microsoft-com:vml" Requires="v">
-                <p:oleObj spid="_x0000_s236558" name="Equation" r:id="rId6" imgW="2184120" imgH="1269720" progId="Equation.DSMT4">
+                <p:oleObj spid="_x0000_s236565" name="Equation" r:id="rId6" imgW="2184120" imgH="1269720" progId="Equation.DSMT4">
                   <p:embed/>
                 </p:oleObj>
               </mc:Choice>
@@ -14503,7 +14498,7 @@
           <a:graphicData uri="http://schemas.openxmlformats.org/presentationml/2006/ole">
             <mc:AlternateContent xmlns:mc="http://schemas.openxmlformats.org/markup-compatibility/2006">
               <mc:Choice xmlns:v="urn:schemas-microsoft-com:vml" Requires="v">
-                <p:oleObj spid="_x0000_s236559" name="Equation" r:id="rId8" imgW="4089400" imgH="1765300" progId="Equation.3">
+                <p:oleObj spid="_x0000_s236566" name="Equation" r:id="rId8" imgW="4089400" imgH="1765300" progId="Equation.3">
                   <p:embed/>
                 </p:oleObj>
               </mc:Choice>
@@ -14836,11 +14831,7 @@
             </a:r>
             <a:r>
               <a:rPr lang="en-US" dirty="0" smtClean="0"/>
-              <a:t> </a:t>
-            </a:r>
-            <a:r>
-              <a:rPr lang="en-US" dirty="0" smtClean="0"/>
-              <a:t>12W.</a:t>
+              <a:t> 12W.</a:t>
             </a:r>
             <a:fld id="{A585D087-0720-40C8-BCB9-442D95888E3B}" type="slidenum">
               <a:rPr lang="en-US" smtClean="0"/>
@@ -14935,7 +14926,7 @@
           <a:graphicData uri="http://schemas.openxmlformats.org/presentationml/2006/ole">
             <mc:AlternateContent xmlns:mc="http://schemas.openxmlformats.org/markup-compatibility/2006">
               <mc:Choice xmlns:v="urn:schemas-microsoft-com:vml" Requires="v">
-                <p:oleObj spid="_x0000_s253959" name="Equation" r:id="rId4" imgW="2184120" imgH="1523880" progId="Equation.DSMT4">
+                <p:oleObj spid="_x0000_s253963" name="Equation" r:id="rId4" imgW="2184120" imgH="1523880" progId="Equation.DSMT4">
                   <p:embed/>
                 </p:oleObj>
               </mc:Choice>
@@ -14994,6 +14985,18 @@
   <p:clrMapOvr>
     <a:masterClrMapping/>
   </p:clrMapOvr>
+  <mc:AlternateContent xmlns:mc="http://schemas.openxmlformats.org/markup-compatibility/2006">
+    <mc:Choice xmlns:p14="http://schemas.microsoft.com/office/powerpoint/2010/main" Requires="p14">
+      <p:transition spd="med" p14:dur="700">
+        <p:fade/>
+      </p:transition>
+    </mc:Choice>
+    <mc:Fallback>
+      <p:transition xmlns:p14="http://schemas.microsoft.com/office/powerpoint/2010/main" spd="med">
+        <p:fade/>
+      </p:transition>
+    </mc:Fallback>
+  </mc:AlternateContent>
   <p:timing>
     <p:tnLst>
       <p:par>
@@ -15149,11 +15152,7 @@
             </a:r>
             <a:r>
               <a:rPr lang="en-US" dirty="0" smtClean="0"/>
-              <a:t> </a:t>
-            </a:r>
-            <a:r>
-              <a:rPr lang="en-US" dirty="0" smtClean="0"/>
-              <a:t>12W.</a:t>
+              <a:t> 12W.</a:t>
             </a:r>
             <a:fld id="{A585D087-0720-40C8-BCB9-442D95888E3B}" type="slidenum">
               <a:rPr lang="en-US" smtClean="0"/>
@@ -15255,6 +15254,9 @@
   <p:clrMapOvr>
     <a:masterClrMapping/>
   </p:clrMapOvr>
+  <p:transition xmlns:p14="http://schemas.microsoft.com/office/powerpoint/2010/main">
+    <p:fade/>
+  </p:transition>
   <p:timing>
     <p:tnLst>
       <p:par>
@@ -15459,11 +15461,7 @@
             </a:r>
             <a:r>
               <a:rPr lang="en-US" dirty="0" smtClean="0"/>
-              <a:t> </a:t>
-            </a:r>
-            <a:r>
-              <a:rPr lang="en-US" dirty="0" smtClean="0"/>
-              <a:t>12W.</a:t>
+              <a:t> 12W.</a:t>
             </a:r>
             <a:fld id="{A585D087-0720-40C8-BCB9-442D95888E3B}" type="slidenum">
               <a:rPr lang="en-US" smtClean="0"/>
@@ -15546,7 +15544,7 @@
           <a:graphicData uri="http://schemas.openxmlformats.org/presentationml/2006/ole">
             <mc:AlternateContent xmlns:mc="http://schemas.openxmlformats.org/markup-compatibility/2006">
               <mc:Choice xmlns:v="urn:schemas-microsoft-com:vml" Requires="v">
-                <p:oleObj spid="_x0000_s256006" name="Equation" r:id="rId4" imgW="2476500" imgH="1600200" progId="Equation.DSMT4">
+                <p:oleObj spid="_x0000_s256009" name="Equation" r:id="rId4" imgW="2476500" imgH="1600200" progId="Equation.DSMT4">
                   <p:embed/>
                 </p:oleObj>
               </mc:Choice>
@@ -15766,11 +15764,7 @@
             </a:r>
             <a:r>
               <a:rPr lang="en-US" dirty="0" smtClean="0"/>
-              <a:t> </a:t>
-            </a:r>
-            <a:r>
-              <a:rPr lang="en-US" dirty="0" smtClean="0"/>
-              <a:t>12W.</a:t>
+              <a:t> 12W.</a:t>
             </a:r>
             <a:fld id="{A585D087-0720-40C8-BCB9-442D95888E3B}" type="slidenum">
               <a:rPr lang="en-US" smtClean="0"/>
@@ -15799,7 +15793,7 @@
           <a:graphicData uri="http://schemas.openxmlformats.org/presentationml/2006/ole">
             <mc:AlternateContent xmlns:mc="http://schemas.openxmlformats.org/markup-compatibility/2006">
               <mc:Choice xmlns:v="urn:schemas-microsoft-com:vml" Requires="v">
-                <p:oleObj spid="_x0000_s254985" name="Equation" r:id="rId4" imgW="2476500" imgH="1600200" progId="Equation.DSMT4">
+                <p:oleObj spid="_x0000_s254990" name="Equation" r:id="rId4" imgW="2476500" imgH="1600200" progId="Equation.DSMT4">
                   <p:embed/>
                 </p:oleObj>
               </mc:Choice>
@@ -15951,7 +15945,7 @@
           <a:graphicData uri="http://schemas.openxmlformats.org/presentationml/2006/ole">
             <mc:AlternateContent xmlns:mc="http://schemas.openxmlformats.org/markup-compatibility/2006">
               <mc:Choice xmlns:v="urn:schemas-microsoft-com:vml" Requires="v">
-                <p:oleObj spid="_x0000_s254986" name="Equation" r:id="rId6" imgW="2311200" imgH="1523880" progId="Equation.DSMT4">
+                <p:oleObj spid="_x0000_s254991" name="Equation" r:id="rId6" imgW="2311200" imgH="1523880" progId="Equation.DSMT4">
                   <p:embed/>
                 </p:oleObj>
               </mc:Choice>
@@ -16079,7 +16073,7 @@
           <a:graphicData uri="http://schemas.openxmlformats.org/presentationml/2006/ole">
             <mc:AlternateContent xmlns:mc="http://schemas.openxmlformats.org/markup-compatibility/2006">
               <mc:Choice xmlns:v="urn:schemas-microsoft-com:vml" Requires="v">
-                <p:oleObj spid="_x0000_s316443" name="Equation" r:id="rId4" imgW="2159000" imgH="241300" progId="Equation.DSMT4">
+                <p:oleObj spid="_x0000_s316454" name="Equation" r:id="rId4" imgW="2159000" imgH="241300" progId="Equation.DSMT4">
                   <p:embed/>
                 </p:oleObj>
               </mc:Choice>
@@ -16396,11 +16390,7 @@
             </a:r>
             <a:r>
               <a:rPr lang="en-US" dirty="0" smtClean="0"/>
-              <a:t> </a:t>
-            </a:r>
-            <a:r>
-              <a:rPr lang="en-US" dirty="0" smtClean="0"/>
-              <a:t>12W.</a:t>
+              <a:t> 12W.</a:t>
             </a:r>
             <a:fld id="{B20F91F6-F4EE-490C-AA68-F15A44211122}" type="slidenum">
               <a:rPr lang="en-US" smtClean="0"/>
@@ -16500,7 +16490,7 @@
           <a:graphicData uri="http://schemas.openxmlformats.org/presentationml/2006/ole">
             <mc:AlternateContent xmlns:mc="http://schemas.openxmlformats.org/markup-compatibility/2006">
               <mc:Choice xmlns:v="urn:schemas-microsoft-com:vml" Requires="v">
-                <p:oleObj spid="_x0000_s316444" name="Equation" r:id="rId6" imgW="647700" imgH="215900" progId="Equation.DSMT4">
+                <p:oleObj spid="_x0000_s316455" name="Equation" r:id="rId6" imgW="647700" imgH="215900" progId="Equation.DSMT4">
                   <p:embed/>
                 </p:oleObj>
               </mc:Choice>
@@ -16570,7 +16560,7 @@
           <a:graphicData uri="http://schemas.openxmlformats.org/presentationml/2006/ole">
             <mc:AlternateContent xmlns:mc="http://schemas.openxmlformats.org/markup-compatibility/2006">
               <mc:Choice xmlns:v="urn:schemas-microsoft-com:vml" Requires="v">
-                <p:oleObj spid="_x0000_s316445" name="Equation" r:id="rId8" imgW="1244600" imgH="241300" progId="Equation.DSMT4">
+                <p:oleObj spid="_x0000_s316456" name="Equation" r:id="rId8" imgW="1244600" imgH="241300" progId="Equation.DSMT4">
                   <p:embed/>
                 </p:oleObj>
               </mc:Choice>
@@ -16646,7 +16636,7 @@
           <a:graphicData uri="http://schemas.openxmlformats.org/presentationml/2006/ole">
             <mc:AlternateContent xmlns:mc="http://schemas.openxmlformats.org/markup-compatibility/2006">
               <mc:Choice xmlns:v="urn:schemas-microsoft-com:vml" Requires="v">
-                <p:oleObj spid="_x0000_s316446" name="Equation" r:id="rId10" imgW="1524000" imgH="241300" progId="Equation.DSMT4">
+                <p:oleObj spid="_x0000_s316457" name="Equation" r:id="rId10" imgW="1524000" imgH="241300" progId="Equation.DSMT4">
                   <p:embed/>
                 </p:oleObj>
               </mc:Choice>
@@ -16703,7 +16693,7 @@
           <a:graphicData uri="http://schemas.openxmlformats.org/presentationml/2006/ole">
             <mc:AlternateContent xmlns:mc="http://schemas.openxmlformats.org/markup-compatibility/2006">
               <mc:Choice xmlns:v="urn:schemas-microsoft-com:vml" Requires="v">
-                <p:oleObj spid="_x0000_s316447" name="Equation" r:id="rId12" imgW="381000" imgH="469900" progId="Equation.DSMT4">
+                <p:oleObj spid="_x0000_s316458" name="Equation" r:id="rId12" imgW="381000" imgH="469900" progId="Equation.DSMT4">
                   <p:embed/>
                 </p:oleObj>
               </mc:Choice>
@@ -17497,7 +17487,7 @@
           <a:p>
             <a:r>
               <a:rPr lang="en-US" dirty="0" smtClean="0"/>
-              <a:t>Conclusion: Bags of Fruit</a:t>
+              <a:t>The Donut Number!</a:t>
             </a:r>
             <a:endParaRPr lang="en-US" dirty="0"/>
           </a:p>
@@ -17527,11 +17517,7 @@
             </a:r>
             <a:r>
               <a:rPr lang="en-US" dirty="0" smtClean="0"/>
-              <a:t> </a:t>
-            </a:r>
-            <a:r>
-              <a:rPr lang="en-US" dirty="0" smtClean="0"/>
-              <a:t>12W.</a:t>
+              <a:t> 12W.</a:t>
             </a:r>
             <a:fld id="{A585D087-0720-40C8-BCB9-442D95888E3B}" type="slidenum">
               <a:rPr lang="en-US" smtClean="0"/>
@@ -17539,6 +17525,405 @@
                 <a:defRPr/>
               </a:pPr>
               <a:t>30</a:t>
+            </a:fld>
+            <a:endParaRPr lang="en-US" dirty="0"/>
+          </a:p>
+        </p:txBody>
+      </p:sp>
+      <p:graphicFrame>
+        <p:nvGraphicFramePr>
+          <p:cNvPr id="6" name="Object 5"/>
+          <p:cNvGraphicFramePr>
+            <a:graphicFrameLocks noChangeAspect="1"/>
+          </p:cNvGraphicFramePr>
+          <p:nvPr>
+            <p:extLst>
+              <p:ext uri="{D42A27DB-BD31-4B8C-83A1-F6EECF244321}">
+                <p14:modId xmlns:p14="http://schemas.microsoft.com/office/powerpoint/2010/main" val="3681700987"/>
+              </p:ext>
+            </p:extLst>
+          </p:nvPr>
+        </p:nvGraphicFramePr>
+        <p:xfrm>
+          <a:off x="2065338" y="3619500"/>
+          <a:ext cx="4975225" cy="2547938"/>
+        </p:xfrm>
+        <a:graphic>
+          <a:graphicData uri="http://schemas.openxmlformats.org/presentationml/2006/ole">
+            <mc:AlternateContent xmlns:mc="http://schemas.openxmlformats.org/markup-compatibility/2006">
+              <mc:Choice xmlns:v="urn:schemas-microsoft-com:vml" Requires="v">
+                <p:oleObj spid="_x0000_s1031" name="Equation" r:id="rId4" imgW="3073400" imgH="1574800" progId="Equation.DSMT4">
+                  <p:embed/>
+                </p:oleObj>
+              </mc:Choice>
+              <mc:Fallback>
+                <p:oleObj name="Equation" r:id="rId4" imgW="3073400" imgH="1574800" progId="Equation.DSMT4">
+                  <p:embed/>
+                  <p:pic>
+                    <p:nvPicPr>
+                      <p:cNvPr id="0" name=""/>
+                      <p:cNvPicPr>
+                        <a:picLocks noChangeAspect="1" noChangeArrowheads="1"/>
+                      </p:cNvPicPr>
+                      <p:nvPr/>
+                    </p:nvPicPr>
+                    <p:blipFill>
+                      <a:blip r:embed="rId5"/>
+                      <a:srcRect/>
+                      <a:stretch>
+                        <a:fillRect/>
+                      </a:stretch>
+                    </p:blipFill>
+                    <p:spPr bwMode="auto">
+                      <a:xfrm>
+                        <a:off x="2065338" y="3619500"/>
+                        <a:ext cx="4975225" cy="2547938"/>
+                      </a:xfrm>
+                      <a:prstGeom prst="rect">
+                        <a:avLst/>
+                      </a:prstGeom>
+                      <a:noFill/>
+                      <a:extLst>
+                        <a:ext uri="{909E8E84-426E-40dd-AFC4-6F175D3DCCD1}">
+                          <a14:hiddenFill xmlns:a14="http://schemas.microsoft.com/office/drawing/2010/main">
+                            <a:solidFill>
+                              <a:srgbClr val="FFFFFF"/>
+                            </a:solidFill>
+                          </a14:hiddenFill>
+                        </a:ext>
+                      </a:extLst>
+                    </p:spPr>
+                  </p:pic>
+                </p:oleObj>
+              </mc:Fallback>
+            </mc:AlternateContent>
+          </a:graphicData>
+        </a:graphic>
+      </p:graphicFrame>
+      <p:sp>
+        <p:nvSpPr>
+          <p:cNvPr id="4" name="TextBox 3"/>
+          <p:cNvSpPr txBox="1"/>
+          <p:nvPr/>
+        </p:nvSpPr>
+        <p:spPr>
+          <a:xfrm>
+            <a:off x="49309" y="1972270"/>
+            <a:ext cx="5589491" cy="923330"/>
+          </a:xfrm>
+          <a:prstGeom prst="rect">
+            <a:avLst/>
+          </a:prstGeom>
+          <a:noFill/>
+        </p:spPr>
+        <p:txBody>
+          <a:bodyPr wrap="square" rtlCol="0">
+            <a:spAutoFit/>
+          </a:bodyPr>
+          <a:lstStyle/>
+          <a:p>
+            <a:r>
+              <a:rPr lang="en-US" sz="5400" dirty="0" err="1" smtClean="0">
+                <a:solidFill>
+                  <a:srgbClr val="0000FF"/>
+                </a:solidFill>
+              </a:rPr>
+              <a:t>coeff</a:t>
+            </a:r>
+            <a:r>
+              <a:rPr lang="en-US" sz="5400" dirty="0" smtClean="0">
+                <a:solidFill>
+                  <a:srgbClr val="0000FF"/>
+                </a:solidFill>
+              </a:rPr>
+              <a:t> </a:t>
+            </a:r>
+            <a:r>
+              <a:rPr lang="en-US" sz="5400" dirty="0" smtClean="0">
+                <a:solidFill>
+                  <a:srgbClr val="0000FF"/>
+                </a:solidFill>
+              </a:rPr>
+              <a:t>of </a:t>
+            </a:r>
+            <a:r>
+              <a:rPr lang="en-US" sz="5400" dirty="0" err="1" smtClean="0">
+                <a:solidFill>
+                  <a:srgbClr val="0000FF"/>
+                </a:solidFill>
+              </a:rPr>
+              <a:t>x</a:t>
+            </a:r>
+            <a:r>
+              <a:rPr lang="en-US" sz="5400" baseline="30000" dirty="0" err="1" smtClean="0">
+                <a:solidFill>
+                  <a:srgbClr val="0000FF"/>
+                </a:solidFill>
+              </a:rPr>
+              <a:t>n</a:t>
+            </a:r>
+            <a:r>
+              <a:rPr lang="en-US" sz="5400" dirty="0" smtClean="0">
+                <a:solidFill>
+                  <a:srgbClr val="0000FF"/>
+                </a:solidFill>
+              </a:rPr>
+              <a:t> </a:t>
+            </a:r>
+            <a:r>
+              <a:rPr lang="en-US" sz="5400" dirty="0" smtClean="0"/>
+              <a:t>in</a:t>
+            </a:r>
+            <a:endParaRPr lang="en-US" sz="5400" dirty="0"/>
+          </a:p>
+        </p:txBody>
+      </p:sp>
+      <p:graphicFrame>
+        <p:nvGraphicFramePr>
+          <p:cNvPr id="254979" name="Object 4"/>
+          <p:cNvGraphicFramePr>
+            <a:graphicFrameLocks noChangeAspect="1"/>
+          </p:cNvGraphicFramePr>
+          <p:nvPr>
+            <p:extLst>
+              <p:ext uri="{D42A27DB-BD31-4B8C-83A1-F6EECF244321}">
+                <p14:modId xmlns:p14="http://schemas.microsoft.com/office/powerpoint/2010/main" val="4293363475"/>
+              </p:ext>
+            </p:extLst>
+          </p:nvPr>
+        </p:nvGraphicFramePr>
+        <p:xfrm>
+          <a:off x="4810125" y="1371600"/>
+          <a:ext cx="3952875" cy="2078038"/>
+        </p:xfrm>
+        <a:graphic>
+          <a:graphicData uri="http://schemas.openxmlformats.org/presentationml/2006/ole">
+            <mc:AlternateContent xmlns:mc="http://schemas.openxmlformats.org/markup-compatibility/2006">
+              <mc:Choice xmlns:v="urn:schemas-microsoft-com:vml" Requires="v">
+                <p:oleObj spid="_x0000_s1032" name="Equation" r:id="rId6" imgW="2857500" imgH="1663700" progId="Equation.DSMT4">
+                  <p:embed/>
+                </p:oleObj>
+              </mc:Choice>
+              <mc:Fallback>
+                <p:oleObj name="Equation" r:id="rId6" imgW="2857500" imgH="1663700" progId="Equation.DSMT4">
+                  <p:embed/>
+                  <p:pic>
+                    <p:nvPicPr>
+                      <p:cNvPr id="0" name=""/>
+                      <p:cNvPicPr>
+                        <a:picLocks noChangeAspect="1" noChangeArrowheads="1"/>
+                      </p:cNvPicPr>
+                      <p:nvPr/>
+                    </p:nvPicPr>
+                    <p:blipFill>
+                      <a:blip r:embed="rId7"/>
+                      <a:srcRect/>
+                      <a:stretch>
+                        <a:fillRect/>
+                      </a:stretch>
+                    </p:blipFill>
+                    <p:spPr bwMode="auto">
+                      <a:xfrm>
+                        <a:off x="4810125" y="1371600"/>
+                        <a:ext cx="3952875" cy="2078038"/>
+                      </a:xfrm>
+                      <a:prstGeom prst="rect">
+                        <a:avLst/>
+                      </a:prstGeom>
+                      <a:noFill/>
+                      <a:extLst>
+                        <a:ext uri="{909E8E84-426E-40dd-AFC4-6F175D3DCCD1}">
+                          <a14:hiddenFill xmlns:a14="http://schemas.microsoft.com/office/drawing/2010/main">
+                            <a:solidFill>
+                              <a:srgbClr val="FFFFFF"/>
+                            </a:solidFill>
+                          </a14:hiddenFill>
+                        </a:ext>
+                      </a:extLst>
+                    </p:spPr>
+                  </p:pic>
+                </p:oleObj>
+              </mc:Fallback>
+            </mc:AlternateContent>
+          </a:graphicData>
+        </a:graphic>
+      </p:graphicFrame>
+    </p:spTree>
+    <p:extLst>
+      <p:ext uri="{BB962C8B-B14F-4D97-AF65-F5344CB8AC3E}">
+        <p14:creationId xmlns:p14="http://schemas.microsoft.com/office/powerpoint/2010/main" val="3221223306"/>
+      </p:ext>
+    </p:extLst>
+  </p:cSld>
+  <p:clrMapOvr>
+    <a:masterClrMapping/>
+  </p:clrMapOvr>
+  <p:transition xmlns:p14="http://schemas.microsoft.com/office/powerpoint/2010/main" spd="slow">
+    <p:fade/>
+  </p:transition>
+  <p:timing>
+    <p:tnLst>
+      <p:par>
+        <p:cTn xmlns:p14="http://schemas.microsoft.com/office/powerpoint/2010/main" id="1" dur="indefinite" restart="never" nodeType="tmRoot">
+          <p:childTnLst>
+            <p:seq concurrent="1" nextAc="seek">
+              <p:cTn id="2" dur="indefinite" nodeType="mainSeq">
+                <p:childTnLst>
+                  <p:par>
+                    <p:cTn id="3" fill="hold">
+                      <p:stCondLst>
+                        <p:cond delay="indefinite"/>
+                      </p:stCondLst>
+                      <p:childTnLst>
+                        <p:par>
+                          <p:cTn id="4" fill="hold">
+                            <p:stCondLst>
+                              <p:cond delay="0"/>
+                            </p:stCondLst>
+                            <p:childTnLst>
+                              <p:par>
+                                <p:cTn id="5" presetID="10" presetClass="entr" presetSubtype="0" fill="hold" nodeType="clickEffect">
+                                  <p:stCondLst>
+                                    <p:cond delay="0"/>
+                                  </p:stCondLst>
+                                  <p:childTnLst>
+                                    <p:set>
+                                      <p:cBhvr>
+                                        <p:cTn id="6" dur="1" fill="hold">
+                                          <p:stCondLst>
+                                            <p:cond delay="0"/>
+                                          </p:stCondLst>
+                                        </p:cTn>
+                                        <p:tgtEl>
+                                          <p:spTgt spid="6"/>
+                                        </p:tgtEl>
+                                        <p:attrNameLst>
+                                          <p:attrName>style.visibility</p:attrName>
+                                        </p:attrNameLst>
+                                      </p:cBhvr>
+                                      <p:to>
+                                        <p:strVal val="visible"/>
+                                      </p:to>
+                                    </p:set>
+                                    <p:animEffect transition="in" filter="fade">
+                                      <p:cBhvr>
+                                        <p:cTn id="7" dur="500"/>
+                                        <p:tgtEl>
+                                          <p:spTgt spid="6"/>
+                                        </p:tgtEl>
+                                      </p:cBhvr>
+                                    </p:animEffect>
+                                  </p:childTnLst>
+                                </p:cTn>
+                              </p:par>
+                            </p:childTnLst>
+                          </p:cTn>
+                        </p:par>
+                      </p:childTnLst>
+                    </p:cTn>
+                  </p:par>
+                </p:childTnLst>
+              </p:cTn>
+              <p:prevCondLst>
+                <p:cond evt="onPrev" delay="0">
+                  <p:tgtEl>
+                    <p:sldTgt/>
+                  </p:tgtEl>
+                </p:cond>
+              </p:prevCondLst>
+              <p:nextCondLst>
+                <p:cond evt="onNext" delay="0">
+                  <p:tgtEl>
+                    <p:sldTgt/>
+                  </p:tgtEl>
+                </p:cond>
+              </p:nextCondLst>
+            </p:seq>
+          </p:childTnLst>
+        </p:cTn>
+      </p:par>
+    </p:tnLst>
+  </p:timing>
+</p:sld>
+</file>
+
+<file path=ppt/slides/slide31.xml><?xml version="1.0" encoding="utf-8"?>
+<p:sld xmlns:a="http://schemas.openxmlformats.org/drawingml/2006/main" xmlns:r="http://schemas.openxmlformats.org/officeDocument/2006/relationships" xmlns:p="http://schemas.openxmlformats.org/presentationml/2006/main">
+  <p:cSld>
+    <p:spTree>
+      <p:nvGrpSpPr>
+        <p:cNvPr id="1" name=""/>
+        <p:cNvGrpSpPr/>
+        <p:nvPr/>
+      </p:nvGrpSpPr>
+      <p:grpSpPr>
+        <a:xfrm>
+          <a:off x="0" y="0"/>
+          <a:ext cx="0" cy="0"/>
+          <a:chOff x="0" y="0"/>
+          <a:chExt cx="0" cy="0"/>
+        </a:xfrm>
+      </p:grpSpPr>
+      <p:sp>
+        <p:nvSpPr>
+          <p:cNvPr id="2" name="Title 1"/>
+          <p:cNvSpPr>
+            <a:spLocks noGrp="1"/>
+          </p:cNvSpPr>
+          <p:nvPr>
+            <p:ph type="title"/>
+          </p:nvPr>
+        </p:nvSpPr>
+        <p:spPr>
+          <a:xfrm>
+            <a:off x="1600200" y="228600"/>
+            <a:ext cx="7543800" cy="1143000"/>
+          </a:xfrm>
+        </p:spPr>
+        <p:txBody>
+          <a:bodyPr/>
+          <a:lstStyle/>
+          <a:p>
+            <a:r>
+              <a:rPr lang="en-US" dirty="0" smtClean="0"/>
+              <a:t>Conclusion: Bags of Fruit</a:t>
+            </a:r>
+            <a:endParaRPr lang="en-US" dirty="0"/>
+          </a:p>
+        </p:txBody>
+      </p:sp>
+      <p:sp>
+        <p:nvSpPr>
+          <p:cNvPr id="3" name="Slide Number Placeholder 2"/>
+          <p:cNvSpPr>
+            <a:spLocks noGrp="1"/>
+          </p:cNvSpPr>
+          <p:nvPr>
+            <p:ph type="sldNum" sz="quarter" idx="10"/>
+          </p:nvPr>
+        </p:nvSpPr>
+        <p:spPr/>
+        <p:txBody>
+          <a:bodyPr/>
+          <a:lstStyle/>
+          <a:p>
+            <a:pPr>
+              <a:defRPr/>
+            </a:pPr>
+            <a:r>
+              <a:rPr lang="en-US" dirty="0" err="1" smtClean="0"/>
+              <a:t>lec</a:t>
+            </a:r>
+            <a:r>
+              <a:rPr lang="en-US" dirty="0" smtClean="0"/>
+              <a:t> 12W.</a:t>
+            </a:r>
+            <a:fld id="{A585D087-0720-40C8-BCB9-442D95888E3B}" type="slidenum">
+              <a:rPr lang="en-US" smtClean="0"/>
+              <a:pPr>
+                <a:defRPr/>
+              </a:pPr>
+              <a:t>31</a:t>
             </a:fld>
             <a:endParaRPr lang="en-US" dirty="0"/>
           </a:p>
@@ -17606,7 +17991,7 @@
           <a:graphicData uri="http://schemas.openxmlformats.org/presentationml/2006/ole">
             <mc:AlternateContent xmlns:mc="http://schemas.openxmlformats.org/markup-compatibility/2006">
               <mc:Choice xmlns:v="urn:schemas-microsoft-com:vml" Requires="v">
-                <p:oleObj spid="_x0000_s93198" name="Equation" r:id="rId4" imgW="3543300" imgH="1917700" progId="Equation.DSMT4">
+                <p:oleObj spid="_x0000_s93208" name="Equation" r:id="rId4" imgW="3543300" imgH="1917700" progId="Equation.DSMT4">
                   <p:embed/>
                 </p:oleObj>
               </mc:Choice>
@@ -17676,7 +18061,7 @@
           <a:graphicData uri="http://schemas.openxmlformats.org/presentationml/2006/ole">
             <mc:AlternateContent xmlns:mc="http://schemas.openxmlformats.org/markup-compatibility/2006">
               <mc:Choice xmlns:v="urn:schemas-microsoft-com:vml" Requires="v">
-                <p:oleObj spid="_x0000_s93199" name="Equation" r:id="rId6" imgW="3543300" imgH="1600200" progId="Equation.DSMT4">
+                <p:oleObj spid="_x0000_s93209" name="Equation" r:id="rId6" imgW="3543300" imgH="1600200" progId="Equation.DSMT4">
                   <p:embed/>
                 </p:oleObj>
               </mc:Choice>
@@ -17746,7 +18131,7 @@
           <a:graphicData uri="http://schemas.openxmlformats.org/presentationml/2006/ole">
             <mc:AlternateContent xmlns:mc="http://schemas.openxmlformats.org/markup-compatibility/2006">
               <mc:Choice xmlns:v="urn:schemas-microsoft-com:vml" Requires="v">
-                <p:oleObj spid="_x0000_s93200" name="Equation" r:id="rId8" imgW="1524000" imgH="482600" progId="Equation.DSMT4">
+                <p:oleObj spid="_x0000_s93210" name="Equation" r:id="rId8" imgW="1524000" imgH="482600" progId="Equation.DSMT4">
                   <p:embed/>
                 </p:oleObj>
               </mc:Choice>
@@ -17805,6 +18190,18 @@
   <p:clrMapOvr>
     <a:masterClrMapping/>
   </p:clrMapOvr>
+  <mc:AlternateContent xmlns:mc="http://schemas.openxmlformats.org/markup-compatibility/2006">
+    <mc:Choice xmlns:p14="http://schemas.microsoft.com/office/powerpoint/2010/main" Requires="p14">
+      <p:transition spd="med" p14:dur="700">
+        <p:fade/>
+      </p:transition>
+    </mc:Choice>
+    <mc:Fallback>
+      <p:transition xmlns:p14="http://schemas.microsoft.com/office/powerpoint/2010/main" spd="med">
+        <p:fade/>
+      </p:transition>
+    </mc:Fallback>
+  </mc:AlternateContent>
   <p:timing>
     <p:tnLst>
       <p:par>
@@ -17980,7 +18377,7 @@
 </p:sld>
 </file>
 
-<file path=ppt/slides/slide31.xml><?xml version="1.0" encoding="utf-8"?>
+<file path=ppt/slides/slide32.xml><?xml version="1.0" encoding="utf-8"?>
 <p:sld xmlns:a="http://schemas.openxmlformats.org/drawingml/2006/main" xmlns:r="http://schemas.openxmlformats.org/officeDocument/2006/relationships" xmlns:p="http://schemas.openxmlformats.org/presentationml/2006/main" show="0">
   <p:cSld>
     <p:spTree>
@@ -18049,18 +18446,14 @@
             </a:r>
             <a:r>
               <a:rPr lang="en-US" dirty="0" smtClean="0"/>
-              <a:t> </a:t>
-            </a:r>
-            <a:r>
-              <a:rPr lang="en-US" dirty="0" smtClean="0"/>
-              <a:t>12W.</a:t>
+              <a:t> 12W.</a:t>
             </a:r>
             <a:fld id="{A585D087-0720-40C8-BCB9-442D95888E3B}" type="slidenum">
               <a:rPr lang="en-US" smtClean="0"/>
               <a:pPr>
                 <a:defRPr/>
               </a:pPr>
-              <a:t>31</a:t>
+              <a:t>32</a:t>
             </a:fld>
             <a:endParaRPr lang="en-US" dirty="0"/>
           </a:p>
@@ -18116,7 +18509,7 @@
           <a:graphicData uri="http://schemas.openxmlformats.org/presentationml/2006/ole">
             <mc:AlternateContent xmlns:mc="http://schemas.openxmlformats.org/markup-compatibility/2006">
               <mc:Choice xmlns:v="urn:schemas-microsoft-com:vml" Requires="v">
-                <p:oleObj spid="_x0000_s231430" name="Equation" r:id="rId4" imgW="6603840" imgH="2920680" progId="Equation.DSMT4">
+                <p:oleObj spid="_x0000_s231433" name="Equation" r:id="rId4" imgW="6603840" imgH="2920680" progId="Equation.DSMT4">
                   <p:embed/>
                 </p:oleObj>
               </mc:Choice>
@@ -18262,7 +18655,7 @@
 </p:sld>
 </file>
 
-<file path=ppt/slides/slide32.xml><?xml version="1.0" encoding="utf-8"?>
+<file path=ppt/slides/slide33.xml><?xml version="1.0" encoding="utf-8"?>
 <p:sld xmlns:a="http://schemas.openxmlformats.org/drawingml/2006/main" xmlns:r="http://schemas.openxmlformats.org/officeDocument/2006/relationships" xmlns:p="http://schemas.openxmlformats.org/presentationml/2006/main" show="0">
   <p:cSld>
     <p:spTree>
@@ -18331,18 +18724,14 @@
             </a:r>
             <a:r>
               <a:rPr lang="en-US" dirty="0" smtClean="0"/>
-              <a:t> </a:t>
-            </a:r>
-            <a:r>
-              <a:rPr lang="en-US" dirty="0" smtClean="0"/>
-              <a:t>12W.</a:t>
+              <a:t> 12W.</a:t>
             </a:r>
             <a:fld id="{A585D087-0720-40C8-BCB9-442D95888E3B}" type="slidenum">
               <a:rPr lang="en-US" smtClean="0"/>
               <a:pPr>
                 <a:defRPr/>
               </a:pPr>
-              <a:t>32</a:t>
+              <a:t>33</a:t>
             </a:fld>
             <a:endParaRPr lang="en-US" dirty="0"/>
           </a:p>
@@ -18354,22 +18743,28 @@
           <p:cNvGraphicFramePr>
             <a:graphicFrameLocks noChangeAspect="1"/>
           </p:cNvGraphicFramePr>
-          <p:nvPr/>
+          <p:nvPr>
+            <p:extLst>
+              <p:ext uri="{D42A27DB-BD31-4B8C-83A1-F6EECF244321}">
+                <p14:modId xmlns:p14="http://schemas.microsoft.com/office/powerpoint/2010/main" val="1191732149"/>
+              </p:ext>
+            </p:extLst>
+          </p:nvPr>
         </p:nvGraphicFramePr>
         <p:xfrm>
-          <a:off x="1320800" y="1536700"/>
-          <a:ext cx="6451600" cy="673100"/>
+          <a:off x="1301750" y="1447800"/>
+          <a:ext cx="6489700" cy="850900"/>
         </p:xfrm>
         <a:graphic>
           <a:graphicData uri="http://schemas.openxmlformats.org/presentationml/2006/ole">
             <mc:AlternateContent xmlns:mc="http://schemas.openxmlformats.org/markup-compatibility/2006">
               <mc:Choice xmlns:v="urn:schemas-microsoft-com:vml" Requires="v">
-                <p:oleObj spid="_x0000_s232454" name="Equation" r:id="rId4" imgW="6451560" imgH="672840" progId="Equation.DSMT4">
+                <p:oleObj spid="_x0000_s232458" name="Equation" r:id="rId4" imgW="6489700" imgH="850900" progId="Equation.DSMT4">
                   <p:embed/>
                 </p:oleObj>
               </mc:Choice>
               <mc:Fallback>
-                <p:oleObj name="Equation" r:id="rId4" imgW="6451560" imgH="672840" progId="Equation.DSMT4">
+                <p:oleObj name="Equation" r:id="rId4" imgW="6489700" imgH="850900" progId="Equation.DSMT4">
                   <p:embed/>
                   <p:pic>
                     <p:nvPicPr>
@@ -18380,13 +18775,7 @@
                       <p:nvPr/>
                     </p:nvPicPr>
                     <p:blipFill>
-                      <a:blip r:embed="rId5">
-                        <a:extLst>
-                          <a:ext uri="{28A0092B-C50C-407E-A947-70E740481C1C}">
-                            <a14:useLocalDpi xmlns:a14="http://schemas.microsoft.com/office/drawing/2010/main" val="0"/>
-                          </a:ext>
-                        </a:extLst>
-                      </a:blip>
+                      <a:blip r:embed="rId5"/>
                       <a:srcRect/>
                       <a:stretch>
                         <a:fillRect/>
@@ -18394,8 +18783,8 @@
                     </p:blipFill>
                     <p:spPr bwMode="auto">
                       <a:xfrm>
-                        <a:off x="1320800" y="1536700"/>
-                        <a:ext cx="6451600" cy="673100"/>
+                        <a:off x="1301750" y="1447800"/>
+                        <a:ext cx="6489700" cy="850900"/>
                       </a:xfrm>
                       <a:prstGeom prst="rect">
                         <a:avLst/>
@@ -18549,7 +18938,7 @@
 </p:sld>
 </file>
 
-<file path=ppt/slides/slide33.xml><?xml version="1.0" encoding="utf-8"?>
+<file path=ppt/slides/slide34.xml><?xml version="1.0" encoding="utf-8"?>
 <p:sld xmlns:a="http://schemas.openxmlformats.org/drawingml/2006/main" xmlns:r="http://schemas.openxmlformats.org/officeDocument/2006/relationships" xmlns:p="http://schemas.openxmlformats.org/presentationml/2006/main" show="0">
   <p:cSld>
     <p:spTree>
@@ -18618,18 +19007,14 @@
             </a:r>
             <a:r>
               <a:rPr lang="en-US" dirty="0" smtClean="0"/>
-              <a:t> </a:t>
-            </a:r>
-            <a:r>
-              <a:rPr lang="en-US" dirty="0" smtClean="0"/>
-              <a:t>12W.</a:t>
+              <a:t> 12W.</a:t>
             </a:r>
             <a:fld id="{A585D087-0720-40C8-BCB9-442D95888E3B}" type="slidenum">
               <a:rPr lang="en-US" smtClean="0"/>
               <a:pPr>
                 <a:defRPr/>
               </a:pPr>
-              <a:t>33</a:t>
+              <a:t>34</a:t>
             </a:fld>
             <a:endParaRPr lang="en-US" dirty="0"/>
           </a:p>
@@ -18657,7 +19042,7 @@
           <a:graphicData uri="http://schemas.openxmlformats.org/presentationml/2006/ole">
             <mc:AlternateContent xmlns:mc="http://schemas.openxmlformats.org/markup-compatibility/2006">
               <mc:Choice xmlns:v="urn:schemas-microsoft-com:vml" Requires="v">
-                <p:oleObj spid="_x0000_s233481" name="Equation" r:id="rId4" imgW="6540500" imgH="1092200" progId="Equation.3">
+                <p:oleObj spid="_x0000_s233486" name="Equation" r:id="rId4" imgW="6540500" imgH="1092200" progId="Equation.3">
                   <p:embed/>
                 </p:oleObj>
               </mc:Choice>
@@ -18764,7 +19149,7 @@
           <a:graphicData uri="http://schemas.openxmlformats.org/presentationml/2006/ole">
             <mc:AlternateContent xmlns:mc="http://schemas.openxmlformats.org/markup-compatibility/2006">
               <mc:Choice xmlns:v="urn:schemas-microsoft-com:vml" Requires="v">
-                <p:oleObj spid="_x0000_s233482" name="Equation" r:id="rId6" imgW="5905440" imgH="558720" progId="Equation.DSMT4">
+                <p:oleObj spid="_x0000_s233487" name="Equation" r:id="rId6" imgW="5905440" imgH="558720" progId="Equation.DSMT4">
                   <p:embed/>
                 </p:oleObj>
               </mc:Choice>
@@ -18834,7 +19219,7 @@
 </p:sld>
 </file>
 
-<file path=ppt/slides/slide34.xml><?xml version="1.0" encoding="utf-8"?>
+<file path=ppt/slides/slide35.xml><?xml version="1.0" encoding="utf-8"?>
 <p:sld xmlns:a="http://schemas.openxmlformats.org/drawingml/2006/main" xmlns:r="http://schemas.openxmlformats.org/officeDocument/2006/relationships" xmlns:p="http://schemas.openxmlformats.org/presentationml/2006/main">
   <p:cSld>
     <p:spTree>
@@ -18898,18 +19283,14 @@
             </a:r>
             <a:r>
               <a:rPr lang="en-US" dirty="0" smtClean="0"/>
-              <a:t> </a:t>
-            </a:r>
-            <a:r>
-              <a:rPr lang="en-US" dirty="0" smtClean="0"/>
-              <a:t>12W.</a:t>
+              <a:t> 12W.</a:t>
             </a:r>
             <a:fld id="{A585D087-0720-40C8-BCB9-442D95888E3B}" type="slidenum">
               <a:rPr lang="en-US" smtClean="0"/>
               <a:pPr>
                 <a:defRPr/>
               </a:pPr>
-              <a:t>34</a:t>
+              <a:t>35</a:t>
             </a:fld>
             <a:endParaRPr lang="en-US" dirty="0"/>
           </a:p>
@@ -19045,9 +19426,18 @@
   <p:clrMapOvr>
     <a:masterClrMapping/>
   </p:clrMapOvr>
-  <p:transition xmlns:p14="http://schemas.microsoft.com/office/powerpoint/2010/main" spd="slow">
-    <p:fade thruBlk="1"/>
-  </p:transition>
+  <mc:AlternateContent xmlns:mc="http://schemas.openxmlformats.org/markup-compatibility/2006">
+    <mc:Choice xmlns:p14="http://schemas.microsoft.com/office/powerpoint/2010/main" Requires="p14">
+      <p:transition spd="slow" p14:dur="1200">
+        <p:fade thruBlk="1"/>
+      </p:transition>
+    </mc:Choice>
+    <mc:Fallback>
+      <p:transition xmlns:p14="http://schemas.microsoft.com/office/powerpoint/2010/main" spd="slow">
+        <p:fade thruBlk="1"/>
+      </p:transition>
+    </mc:Fallback>
+  </mc:AlternateContent>
   <p:timing>
     <p:tnLst>
       <p:par>
@@ -19149,7 +19539,7 @@
                             </p:stCondLst>
                             <p:childTnLst>
                               <p:par>
-                                <p:cTn id="11" presetID="1" presetClass="entr" presetSubtype="0" fill="hold" grpId="0" nodeType="clickEffect">
+                                <p:cTn id="11" presetID="10" presetClass="entr" presetSubtype="0" fill="hold" grpId="0" nodeType="clickEffect">
                                   <p:stCondLst>
                                     <p:cond delay="0"/>
                                   </p:stCondLst>
@@ -19157,6 +19547,59 @@
                                     <p:set>
                                       <p:cBhvr>
                                         <p:cTn id="12" dur="1" fill="hold">
+                                          <p:stCondLst>
+                                            <p:cond delay="0"/>
+                                          </p:stCondLst>
+                                        </p:cTn>
+                                        <p:tgtEl>
+                                          <p:spTgt spid="5"/>
+                                        </p:tgtEl>
+                                        <p:attrNameLst>
+                                          <p:attrName>style.visibility</p:attrName>
+                                        </p:attrNameLst>
+                                      </p:cBhvr>
+                                      <p:to>
+                                        <p:strVal val="visible"/>
+                                      </p:to>
+                                    </p:set>
+                                    <p:animEffect transition="in" filter="fade">
+                                      <p:cBhvr>
+                                        <p:cTn id="13" dur="500"/>
+                                        <p:tgtEl>
+                                          <p:spTgt spid="5"/>
+                                        </p:tgtEl>
+                                      </p:cBhvr>
+                                    </p:animEffect>
+                                  </p:childTnLst>
+                                </p:cTn>
+                              </p:par>
+                            </p:childTnLst>
+                          </p:cTn>
+                        </p:par>
+                      </p:childTnLst>
+                    </p:cTn>
+                  </p:par>
+                  <p:par>
+                    <p:cTn id="14" fill="hold">
+                      <p:stCondLst>
+                        <p:cond delay="indefinite"/>
+                      </p:stCondLst>
+                      <p:childTnLst>
+                        <p:par>
+                          <p:cTn id="15" fill="hold">
+                            <p:stCondLst>
+                              <p:cond delay="0"/>
+                            </p:stCondLst>
+                            <p:childTnLst>
+                              <p:par>
+                                <p:cTn id="16" presetID="1" presetClass="entr" presetSubtype="0" fill="hold" grpId="0" nodeType="clickEffect">
+                                  <p:stCondLst>
+                                    <p:cond delay="0"/>
+                                  </p:stCondLst>
+                                  <p:childTnLst>
+                                    <p:set>
+                                      <p:cBhvr>
+                                        <p:cTn id="17" dur="1" fill="hold">
                                           <p:stCondLst>
                                             <p:cond delay="0"/>
                                           </p:stCondLst>
@@ -19183,20 +19626,20 @@
                           </p:cTn>
                         </p:par>
                         <p:par>
-                          <p:cTn id="13" fill="hold">
+                          <p:cTn id="18" fill="hold">
                             <p:stCondLst>
                               <p:cond delay="0"/>
                             </p:stCondLst>
                             <p:childTnLst>
                               <p:par>
-                                <p:cTn id="14" presetID="1" presetClass="entr" presetSubtype="0" fill="hold" grpId="0" nodeType="afterEffect">
+                                <p:cTn id="19" presetID="1" presetClass="entr" presetSubtype="0" fill="hold" grpId="0" nodeType="afterEffect">
                                   <p:stCondLst>
                                     <p:cond delay="0"/>
                                   </p:stCondLst>
                                   <p:childTnLst>
                                     <p:set>
                                       <p:cBhvr>
-                                        <p:cTn id="15" dur="1" fill="hold">
+                                        <p:cTn id="20" dur="1" fill="hold">
                                           <p:stCondLst>
                                             <p:cond delay="0"/>
                                           </p:stCondLst>
@@ -19216,59 +19659,6 @@
                                         <p:strVal val="visible"/>
                                       </p:to>
                                     </p:set>
-                                  </p:childTnLst>
-                                </p:cTn>
-                              </p:par>
-                            </p:childTnLst>
-                          </p:cTn>
-                        </p:par>
-                      </p:childTnLst>
-                    </p:cTn>
-                  </p:par>
-                  <p:par>
-                    <p:cTn id="16" fill="hold">
-                      <p:stCondLst>
-                        <p:cond delay="indefinite"/>
-                      </p:stCondLst>
-                      <p:childTnLst>
-                        <p:par>
-                          <p:cTn id="17" fill="hold">
-                            <p:stCondLst>
-                              <p:cond delay="0"/>
-                            </p:stCondLst>
-                            <p:childTnLst>
-                              <p:par>
-                                <p:cTn id="18" presetID="10" presetClass="entr" presetSubtype="0" fill="hold" grpId="0" nodeType="clickEffect">
-                                  <p:stCondLst>
-                                    <p:cond delay="0"/>
-                                  </p:stCondLst>
-                                  <p:childTnLst>
-                                    <p:set>
-                                      <p:cBhvr>
-                                        <p:cTn id="19" dur="1" fill="hold">
-                                          <p:stCondLst>
-                                            <p:cond delay="0"/>
-                                          </p:stCondLst>
-                                        </p:cTn>
-                                        <p:tgtEl>
-                                          <p:spTgt spid="5"/>
-                                        </p:tgtEl>
-                                        <p:attrNameLst>
-                                          <p:attrName>style.visibility</p:attrName>
-                                        </p:attrNameLst>
-                                      </p:cBhvr>
-                                      <p:to>
-                                        <p:strVal val="visible"/>
-                                      </p:to>
-                                    </p:set>
-                                    <p:animEffect transition="in" filter="fade">
-                                      <p:cBhvr>
-                                        <p:cTn id="20" dur="500"/>
-                                        <p:tgtEl>
-                                          <p:spTgt spid="5"/>
-                                        </p:tgtEl>
-                                      </p:cBhvr>
-                                    </p:animEffect>
                                   </p:childTnLst>
                                 </p:cTn>
                               </p:par>
@@ -19307,7 +19697,514 @@
 </p:sld>
 </file>
 
-<file path=ppt/slides/slide35.xml><?xml version="1.0" encoding="utf-8"?>
+<file path=ppt/slides/slide36.xml><?xml version="1.0" encoding="utf-8"?>
+<p:sld xmlns:a="http://schemas.openxmlformats.org/drawingml/2006/main" xmlns:r="http://schemas.openxmlformats.org/officeDocument/2006/relationships" xmlns:p="http://schemas.openxmlformats.org/presentationml/2006/main">
+  <p:cSld>
+    <p:spTree>
+      <p:nvGrpSpPr>
+        <p:cNvPr id="1" name=""/>
+        <p:cNvGrpSpPr/>
+        <p:nvPr/>
+      </p:nvGrpSpPr>
+      <p:grpSpPr>
+        <a:xfrm>
+          <a:off x="0" y="0"/>
+          <a:ext cx="0" cy="0"/>
+          <a:chOff x="0" y="0"/>
+          <a:chExt cx="0" cy="0"/>
+        </a:xfrm>
+      </p:grpSpPr>
+      <p:sp>
+        <p:nvSpPr>
+          <p:cNvPr id="2" name="Title 1"/>
+          <p:cNvSpPr>
+            <a:spLocks noGrp="1"/>
+          </p:cNvSpPr>
+          <p:nvPr>
+            <p:ph type="title"/>
+          </p:nvPr>
+        </p:nvSpPr>
+        <p:spPr>
+          <a:xfrm>
+            <a:off x="1143000" y="152400"/>
+            <a:ext cx="7772400" cy="1143000"/>
+          </a:xfrm>
+        </p:spPr>
+        <p:txBody>
+          <a:bodyPr/>
+          <a:lstStyle/>
+          <a:p>
+            <a:r>
+              <a:rPr lang="en-US" dirty="0" smtClean="0"/>
+              <a:t>coefficients of rational functions</a:t>
+            </a:r>
+            <a:endParaRPr lang="en-US" dirty="0"/>
+          </a:p>
+        </p:txBody>
+      </p:sp>
+      <p:sp>
+        <p:nvSpPr>
+          <p:cNvPr id="8" name="TextBox 7"/>
+          <p:cNvSpPr txBox="1"/>
+          <p:nvPr/>
+        </p:nvSpPr>
+        <p:spPr>
+          <a:xfrm>
+            <a:off x="152400" y="1219200"/>
+            <a:ext cx="8724900" cy="2585323"/>
+          </a:xfrm>
+          <a:prstGeom prst="rect">
+            <a:avLst/>
+          </a:prstGeom>
+          <a:noFill/>
+        </p:spPr>
+        <p:txBody>
+          <a:bodyPr wrap="square" rtlCol="0">
+            <a:spAutoFit/>
+          </a:bodyPr>
+          <a:lstStyle/>
+          <a:p>
+            <a:r>
+              <a:rPr lang="en-US" sz="5400" dirty="0" smtClean="0"/>
+              <a:t>For polynomials </a:t>
+            </a:r>
+            <a:r>
+              <a:rPr lang="en-US" sz="5400" dirty="0" smtClean="0">
+                <a:solidFill>
+                  <a:srgbClr val="0000FF"/>
+                </a:solidFill>
+              </a:rPr>
+              <a:t>P</a:t>
+            </a:r>
+            <a:r>
+              <a:rPr lang="en-US" sz="5400" dirty="0" smtClean="0">
+                <a:solidFill>
+                  <a:srgbClr val="0000FF"/>
+                </a:solidFill>
+              </a:rPr>
+              <a:t>(x)</a:t>
+            </a:r>
+            <a:r>
+              <a:rPr lang="en-US" sz="5400" dirty="0" smtClean="0"/>
+              <a:t>, </a:t>
+            </a:r>
+            <a:r>
+              <a:rPr lang="en-US" sz="5400" dirty="0" smtClean="0">
+                <a:solidFill>
+                  <a:srgbClr val="0000FF"/>
+                </a:solidFill>
+              </a:rPr>
+              <a:t>Q(x</a:t>
+            </a:r>
+            <a:r>
+              <a:rPr lang="en-US" sz="5400" dirty="0" smtClean="0">
+                <a:solidFill>
+                  <a:srgbClr val="0000FF"/>
+                </a:solidFill>
+              </a:rPr>
+              <a:t>)</a:t>
+            </a:r>
+            <a:endParaRPr lang="en-US" sz="5400" dirty="0"/>
+          </a:p>
+          <a:p>
+            <a:r>
+              <a:rPr lang="en-US" sz="5400" dirty="0" smtClean="0"/>
+              <a:t>can </a:t>
+            </a:r>
+            <a:r>
+              <a:rPr lang="en-US" sz="5400" dirty="0" smtClean="0"/>
+              <a:t>find formula </a:t>
+            </a:r>
+            <a:r>
+              <a:rPr lang="en-US" sz="5400" dirty="0" smtClean="0"/>
+              <a:t>for </a:t>
+            </a:r>
+            <a:r>
+              <a:rPr lang="en-US" sz="5400" dirty="0" err="1" smtClean="0"/>
+              <a:t>coeff</a:t>
+            </a:r>
+            <a:r>
+              <a:rPr lang="en-US" sz="5400" dirty="0" smtClean="0"/>
+              <a:t> of </a:t>
+            </a:r>
+            <a:r>
+              <a:rPr lang="en-US" sz="5400" dirty="0" err="1" smtClean="0">
+                <a:solidFill>
+                  <a:srgbClr val="0000FF"/>
+                </a:solidFill>
+              </a:rPr>
+              <a:t>x</a:t>
+            </a:r>
+            <a:r>
+              <a:rPr lang="en-US" sz="5400" baseline="30000" dirty="0" err="1" smtClean="0">
+                <a:solidFill>
+                  <a:srgbClr val="0000FF"/>
+                </a:solidFill>
+              </a:rPr>
+              <a:t>n</a:t>
+            </a:r>
+            <a:r>
+              <a:rPr lang="en-US" sz="5400" dirty="0" smtClean="0"/>
+              <a:t> in</a:t>
+            </a:r>
+            <a:endParaRPr lang="en-US" sz="5400" dirty="0"/>
+          </a:p>
+        </p:txBody>
+      </p:sp>
+      <p:graphicFrame>
+        <p:nvGraphicFramePr>
+          <p:cNvPr id="9" name="Object 8"/>
+          <p:cNvGraphicFramePr>
+            <a:graphicFrameLocks noChangeAspect="1"/>
+          </p:cNvGraphicFramePr>
+          <p:nvPr>
+            <p:extLst>
+              <p:ext uri="{D42A27DB-BD31-4B8C-83A1-F6EECF244321}">
+                <p14:modId xmlns:p14="http://schemas.microsoft.com/office/powerpoint/2010/main" val="1853200295"/>
+              </p:ext>
+            </p:extLst>
+          </p:nvPr>
+        </p:nvGraphicFramePr>
+        <p:xfrm>
+          <a:off x="2971800" y="2662237"/>
+          <a:ext cx="2001837" cy="2366963"/>
+        </p:xfrm>
+        <a:graphic>
+          <a:graphicData uri="http://schemas.openxmlformats.org/presentationml/2006/ole">
+            <mc:AlternateContent xmlns:mc="http://schemas.openxmlformats.org/markup-compatibility/2006">
+              <mc:Choice xmlns:v="urn:schemas-microsoft-com:vml" Requires="v">
+                <p:oleObj spid="_x0000_s385035" name="Equation" r:id="rId4" imgW="419100" imgH="495300" progId="Equation.DSMT4">
+                  <p:embed/>
+                </p:oleObj>
+              </mc:Choice>
+              <mc:Fallback>
+                <p:oleObj name="Equation" r:id="rId4" imgW="419100" imgH="495300" progId="Equation.DSMT4">
+                  <p:embed/>
+                  <p:pic>
+                    <p:nvPicPr>
+                      <p:cNvPr id="0" name="Picture 2"/>
+                      <p:cNvPicPr>
+                        <a:picLocks noChangeAspect="1" noChangeArrowheads="1"/>
+                      </p:cNvPicPr>
+                      <p:nvPr/>
+                    </p:nvPicPr>
+                    <p:blipFill>
+                      <a:blip r:embed="rId5"/>
+                      <a:srcRect/>
+                      <a:stretch>
+                        <a:fillRect/>
+                      </a:stretch>
+                    </p:blipFill>
+                    <p:spPr bwMode="auto">
+                      <a:xfrm>
+                        <a:off x="2971800" y="2662237"/>
+                        <a:ext cx="2001837" cy="2366963"/>
+                      </a:xfrm>
+                      <a:prstGeom prst="rect">
+                        <a:avLst/>
+                      </a:prstGeom>
+                      <a:noFill/>
+                      <a:extLst>
+                        <a:ext uri="{909E8E84-426E-40dd-AFC4-6F175D3DCCD1}">
+                          <a14:hiddenFill xmlns:a14="http://schemas.microsoft.com/office/drawing/2010/main">
+                            <a:solidFill>
+                              <a:srgbClr val="FFFFFF"/>
+                            </a:solidFill>
+                          </a14:hiddenFill>
+                        </a:ext>
+                      </a:extLst>
+                    </p:spPr>
+                  </p:pic>
+                </p:oleObj>
+              </mc:Fallback>
+            </mc:AlternateContent>
+          </a:graphicData>
+        </a:graphic>
+      </p:graphicFrame>
+      <p:sp>
+        <p:nvSpPr>
+          <p:cNvPr id="6" name="TextBox 5"/>
+          <p:cNvSpPr txBox="1"/>
+          <p:nvPr/>
+        </p:nvSpPr>
+        <p:spPr>
+          <a:xfrm>
+            <a:off x="533400" y="5029200"/>
+            <a:ext cx="8113519" cy="1015663"/>
+          </a:xfrm>
+          <a:prstGeom prst="rect">
+            <a:avLst/>
+          </a:prstGeom>
+          <a:noFill/>
+        </p:spPr>
+        <p:txBody>
+          <a:bodyPr wrap="none" rtlCol="0">
+            <a:spAutoFit/>
+          </a:bodyPr>
+          <a:lstStyle/>
+          <a:p>
+            <a:r>
+              <a:rPr lang="en-US" sz="6000" dirty="0" smtClean="0"/>
+              <a:t>using </a:t>
+            </a:r>
+            <a:r>
+              <a:rPr lang="en-US" sz="6000" dirty="0" smtClean="0">
+                <a:solidFill>
+                  <a:srgbClr val="008000"/>
+                </a:solidFill>
+              </a:rPr>
+              <a:t>partial fractions</a:t>
+            </a:r>
+            <a:endParaRPr lang="en-US" sz="6000" dirty="0"/>
+          </a:p>
+        </p:txBody>
+      </p:sp>
+      <p:sp>
+        <p:nvSpPr>
+          <p:cNvPr id="7" name="Slide Number Placeholder 2"/>
+          <p:cNvSpPr>
+            <a:spLocks noGrp="1"/>
+          </p:cNvSpPr>
+          <p:nvPr>
+            <p:ph type="sldNum" sz="quarter" idx="10"/>
+          </p:nvPr>
+        </p:nvSpPr>
+        <p:spPr>
+          <a:xfrm>
+            <a:off x="6400800" y="6613525"/>
+            <a:ext cx="2667000" cy="244475"/>
+          </a:xfrm>
+        </p:spPr>
+        <p:txBody>
+          <a:bodyPr/>
+          <a:lstStyle/>
+          <a:p>
+            <a:pPr>
+              <a:defRPr/>
+            </a:pPr>
+            <a:r>
+              <a:rPr lang="en-US" dirty="0" err="1" smtClean="0"/>
+              <a:t>lec</a:t>
+            </a:r>
+            <a:r>
+              <a:rPr lang="en-US" dirty="0" smtClean="0"/>
+              <a:t> 12W.</a:t>
+            </a:r>
+            <a:fld id="{A585D087-0720-40C8-BCB9-442D95888E3B}" type="slidenum">
+              <a:rPr lang="en-US" smtClean="0"/>
+              <a:pPr>
+                <a:defRPr/>
+              </a:pPr>
+              <a:t>36</a:t>
+            </a:fld>
+            <a:endParaRPr lang="en-US" dirty="0"/>
+          </a:p>
+        </p:txBody>
+      </p:sp>
+    </p:spTree>
+  </p:cSld>
+  <p:clrMapOvr>
+    <a:masterClrMapping/>
+  </p:clrMapOvr>
+  <p:transition xmlns:p14="http://schemas.microsoft.com/office/powerpoint/2010/main">
+    <p:fade/>
+  </p:transition>
+  <p:timing>
+    <p:tnLst>
+      <p:par>
+        <p:cTn xmlns:p14="http://schemas.microsoft.com/office/powerpoint/2010/main" id="1" dur="indefinite" restart="never" nodeType="tmRoot">
+          <p:childTnLst>
+            <p:seq concurrent="1" nextAc="seek">
+              <p:cTn id="2" dur="indefinite" nodeType="mainSeq">
+                <p:childTnLst>
+                  <p:par>
+                    <p:cTn id="3" fill="hold">
+                      <p:stCondLst>
+                        <p:cond delay="indefinite"/>
+                      </p:stCondLst>
+                      <p:childTnLst>
+                        <p:par>
+                          <p:cTn id="4" fill="hold">
+                            <p:stCondLst>
+                              <p:cond delay="0"/>
+                            </p:stCondLst>
+                            <p:childTnLst>
+                              <p:par>
+                                <p:cTn id="5" presetID="9" presetClass="entr" presetSubtype="0" fill="hold" grpId="0" nodeType="clickEffect">
+                                  <p:stCondLst>
+                                    <p:cond delay="0"/>
+                                  </p:stCondLst>
+                                  <p:childTnLst>
+                                    <p:set>
+                                      <p:cBhvr>
+                                        <p:cTn id="6" dur="1" fill="hold">
+                                          <p:stCondLst>
+                                            <p:cond delay="0"/>
+                                          </p:stCondLst>
+                                        </p:cTn>
+                                        <p:tgtEl>
+                                          <p:spTgt spid="8">
+                                            <p:txEl>
+                                              <p:pRg st="1" end="1"/>
+                                            </p:txEl>
+                                          </p:spTgt>
+                                        </p:tgtEl>
+                                        <p:attrNameLst>
+                                          <p:attrName>style.visibility</p:attrName>
+                                        </p:attrNameLst>
+                                      </p:cBhvr>
+                                      <p:to>
+                                        <p:strVal val="visible"/>
+                                      </p:to>
+                                    </p:set>
+                                    <p:animEffect transition="in" filter="dissolve">
+                                      <p:cBhvr>
+                                        <p:cTn id="7" dur="500"/>
+                                        <p:tgtEl>
+                                          <p:spTgt spid="8">
+                                            <p:txEl>
+                                              <p:pRg st="1" end="1"/>
+                                            </p:txEl>
+                                          </p:spTgt>
+                                        </p:tgtEl>
+                                      </p:cBhvr>
+                                    </p:animEffect>
+                                  </p:childTnLst>
+                                </p:cTn>
+                              </p:par>
+                            </p:childTnLst>
+                          </p:cTn>
+                        </p:par>
+                        <p:par>
+                          <p:cTn id="8" fill="hold">
+                            <p:stCondLst>
+                              <p:cond delay="500"/>
+                            </p:stCondLst>
+                            <p:childTnLst>
+                              <p:par>
+                                <p:cTn id="9" presetID="9" presetClass="entr" presetSubtype="0" fill="hold" nodeType="afterEffect">
+                                  <p:stCondLst>
+                                    <p:cond delay="0"/>
+                                  </p:stCondLst>
+                                  <p:childTnLst>
+                                    <p:set>
+                                      <p:cBhvr>
+                                        <p:cTn id="10" dur="1" fill="hold">
+                                          <p:stCondLst>
+                                            <p:cond delay="0"/>
+                                          </p:stCondLst>
+                                        </p:cTn>
+                                        <p:tgtEl>
+                                          <p:spTgt spid="9"/>
+                                        </p:tgtEl>
+                                        <p:attrNameLst>
+                                          <p:attrName>style.visibility</p:attrName>
+                                        </p:attrNameLst>
+                                      </p:cBhvr>
+                                      <p:to>
+                                        <p:strVal val="visible"/>
+                                      </p:to>
+                                    </p:set>
+                                    <p:animEffect transition="in" filter="dissolve">
+                                      <p:cBhvr>
+                                        <p:cTn id="11" dur="500"/>
+                                        <p:tgtEl>
+                                          <p:spTgt spid="9"/>
+                                        </p:tgtEl>
+                                      </p:cBhvr>
+                                    </p:animEffect>
+                                  </p:childTnLst>
+                                </p:cTn>
+                              </p:par>
+                            </p:childTnLst>
+                          </p:cTn>
+                        </p:par>
+                      </p:childTnLst>
+                    </p:cTn>
+                  </p:par>
+                  <p:par>
+                    <p:cTn id="12" fill="hold">
+                      <p:stCondLst>
+                        <p:cond delay="indefinite"/>
+                      </p:stCondLst>
+                      <p:childTnLst>
+                        <p:par>
+                          <p:cTn id="13" fill="hold">
+                            <p:stCondLst>
+                              <p:cond delay="0"/>
+                            </p:stCondLst>
+                            <p:childTnLst>
+                              <p:par>
+                                <p:cTn id="14" presetID="10" presetClass="entr" presetSubtype="0" fill="hold" grpId="0" nodeType="clickEffect">
+                                  <p:stCondLst>
+                                    <p:cond delay="0"/>
+                                  </p:stCondLst>
+                                  <p:childTnLst>
+                                    <p:set>
+                                      <p:cBhvr>
+                                        <p:cTn id="15" dur="1" fill="hold">
+                                          <p:stCondLst>
+                                            <p:cond delay="0"/>
+                                          </p:stCondLst>
+                                        </p:cTn>
+                                        <p:tgtEl>
+                                          <p:spTgt spid="6"/>
+                                        </p:tgtEl>
+                                        <p:attrNameLst>
+                                          <p:attrName>style.visibility</p:attrName>
+                                        </p:attrNameLst>
+                                      </p:cBhvr>
+                                      <p:to>
+                                        <p:strVal val="visible"/>
+                                      </p:to>
+                                    </p:set>
+                                    <p:animEffect transition="in" filter="fade">
+                                      <p:cBhvr>
+                                        <p:cTn id="16" dur="500"/>
+                                        <p:tgtEl>
+                                          <p:spTgt spid="6"/>
+                                        </p:tgtEl>
+                                      </p:cBhvr>
+                                    </p:animEffect>
+                                  </p:childTnLst>
+                                </p:cTn>
+                              </p:par>
+                            </p:childTnLst>
+                          </p:cTn>
+                        </p:par>
+                      </p:childTnLst>
+                    </p:cTn>
+                  </p:par>
+                </p:childTnLst>
+              </p:cTn>
+              <p:prevCondLst>
+                <p:cond evt="onPrev" delay="0">
+                  <p:tgtEl>
+                    <p:sldTgt/>
+                  </p:tgtEl>
+                </p:cond>
+              </p:prevCondLst>
+              <p:nextCondLst>
+                <p:cond evt="onNext" delay="0">
+                  <p:tgtEl>
+                    <p:sldTgt/>
+                  </p:tgtEl>
+                </p:cond>
+              </p:nextCondLst>
+            </p:seq>
+          </p:childTnLst>
+        </p:cTn>
+      </p:par>
+    </p:tnLst>
+    <p:bldLst>
+      <p:bldP spid="8" grpId="0" uiExpand="1" build="p"/>
+      <p:bldP spid="6" grpId="0"/>
+    </p:bldLst>
+  </p:timing>
+</p:sld>
+</file>
+
+<file path=ppt/slides/slide37.xml><?xml version="1.0" encoding="utf-8"?>
 <p:sld xmlns:a="http://schemas.openxmlformats.org/drawingml/2006/main" xmlns:r="http://schemas.openxmlformats.org/officeDocument/2006/relationships" xmlns:p="http://schemas.openxmlformats.org/presentationml/2006/main">
   <p:cSld>
     <p:spTree>
@@ -19341,7 +20238,11 @@
           <a:p>
             <a:r>
               <a:rPr lang="en-US" dirty="0" smtClean="0"/>
-              <a:t>Partial Fraction Expansions</a:t>
+              <a:t>Partial Fraction </a:t>
+            </a:r>
+            <a:r>
+              <a:rPr lang="en-US" dirty="0" smtClean="0"/>
+              <a:t>Example</a:t>
             </a:r>
             <a:endParaRPr lang="en-US" dirty="0"/>
           </a:p>
@@ -19363,7 +20264,7 @@
           <a:graphicData uri="http://schemas.openxmlformats.org/presentationml/2006/ole">
             <mc:AlternateContent xmlns:mc="http://schemas.openxmlformats.org/markup-compatibility/2006">
               <mc:Choice xmlns:v="urn:schemas-microsoft-com:vml" Requires="v">
-                <p:oleObj spid="_x0000_s259084" name="Equation" r:id="rId3" imgW="4533900" imgH="1435100" progId="Equation.DSMT4">
+                <p:oleObj spid="_x0000_s259097" name="Equation" r:id="rId3" imgW="4533900" imgH="1435100" progId="Equation.DSMT4">
                   <p:embed/>
                 </p:oleObj>
               </mc:Choice>
@@ -19433,7 +20334,7 @@
           <a:graphicData uri="http://schemas.openxmlformats.org/presentationml/2006/ole">
             <mc:AlternateContent xmlns:mc="http://schemas.openxmlformats.org/markup-compatibility/2006">
               <mc:Choice xmlns:v="urn:schemas-microsoft-com:vml" Requires="v">
-                <p:oleObj spid="_x0000_s259085" name="Equation" r:id="rId5" imgW="4800600" imgH="1180800" progId="Equation.DSMT4">
+                <p:oleObj spid="_x0000_s259098" name="Equation" r:id="rId5" imgW="4800600" imgH="1180800" progId="Equation.DSMT4">
                   <p:embed/>
                 </p:oleObj>
               </mc:Choice>
@@ -19503,7 +20404,7 @@
           <a:graphicData uri="http://schemas.openxmlformats.org/presentationml/2006/ole">
             <mc:AlternateContent xmlns:mc="http://schemas.openxmlformats.org/markup-compatibility/2006">
               <mc:Choice xmlns:v="urn:schemas-microsoft-com:vml" Requires="v">
-                <p:oleObj spid="_x0000_s259086" name="Equation" r:id="rId7" imgW="4520880" imgH="1143000" progId="Equation.DSMT4">
+                <p:oleObj spid="_x0000_s259099" name="Equation" r:id="rId7" imgW="4520880" imgH="1143000" progId="Equation.DSMT4">
                   <p:embed/>
                 </p:oleObj>
               </mc:Choice>
@@ -19834,18 +20735,14 @@
             </a:r>
             <a:r>
               <a:rPr lang="en-US" dirty="0" smtClean="0"/>
-              <a:t> </a:t>
-            </a:r>
-            <a:r>
-              <a:rPr lang="en-US" dirty="0" smtClean="0"/>
-              <a:t>12W.</a:t>
+              <a:t> 12W.</a:t>
             </a:r>
             <a:fld id="{A585D087-0720-40C8-BCB9-442D95888E3B}" type="slidenum">
               <a:rPr lang="en-US" smtClean="0"/>
               <a:pPr>
                 <a:defRPr/>
               </a:pPr>
-              <a:t>35</a:t>
+              <a:t>37</a:t>
             </a:fld>
             <a:endParaRPr lang="en-US" dirty="0"/>
           </a:p>
@@ -19856,9 +20753,18 @@
   <p:clrMapOvr>
     <a:masterClrMapping/>
   </p:clrMapOvr>
-  <p:transition xmlns:p14="http://schemas.microsoft.com/office/powerpoint/2010/main" spd="slow">
-    <p:fade thruBlk="1"/>
-  </p:transition>
+  <mc:AlternateContent xmlns:mc="http://schemas.openxmlformats.org/markup-compatibility/2006">
+    <mc:Choice xmlns:p14="http://schemas.microsoft.com/office/powerpoint/2010/main" Requires="p14">
+      <p:transition spd="slow" p14:dur="800">
+        <p:fade/>
+      </p:transition>
+    </mc:Choice>
+    <mc:Fallback>
+      <p:transition xmlns:p14="http://schemas.microsoft.com/office/powerpoint/2010/main" spd="slow">
+        <p:fade/>
+      </p:transition>
+    </mc:Fallback>
+  </mc:AlternateContent>
   <p:timing>
     <p:tnLst>
       <p:par>
@@ -20123,7 +21029,7 @@
 </p:sld>
 </file>
 
-<file path=ppt/slides/slide36.xml><?xml version="1.0" encoding="utf-8"?>
+<file path=ppt/slides/slide38.xml><?xml version="1.0" encoding="utf-8"?>
 <p:sld xmlns:a="http://schemas.openxmlformats.org/drawingml/2006/main" xmlns:r="http://schemas.openxmlformats.org/officeDocument/2006/relationships" xmlns:p="http://schemas.openxmlformats.org/presentationml/2006/main">
   <p:cSld>
     <p:spTree>
@@ -20185,22 +21091,28 @@
           <p:cNvGraphicFramePr>
             <a:graphicFrameLocks noChangeAspect="1"/>
           </p:cNvGraphicFramePr>
-          <p:nvPr/>
+          <p:nvPr>
+            <p:extLst>
+              <p:ext uri="{D42A27DB-BD31-4B8C-83A1-F6EECF244321}">
+                <p14:modId xmlns:p14="http://schemas.microsoft.com/office/powerpoint/2010/main" val="328671222"/>
+              </p:ext>
+            </p:extLst>
+          </p:nvPr>
         </p:nvGraphicFramePr>
         <p:xfrm>
-          <a:off x="1060450" y="1346200"/>
-          <a:ext cx="6794500" cy="1651000"/>
+          <a:off x="1104900" y="1358900"/>
+          <a:ext cx="6705600" cy="1625600"/>
         </p:xfrm>
         <a:graphic>
           <a:graphicData uri="http://schemas.openxmlformats.org/presentationml/2006/ole">
             <mc:AlternateContent xmlns:mc="http://schemas.openxmlformats.org/markup-compatibility/2006">
               <mc:Choice xmlns:v="urn:schemas-microsoft-com:vml" Requires="v">
-                <p:oleObj spid="_x0000_s260105" name="Equation" r:id="rId3" imgW="6794500" imgH="1651000" progId="Equation.DSMT4">
+                <p:oleObj spid="_x0000_s260114" name="Equation" r:id="rId3" imgW="6705600" imgH="1625600" progId="Equation.DSMT4">
                   <p:embed/>
                 </p:oleObj>
               </mc:Choice>
               <mc:Fallback>
-                <p:oleObj name="Equation" r:id="rId3" imgW="6794500" imgH="1651000" progId="Equation.DSMT4">
+                <p:oleObj name="Equation" r:id="rId3" imgW="6705600" imgH="1625600" progId="Equation.DSMT4">
                   <p:embed/>
                   <p:pic>
                     <p:nvPicPr>
@@ -20211,13 +21123,7 @@
                       <p:nvPr/>
                     </p:nvPicPr>
                     <p:blipFill>
-                      <a:blip r:embed="rId4">
-                        <a:extLst>
-                          <a:ext uri="{28A0092B-C50C-407E-A947-70E740481C1C}">
-                            <a14:useLocalDpi xmlns:a14="http://schemas.microsoft.com/office/drawing/2010/main" val="0"/>
-                          </a:ext>
-                        </a:extLst>
-                      </a:blip>
+                      <a:blip r:embed="rId4"/>
                       <a:srcRect/>
                       <a:stretch>
                         <a:fillRect/>
@@ -20225,8 +21131,8 @@
                     </p:blipFill>
                     <p:spPr bwMode="auto">
                       <a:xfrm>
-                        <a:off x="1060450" y="1346200"/>
-                        <a:ext cx="6794500" cy="1651000"/>
+                        <a:off x="1104900" y="1358900"/>
+                        <a:ext cx="6705600" cy="1625600"/>
                       </a:xfrm>
                       <a:prstGeom prst="rect">
                         <a:avLst/>
@@ -20255,22 +21161,28 @@
           <p:cNvGraphicFramePr>
             <a:graphicFrameLocks noChangeAspect="1"/>
           </p:cNvGraphicFramePr>
-          <p:nvPr/>
+          <p:nvPr>
+            <p:extLst>
+              <p:ext uri="{D42A27DB-BD31-4B8C-83A1-F6EECF244321}">
+                <p14:modId xmlns:p14="http://schemas.microsoft.com/office/powerpoint/2010/main" val="2154557615"/>
+              </p:ext>
+            </p:extLst>
+          </p:nvPr>
         </p:nvGraphicFramePr>
         <p:xfrm>
-          <a:off x="2673350" y="3771900"/>
-          <a:ext cx="4013200" cy="863600"/>
+          <a:off x="2057400" y="3778250"/>
+          <a:ext cx="4684499" cy="1022350"/>
         </p:xfrm>
         <a:graphic>
           <a:graphicData uri="http://schemas.openxmlformats.org/presentationml/2006/ole">
             <mc:AlternateContent xmlns:mc="http://schemas.openxmlformats.org/markup-compatibility/2006">
               <mc:Choice xmlns:v="urn:schemas-microsoft-com:vml" Requires="v">
-                <p:oleObj spid="_x0000_s260106" name="Equation" r:id="rId5" imgW="4013200" imgH="863600" progId="Equation.DSMT4">
+                <p:oleObj spid="_x0000_s260115" name="Equation" r:id="rId5" imgW="3898900" imgH="850900" progId="Equation.DSMT4">
                   <p:embed/>
                 </p:oleObj>
               </mc:Choice>
               <mc:Fallback>
-                <p:oleObj name="Equation" r:id="rId5" imgW="4013200" imgH="863600" progId="Equation.DSMT4">
+                <p:oleObj name="Equation" r:id="rId5" imgW="3898900" imgH="850900" progId="Equation.DSMT4">
                   <p:embed/>
                   <p:pic>
                     <p:nvPicPr>
@@ -20281,13 +21193,7 @@
                       <p:nvPr/>
                     </p:nvPicPr>
                     <p:blipFill>
-                      <a:blip r:embed="rId6">
-                        <a:extLst>
-                          <a:ext uri="{28A0092B-C50C-407E-A947-70E740481C1C}">
-                            <a14:useLocalDpi xmlns:a14="http://schemas.microsoft.com/office/drawing/2010/main" val="0"/>
-                          </a:ext>
-                        </a:extLst>
-                      </a:blip>
+                      <a:blip r:embed="rId6"/>
                       <a:srcRect/>
                       <a:stretch>
                         <a:fillRect/>
@@ -20295,22 +21201,14 @@
                     </p:blipFill>
                     <p:spPr bwMode="auto">
                       <a:xfrm>
-                        <a:off x="2673350" y="3771900"/>
-                        <a:ext cx="4013200" cy="863600"/>
+                        <a:off x="2057400" y="3778250"/>
+                        <a:ext cx="4684499" cy="1022350"/>
                       </a:xfrm>
                       <a:prstGeom prst="rect">
                         <a:avLst/>
                       </a:prstGeom>
                       <a:noFill/>
-                      <a:extLst>
-                        <a:ext uri="{909E8E84-426E-40dd-AFC4-6F175D3DCCD1}">
-                          <a14:hiddenFill xmlns:a14="http://schemas.microsoft.com/office/drawing/2010/main">
-                            <a:solidFill>
-                              <a:schemeClr val="accent1"/>
-                            </a:solidFill>
-                          </a14:hiddenFill>
-                        </a:ext>
-                      </a:extLst>
+                      <a:extLst/>
                     </p:spPr>
                   </p:pic>
                 </p:oleObj>
@@ -20404,8 +21302,8 @@
         </p:nvSpPr>
         <p:spPr>
           <a:xfrm>
-            <a:off x="1905000" y="5257800"/>
-            <a:ext cx="5695790" cy="707886"/>
+            <a:off x="1447800" y="5257800"/>
+            <a:ext cx="6240235" cy="769441"/>
           </a:xfrm>
           <a:prstGeom prst="rect">
             <a:avLst/>
@@ -20419,7 +21317,7 @@
           <a:lstStyle/>
           <a:p>
             <a:r>
-              <a:rPr lang="en-US" sz="4000" dirty="0" smtClean="0">
+              <a:rPr lang="en-US" dirty="0" smtClean="0">
                 <a:solidFill>
                   <a:srgbClr val="FF00FF"/>
                 </a:solidFill>
@@ -20427,7 +21325,7 @@
               <a:t>TO DO:</a:t>
             </a:r>
             <a:r>
-              <a:rPr lang="en-US" sz="4000" dirty="0" smtClean="0">
+              <a:rPr lang="en-US" dirty="0" smtClean="0">
                 <a:solidFill>
                   <a:srgbClr val="000000"/>
                 </a:solidFill>
@@ -20435,7 +21333,7 @@
               <a:t> find </a:t>
             </a:r>
             <a:r>
-              <a:rPr lang="en-US" sz="4000" dirty="0" smtClean="0">
+              <a:rPr lang="en-US" dirty="0" smtClean="0">
                 <a:solidFill>
                   <a:srgbClr val="0000FF"/>
                 </a:solidFill>
@@ -20443,7 +21341,7 @@
               <a:t>A</a:t>
             </a:r>
             <a:r>
-              <a:rPr lang="en-US" sz="4000" baseline="-25000" dirty="0" smtClean="0">
+              <a:rPr lang="en-US" baseline="-25000" dirty="0" smtClean="0">
                 <a:solidFill>
                   <a:srgbClr val="0000FF"/>
                 </a:solidFill>
@@ -20451,7 +21349,7 @@
               <a:t>1</a:t>
             </a:r>
             <a:r>
-              <a:rPr lang="en-US" sz="4000" dirty="0" smtClean="0">
+              <a:rPr lang="en-US" dirty="0" smtClean="0">
                 <a:solidFill>
                   <a:srgbClr val="000000"/>
                 </a:solidFill>
@@ -20459,7 +21357,7 @@
               <a:t> and </a:t>
             </a:r>
             <a:r>
-              <a:rPr lang="en-US" sz="4000" dirty="0" smtClean="0">
+              <a:rPr lang="en-US" dirty="0" smtClean="0">
                 <a:solidFill>
                   <a:srgbClr val="0000FF"/>
                 </a:solidFill>
@@ -20467,7 +21365,7 @@
               <a:t>A</a:t>
             </a:r>
             <a:r>
-              <a:rPr lang="en-US" sz="4000" baseline="-25000" dirty="0" smtClean="0">
+              <a:rPr lang="en-US" baseline="-25000" dirty="0" smtClean="0">
                 <a:solidFill>
                   <a:srgbClr val="0000FF"/>
                 </a:solidFill>
@@ -20475,14 +21373,14 @@
               <a:t>2</a:t>
             </a:r>
             <a:r>
-              <a:rPr lang="en-US" sz="4000" dirty="0" smtClean="0">
+              <a:rPr lang="en-US" dirty="0" smtClean="0">
                 <a:solidFill>
                   <a:srgbClr val="000000"/>
                 </a:solidFill>
               </a:rPr>
               <a:t>.</a:t>
             </a:r>
-            <a:endParaRPr lang="en-US" sz="4000" dirty="0">
+            <a:endParaRPr lang="en-US" dirty="0">
               <a:solidFill>
                 <a:srgbClr val="000000"/>
               </a:solidFill>
@@ -20519,18 +21417,14 @@
             </a:r>
             <a:r>
               <a:rPr lang="en-US" dirty="0" smtClean="0"/>
-              <a:t> </a:t>
-            </a:r>
-            <a:r>
-              <a:rPr lang="en-US" dirty="0" smtClean="0"/>
-              <a:t>12W.</a:t>
+              <a:t> 12W.</a:t>
             </a:r>
             <a:fld id="{A585D087-0720-40C8-BCB9-442D95888E3B}" type="slidenum">
               <a:rPr lang="en-US" smtClean="0"/>
               <a:pPr>
                 <a:defRPr/>
               </a:pPr>
-              <a:t>36</a:t>
+              <a:t>38</a:t>
             </a:fld>
             <a:endParaRPr lang="en-US" dirty="0"/>
           </a:p>
@@ -20730,7 +21624,7 @@
 </p:sld>
 </file>
 
-<file path=ppt/slides/slide37.xml><?xml version="1.0" encoding="utf-8"?>
+<file path=ppt/slides/slide39.xml><?xml version="1.0" encoding="utf-8"?>
 <p:sld xmlns:a="http://schemas.openxmlformats.org/drawingml/2006/main" xmlns:r="http://schemas.openxmlformats.org/officeDocument/2006/relationships" xmlns:p="http://schemas.openxmlformats.org/presentationml/2006/main">
   <p:cSld>
     <p:spTree>
@@ -20826,7 +21720,7 @@
           <a:graphicData uri="http://schemas.openxmlformats.org/presentationml/2006/ole">
             <mc:AlternateContent xmlns:mc="http://schemas.openxmlformats.org/markup-compatibility/2006">
               <mc:Choice xmlns:v="urn:schemas-microsoft-com:vml" Requires="v">
-                <p:oleObj spid="_x0000_s261129" name="Equation" r:id="rId3" imgW="7327800" imgH="1307880" progId="Equation.DSMT4">
+                <p:oleObj spid="_x0000_s261134" name="Equation" r:id="rId3" imgW="7327800" imgH="1307880" progId="Equation.DSMT4">
                   <p:embed/>
                 </p:oleObj>
               </mc:Choice>
@@ -20950,7 +21844,7 @@
           <a:graphicData uri="http://schemas.openxmlformats.org/presentationml/2006/ole">
             <mc:AlternateContent xmlns:mc="http://schemas.openxmlformats.org/markup-compatibility/2006">
               <mc:Choice xmlns:v="urn:schemas-microsoft-com:vml" Requires="v">
-                <p:oleObj spid="_x0000_s261130" name="Equation" r:id="rId5" imgW="6057720" imgH="660240" progId="Equation.DSMT4">
+                <p:oleObj spid="_x0000_s261135" name="Equation" r:id="rId5" imgW="6057720" imgH="660240" progId="Equation.DSMT4">
                   <p:embed/>
                 </p:oleObj>
               </mc:Choice>
@@ -21033,18 +21927,14 @@
             </a:r>
             <a:r>
               <a:rPr lang="en-US" dirty="0" smtClean="0"/>
-              <a:t> </a:t>
-            </a:r>
-            <a:r>
-              <a:rPr lang="en-US" dirty="0" smtClean="0"/>
-              <a:t>12W.</a:t>
+              <a:t> 12W.</a:t>
             </a:r>
             <a:fld id="{A585D087-0720-40C8-BCB9-442D95888E3B}" type="slidenum">
               <a:rPr lang="en-US" smtClean="0"/>
               <a:pPr>
                 <a:defRPr/>
               </a:pPr>
-              <a:t>37</a:t>
+              <a:t>39</a:t>
             </a:fld>
             <a:endParaRPr lang="en-US" dirty="0"/>
           </a:p>
@@ -21191,7 +22081,295 @@
 </p:sld>
 </file>
 
-<file path=ppt/slides/slide38.xml><?xml version="1.0" encoding="utf-8"?>
+<file path=ppt/slides/slide4.xml><?xml version="1.0" encoding="utf-8"?>
+<p:sld xmlns:a="http://schemas.openxmlformats.org/drawingml/2006/main" xmlns:r="http://schemas.openxmlformats.org/officeDocument/2006/relationships" xmlns:p="http://schemas.openxmlformats.org/presentationml/2006/main" show="0">
+  <p:cSld>
+    <p:spTree>
+      <p:nvGrpSpPr>
+        <p:cNvPr id="1" name=""/>
+        <p:cNvGrpSpPr/>
+        <p:nvPr/>
+      </p:nvGrpSpPr>
+      <p:grpSpPr>
+        <a:xfrm>
+          <a:off x="0" y="0"/>
+          <a:ext cx="0" cy="0"/>
+          <a:chOff x="0" y="0"/>
+          <a:chExt cx="0" cy="0"/>
+        </a:xfrm>
+      </p:grpSpPr>
+      <p:sp>
+        <p:nvSpPr>
+          <p:cNvPr id="9218" name="Slide Number Placeholder 1"/>
+          <p:cNvSpPr>
+            <a:spLocks noGrp="1"/>
+          </p:cNvSpPr>
+          <p:nvPr>
+            <p:ph type="sldNum" sz="quarter" idx="10"/>
+          </p:nvPr>
+        </p:nvSpPr>
+        <p:spPr>
+          <a:noFill/>
+        </p:spPr>
+        <p:txBody>
+          <a:bodyPr/>
+          <a:lstStyle/>
+          <a:p>
+            <a:r>
+              <a:rPr lang="en-US" dirty="0" err="1" smtClean="0"/>
+              <a:t>lec</a:t>
+            </a:r>
+            <a:r>
+              <a:rPr lang="en-US" dirty="0" smtClean="0"/>
+              <a:t> 12W.</a:t>
+            </a:r>
+            <a:fld id="{ABE16930-C7CC-4A6F-941E-7E241FFA49FB}" type="slidenum">
+              <a:rPr lang="en-US" smtClean="0"/>
+              <a:pPr/>
+              <a:t>4</a:t>
+            </a:fld>
+            <a:endParaRPr lang="en-US" dirty="0" smtClean="0"/>
+          </a:p>
+        </p:txBody>
+      </p:sp>
+      <p:sp>
+        <p:nvSpPr>
+          <p:cNvPr id="9219" name="Rectangle 2"/>
+          <p:cNvSpPr>
+            <a:spLocks noChangeArrowheads="1"/>
+          </p:cNvSpPr>
+          <p:nvPr/>
+        </p:nvSpPr>
+        <p:spPr bwMode="auto">
+          <a:xfrm>
+            <a:off x="762000" y="1304925"/>
+            <a:ext cx="7620000" cy="2354491"/>
+          </a:xfrm>
+          <a:prstGeom prst="rect">
+            <a:avLst/>
+          </a:prstGeom>
+          <a:noFill/>
+          <a:ln w="9525">
+            <a:noFill/>
+            <a:miter lim="800000"/>
+            <a:headEnd/>
+            <a:tailEnd/>
+          </a:ln>
+        </p:spPr>
+        <p:txBody>
+          <a:bodyPr>
+            <a:spAutoFit/>
+          </a:bodyPr>
+          <a:lstStyle/>
+          <a:p>
+            <a:pPr>
+              <a:spcAft>
+                <a:spcPts val="1800"/>
+              </a:spcAft>
+              <a:buFont typeface="Arial" charset="0"/>
+              <a:buChar char="•"/>
+            </a:pPr>
+            <a:r>
+              <a:rPr lang="en-US" dirty="0"/>
+              <a:t>elegant derivations of   	counting formulas</a:t>
+            </a:r>
+          </a:p>
+          <a:p>
+            <a:pPr>
+              <a:buFont typeface="Arial" charset="0"/>
+              <a:buChar char="•"/>
+            </a:pPr>
+            <a:r>
+              <a:rPr lang="en-US" dirty="0"/>
+              <a:t>solving recurrences</a:t>
+            </a:r>
+          </a:p>
+        </p:txBody>
+      </p:sp>
+      <p:sp>
+        <p:nvSpPr>
+          <p:cNvPr id="4" name="Rectangle 2"/>
+          <p:cNvSpPr txBox="1">
+            <a:spLocks noChangeArrowheads="1"/>
+          </p:cNvSpPr>
+          <p:nvPr/>
+        </p:nvSpPr>
+        <p:spPr>
+          <a:xfrm>
+            <a:off x="1638300" y="457200"/>
+            <a:ext cx="6591300" cy="762000"/>
+          </a:xfrm>
+          <a:prstGeom prst="rect">
+            <a:avLst/>
+          </a:prstGeom>
+        </p:spPr>
+        <p:txBody>
+          <a:bodyPr/>
+          <a:lstStyle/>
+          <a:p>
+            <a:pPr>
+              <a:defRPr/>
+            </a:pPr>
+            <a:r>
+              <a:rPr lang="en-US" sz="3600" b="1" kern="0" dirty="0">
+                <a:latin typeface="+mj-lt"/>
+                <a:ea typeface="+mj-ea"/>
+                <a:cs typeface="+mj-cs"/>
+              </a:rPr>
+              <a:t>Why Generating Functions?</a:t>
+            </a:r>
+          </a:p>
+        </p:txBody>
+      </p:sp>
+      <p:sp>
+        <p:nvSpPr>
+          <p:cNvPr id="9221" name="TextBox 4"/>
+          <p:cNvSpPr txBox="1">
+            <a:spLocks noChangeArrowheads="1"/>
+          </p:cNvSpPr>
+          <p:nvPr/>
+        </p:nvSpPr>
+        <p:spPr bwMode="auto">
+          <a:xfrm>
+            <a:off x="228600" y="4038600"/>
+            <a:ext cx="8686800" cy="1446550"/>
+          </a:xfrm>
+          <a:prstGeom prst="rect">
+            <a:avLst/>
+          </a:prstGeom>
+          <a:noFill/>
+          <a:ln w="9525">
+            <a:noFill/>
+            <a:miter lim="800000"/>
+            <a:headEnd/>
+            <a:tailEnd/>
+          </a:ln>
+        </p:spPr>
+        <p:txBody>
+          <a:bodyPr wrap="square">
+            <a:spAutoFit/>
+          </a:bodyPr>
+          <a:lstStyle/>
+          <a:p>
+            <a:r>
+              <a:rPr lang="en-US" i="1" dirty="0"/>
+              <a:t>many </a:t>
+            </a:r>
+            <a:r>
+              <a:rPr lang="en-US" i="1" dirty="0" smtClean="0"/>
+              <a:t>kinds of gen </a:t>
+            </a:r>
+            <a:r>
+              <a:rPr lang="en-US" i="1" dirty="0" err="1" smtClean="0"/>
+              <a:t>funcs</a:t>
+            </a:r>
+            <a:r>
+              <a:rPr lang="en-US" i="1" dirty="0" smtClean="0"/>
+              <a:t>:</a:t>
+            </a:r>
+            <a:r>
+              <a:rPr lang="en-US" dirty="0" smtClean="0"/>
+              <a:t> </a:t>
+            </a:r>
+            <a:r>
+              <a:rPr lang="en-US" dirty="0" err="1" smtClean="0"/>
+              <a:t>ordinary,exponential,Dirichlet</a:t>
+            </a:r>
+            <a:r>
+              <a:rPr lang="en-US" dirty="0"/>
+              <a:t>,…</a:t>
+            </a:r>
+          </a:p>
+        </p:txBody>
+      </p:sp>
+    </p:spTree>
+  </p:cSld>
+  <p:clrMapOvr>
+    <a:masterClrMapping/>
+  </p:clrMapOvr>
+  <p:transition xmlns:p14="http://schemas.microsoft.com/office/powerpoint/2010/main"/>
+  <p:timing>
+    <p:tnLst>
+      <p:par>
+        <p:cTn xmlns:p14="http://schemas.microsoft.com/office/powerpoint/2010/main" id="1" dur="indefinite" restart="never" nodeType="tmRoot">
+          <p:childTnLst>
+            <p:seq concurrent="1" nextAc="seek">
+              <p:cTn id="2" dur="indefinite" nodeType="mainSeq">
+                <p:childTnLst>
+                  <p:par>
+                    <p:cTn id="3" fill="hold">
+                      <p:stCondLst>
+                        <p:cond delay="indefinite"/>
+                      </p:stCondLst>
+                      <p:childTnLst>
+                        <p:par>
+                          <p:cTn id="4" fill="hold">
+                            <p:stCondLst>
+                              <p:cond delay="0"/>
+                            </p:stCondLst>
+                            <p:childTnLst>
+                              <p:par>
+                                <p:cTn id="5" presetID="1" presetClass="entr" presetSubtype="0" fill="hold" grpId="0" nodeType="clickEffect">
+                                  <p:stCondLst>
+                                    <p:cond delay="0"/>
+                                  </p:stCondLst>
+                                  <p:childTnLst>
+                                    <p:set>
+                                      <p:cBhvr>
+                                        <p:cTn id="6" dur="1" fill="hold">
+                                          <p:stCondLst>
+                                            <p:cond delay="0"/>
+                                          </p:stCondLst>
+                                        </p:cTn>
+                                        <p:tgtEl>
+                                          <p:spTgt spid="9221"/>
+                                        </p:tgtEl>
+                                        <p:attrNameLst>
+                                          <p:attrName>style.visibility</p:attrName>
+                                        </p:attrNameLst>
+                                      </p:cBhvr>
+                                      <p:to>
+                                        <p:strVal val="visible"/>
+                                      </p:to>
+                                    </p:set>
+                                  </p:childTnLst>
+                                </p:cTn>
+                              </p:par>
+                            </p:childTnLst>
+                          </p:cTn>
+                        </p:par>
+                      </p:childTnLst>
+                    </p:cTn>
+                  </p:par>
+                </p:childTnLst>
+              </p:cTn>
+              <p:prevCondLst>
+                <p:cond evt="onPrev" delay="0">
+                  <p:tgtEl>
+                    <p:sldTgt/>
+                  </p:tgtEl>
+                </p:cond>
+              </p:prevCondLst>
+              <p:nextCondLst>
+                <p:cond evt="onNext" delay="0">
+                  <p:tgtEl>
+                    <p:sldTgt/>
+                  </p:tgtEl>
+                </p:cond>
+              </p:nextCondLst>
+            </p:seq>
+          </p:childTnLst>
+        </p:cTn>
+      </p:par>
+    </p:tnLst>
+    <p:bldLst>
+      <p:bldP spid="9221" grpId="0"/>
+    </p:bldLst>
+  </p:timing>
+</p:sld>
+</file>
+
+<file path=ppt/slides/slide40.xml><?xml version="1.0" encoding="utf-8"?>
 <p:sld xmlns:a="http://schemas.openxmlformats.org/drawingml/2006/main" xmlns:r="http://schemas.openxmlformats.org/officeDocument/2006/relationships" xmlns:p="http://schemas.openxmlformats.org/presentationml/2006/main">
   <p:cSld>
     <p:spTree>
@@ -21287,7 +22465,7 @@
           <a:graphicData uri="http://schemas.openxmlformats.org/presentationml/2006/ole">
             <mc:AlternateContent xmlns:mc="http://schemas.openxmlformats.org/markup-compatibility/2006">
               <mc:Choice xmlns:v="urn:schemas-microsoft-com:vml" Requires="v">
-                <p:oleObj spid="_x0000_s262168" name="Equation" r:id="rId3" imgW="6057720" imgH="660240" progId="Equation.DSMT4">
+                <p:oleObj spid="_x0000_s262183" name="Equation" r:id="rId3" imgW="6057720" imgH="660240" progId="Equation.DSMT4">
                   <p:embed/>
                 </p:oleObj>
               </mc:Choice>
@@ -21395,7 +22573,7 @@
           <a:graphicData uri="http://schemas.openxmlformats.org/presentationml/2006/ole">
             <mc:AlternateContent xmlns:mc="http://schemas.openxmlformats.org/markup-compatibility/2006">
               <mc:Choice xmlns:v="urn:schemas-microsoft-com:vml" Requires="v">
-                <p:oleObj spid="_x0000_s262169" name="Equation" r:id="rId5" imgW="1396800" imgH="482400" progId="Equation.DSMT4">
+                <p:oleObj spid="_x0000_s262184" name="Equation" r:id="rId5" imgW="1396800" imgH="482400" progId="Equation.DSMT4">
                   <p:embed/>
                 </p:oleObj>
               </mc:Choice>
@@ -21465,7 +22643,7 @@
           <a:graphicData uri="http://schemas.openxmlformats.org/presentationml/2006/ole">
             <mc:AlternateContent xmlns:mc="http://schemas.openxmlformats.org/markup-compatibility/2006">
               <mc:Choice xmlns:v="urn:schemas-microsoft-com:vml" Requires="v">
-                <p:oleObj spid="_x0000_s262170" name="Equation" r:id="rId7" imgW="2946240" imgH="660240" progId="Equation.DSMT4">
+                <p:oleObj spid="_x0000_s262185" name="Equation" r:id="rId7" imgW="2946240" imgH="660240" progId="Equation.DSMT4">
                   <p:embed/>
                 </p:oleObj>
               </mc:Choice>
@@ -21535,7 +22713,7 @@
           <a:graphicData uri="http://schemas.openxmlformats.org/presentationml/2006/ole">
             <mc:AlternateContent xmlns:mc="http://schemas.openxmlformats.org/markup-compatibility/2006">
               <mc:Choice xmlns:v="urn:schemas-microsoft-com:vml" Requires="v">
-                <p:oleObj spid="_x0000_s262171" name="Equation" r:id="rId9" imgW="1981080" imgH="863280" progId="Equation.DSMT4">
+                <p:oleObj spid="_x0000_s262186" name="Equation" r:id="rId9" imgW="1981080" imgH="863280" progId="Equation.DSMT4">
                   <p:embed/>
                 </p:oleObj>
               </mc:Choice>
@@ -21605,7 +22783,7 @@
           <a:graphicData uri="http://schemas.openxmlformats.org/presentationml/2006/ole">
             <mc:AlternateContent xmlns:mc="http://schemas.openxmlformats.org/markup-compatibility/2006">
               <mc:Choice xmlns:v="urn:schemas-microsoft-com:vml" Requires="v">
-                <p:oleObj spid="_x0000_s262172" name="Equation" r:id="rId11" imgW="2133360" imgH="545760" progId="Equation.DSMT4">
+                <p:oleObj spid="_x0000_s262187" name="Equation" r:id="rId11" imgW="2133360" imgH="545760" progId="Equation.DSMT4">
                   <p:embed/>
                 </p:oleObj>
               </mc:Choice>
@@ -21675,7 +22853,7 @@
           <a:graphicData uri="http://schemas.openxmlformats.org/presentationml/2006/ole">
             <mc:AlternateContent xmlns:mc="http://schemas.openxmlformats.org/markup-compatibility/2006">
               <mc:Choice xmlns:v="urn:schemas-microsoft-com:vml" Requires="v">
-                <p:oleObj spid="_x0000_s262173" name="Equation" r:id="rId13" imgW="4267080" imgH="685800" progId="Equation.DSMT4">
+                <p:oleObj spid="_x0000_s262188" name="Equation" r:id="rId13" imgW="4267080" imgH="685800" progId="Equation.DSMT4">
                   <p:embed/>
                 </p:oleObj>
               </mc:Choice>
@@ -21745,7 +22923,7 @@
           <a:graphicData uri="http://schemas.openxmlformats.org/presentationml/2006/ole">
             <mc:AlternateContent xmlns:mc="http://schemas.openxmlformats.org/markup-compatibility/2006">
               <mc:Choice xmlns:v="urn:schemas-microsoft-com:vml" Requires="v">
-                <p:oleObj spid="_x0000_s262174" name="Equation" r:id="rId15" imgW="1574640" imgH="863280" progId="Equation.DSMT4">
+                <p:oleObj spid="_x0000_s262189" name="Equation" r:id="rId15" imgW="1574640" imgH="863280" progId="Equation.DSMT4">
                   <p:embed/>
                 </p:oleObj>
               </mc:Choice>
@@ -21828,18 +23006,14 @@
             </a:r>
             <a:r>
               <a:rPr lang="en-US" dirty="0" smtClean="0"/>
-              <a:t> </a:t>
-            </a:r>
-            <a:r>
-              <a:rPr lang="en-US" dirty="0" smtClean="0"/>
-              <a:t>12W.</a:t>
+              <a:t> 12W.</a:t>
             </a:r>
             <a:fld id="{A585D087-0720-40C8-BCB9-442D95888E3B}" type="slidenum">
               <a:rPr lang="en-US" smtClean="0"/>
               <a:pPr>
                 <a:defRPr/>
               </a:pPr>
-              <a:t>38</a:t>
+              <a:t>40</a:t>
             </a:fld>
             <a:endParaRPr lang="en-US" dirty="0"/>
           </a:p>
@@ -22188,7 +23362,7 @@
 </p:sld>
 </file>
 
-<file path=ppt/slides/slide39.xml><?xml version="1.0" encoding="utf-8"?>
+<file path=ppt/slides/slide41.xml><?xml version="1.0" encoding="utf-8"?>
 <p:sld xmlns:a="http://schemas.openxmlformats.org/drawingml/2006/main" xmlns:r="http://schemas.openxmlformats.org/officeDocument/2006/relationships" xmlns:p="http://schemas.openxmlformats.org/presentationml/2006/main">
   <p:cSld>
     <p:spTree>
@@ -22244,7 +23418,7 @@
           <a:graphicData uri="http://schemas.openxmlformats.org/presentationml/2006/ole">
             <mc:AlternateContent xmlns:mc="http://schemas.openxmlformats.org/markup-compatibility/2006">
               <mc:Choice xmlns:v="urn:schemas-microsoft-com:vml" Requires="v">
-                <p:oleObj spid="_x0000_s257038" name="Equation" r:id="rId3" imgW="4495680" imgH="1269720" progId="Equation.DSMT4">
+                <p:oleObj spid="_x0000_s257045" name="Equation" r:id="rId3" imgW="4495680" imgH="1269720" progId="Equation.DSMT4">
                   <p:embed/>
                 </p:oleObj>
               </mc:Choice>
@@ -22357,18 +23531,14 @@
             </a:r>
             <a:r>
               <a:rPr lang="en-US" dirty="0" smtClean="0"/>
-              <a:t> </a:t>
-            </a:r>
-            <a:r>
-              <a:rPr lang="en-US" dirty="0" smtClean="0"/>
-              <a:t>12W.</a:t>
+              <a:t> 12W.</a:t>
             </a:r>
             <a:fld id="{A585D087-0720-40C8-BCB9-442D95888E3B}" type="slidenum">
               <a:rPr lang="en-US" smtClean="0"/>
               <a:pPr>
                 <a:defRPr/>
               </a:pPr>
-              <a:t>39</a:t>
+              <a:t>41</a:t>
             </a:fld>
             <a:endParaRPr lang="en-US" dirty="0"/>
           </a:p>
@@ -22390,7 +23560,7 @@
           <a:graphicData uri="http://schemas.openxmlformats.org/presentationml/2006/ole">
             <mc:AlternateContent xmlns:mc="http://schemas.openxmlformats.org/markup-compatibility/2006">
               <mc:Choice xmlns:v="urn:schemas-microsoft-com:vml" Requires="v">
-                <p:oleObj spid="_x0000_s257039" name="Equation" r:id="rId5" imgW="3848100" imgH="1447800" progId="Equation.DSMT4">
+                <p:oleObj spid="_x0000_s257046" name="Equation" r:id="rId5" imgW="3848100" imgH="1447800" progId="Equation.DSMT4">
                   <p:embed/>
                 </p:oleObj>
               </mc:Choice>
@@ -22453,7 +23623,7 @@
           <a:graphicData uri="http://schemas.openxmlformats.org/presentationml/2006/ole">
             <mc:AlternateContent xmlns:mc="http://schemas.openxmlformats.org/markup-compatibility/2006">
               <mc:Choice xmlns:v="urn:schemas-microsoft-com:vml" Requires="v">
-                <p:oleObj spid="_x0000_s257040" name="Equation" r:id="rId7" imgW="749300" imgH="304800" progId="Equation.DSMT4">
+                <p:oleObj spid="_x0000_s257047" name="Equation" r:id="rId7" imgW="749300" imgH="304800" progId="Equation.DSMT4">
                   <p:embed/>
                 </p:oleObj>
               </mc:Choice>
@@ -22701,299 +23871,7 @@
 </p:sld>
 </file>
 
-<file path=ppt/slides/slide4.xml><?xml version="1.0" encoding="utf-8"?>
-<p:sld xmlns:a="http://schemas.openxmlformats.org/drawingml/2006/main" xmlns:r="http://schemas.openxmlformats.org/officeDocument/2006/relationships" xmlns:p="http://schemas.openxmlformats.org/presentationml/2006/main" show="0">
-  <p:cSld>
-    <p:spTree>
-      <p:nvGrpSpPr>
-        <p:cNvPr id="1" name=""/>
-        <p:cNvGrpSpPr/>
-        <p:nvPr/>
-      </p:nvGrpSpPr>
-      <p:grpSpPr>
-        <a:xfrm>
-          <a:off x="0" y="0"/>
-          <a:ext cx="0" cy="0"/>
-          <a:chOff x="0" y="0"/>
-          <a:chExt cx="0" cy="0"/>
-        </a:xfrm>
-      </p:grpSpPr>
-      <p:sp>
-        <p:nvSpPr>
-          <p:cNvPr id="9218" name="Slide Number Placeholder 1"/>
-          <p:cNvSpPr>
-            <a:spLocks noGrp="1"/>
-          </p:cNvSpPr>
-          <p:nvPr>
-            <p:ph type="sldNum" sz="quarter" idx="10"/>
-          </p:nvPr>
-        </p:nvSpPr>
-        <p:spPr>
-          <a:noFill/>
-        </p:spPr>
-        <p:txBody>
-          <a:bodyPr/>
-          <a:lstStyle/>
-          <a:p>
-            <a:r>
-              <a:rPr lang="en-US" dirty="0" err="1" smtClean="0"/>
-              <a:t>lec</a:t>
-            </a:r>
-            <a:r>
-              <a:rPr lang="en-US" dirty="0" smtClean="0"/>
-              <a:t> </a:t>
-            </a:r>
-            <a:r>
-              <a:rPr lang="en-US" dirty="0" smtClean="0"/>
-              <a:t>12W.</a:t>
-            </a:r>
-            <a:fld id="{ABE16930-C7CC-4A6F-941E-7E241FFA49FB}" type="slidenum">
-              <a:rPr lang="en-US" smtClean="0"/>
-              <a:pPr/>
-              <a:t>4</a:t>
-            </a:fld>
-            <a:endParaRPr lang="en-US" dirty="0" smtClean="0"/>
-          </a:p>
-        </p:txBody>
-      </p:sp>
-      <p:sp>
-        <p:nvSpPr>
-          <p:cNvPr id="9219" name="Rectangle 2"/>
-          <p:cNvSpPr>
-            <a:spLocks noChangeArrowheads="1"/>
-          </p:cNvSpPr>
-          <p:nvPr/>
-        </p:nvSpPr>
-        <p:spPr bwMode="auto">
-          <a:xfrm>
-            <a:off x="762000" y="1304925"/>
-            <a:ext cx="7620000" cy="2354491"/>
-          </a:xfrm>
-          <a:prstGeom prst="rect">
-            <a:avLst/>
-          </a:prstGeom>
-          <a:noFill/>
-          <a:ln w="9525">
-            <a:noFill/>
-            <a:miter lim="800000"/>
-            <a:headEnd/>
-            <a:tailEnd/>
-          </a:ln>
-        </p:spPr>
-        <p:txBody>
-          <a:bodyPr>
-            <a:spAutoFit/>
-          </a:bodyPr>
-          <a:lstStyle/>
-          <a:p>
-            <a:pPr>
-              <a:spcAft>
-                <a:spcPts val="1800"/>
-              </a:spcAft>
-              <a:buFont typeface="Arial" charset="0"/>
-              <a:buChar char="•"/>
-            </a:pPr>
-            <a:r>
-              <a:rPr lang="en-US" dirty="0"/>
-              <a:t>elegant derivations of   	counting formulas</a:t>
-            </a:r>
-          </a:p>
-          <a:p>
-            <a:pPr>
-              <a:buFont typeface="Arial" charset="0"/>
-              <a:buChar char="•"/>
-            </a:pPr>
-            <a:r>
-              <a:rPr lang="en-US" dirty="0"/>
-              <a:t>solving recurrences</a:t>
-            </a:r>
-          </a:p>
-        </p:txBody>
-      </p:sp>
-      <p:sp>
-        <p:nvSpPr>
-          <p:cNvPr id="4" name="Rectangle 2"/>
-          <p:cNvSpPr txBox="1">
-            <a:spLocks noChangeArrowheads="1"/>
-          </p:cNvSpPr>
-          <p:nvPr/>
-        </p:nvSpPr>
-        <p:spPr>
-          <a:xfrm>
-            <a:off x="1638300" y="457200"/>
-            <a:ext cx="6591300" cy="762000"/>
-          </a:xfrm>
-          <a:prstGeom prst="rect">
-            <a:avLst/>
-          </a:prstGeom>
-        </p:spPr>
-        <p:txBody>
-          <a:bodyPr/>
-          <a:lstStyle/>
-          <a:p>
-            <a:pPr>
-              <a:defRPr/>
-            </a:pPr>
-            <a:r>
-              <a:rPr lang="en-US" sz="3600" b="1" kern="0" dirty="0">
-                <a:latin typeface="+mj-lt"/>
-                <a:ea typeface="+mj-ea"/>
-                <a:cs typeface="+mj-cs"/>
-              </a:rPr>
-              <a:t>Why Generating Functions?</a:t>
-            </a:r>
-          </a:p>
-        </p:txBody>
-      </p:sp>
-      <p:sp>
-        <p:nvSpPr>
-          <p:cNvPr id="9221" name="TextBox 4"/>
-          <p:cNvSpPr txBox="1">
-            <a:spLocks noChangeArrowheads="1"/>
-          </p:cNvSpPr>
-          <p:nvPr/>
-        </p:nvSpPr>
-        <p:spPr bwMode="auto">
-          <a:xfrm>
-            <a:off x="228600" y="4038600"/>
-            <a:ext cx="8686800" cy="1446550"/>
-          </a:xfrm>
-          <a:prstGeom prst="rect">
-            <a:avLst/>
-          </a:prstGeom>
-          <a:noFill/>
-          <a:ln w="9525">
-            <a:noFill/>
-            <a:miter lim="800000"/>
-            <a:headEnd/>
-            <a:tailEnd/>
-          </a:ln>
-        </p:spPr>
-        <p:txBody>
-          <a:bodyPr wrap="square">
-            <a:spAutoFit/>
-          </a:bodyPr>
-          <a:lstStyle/>
-          <a:p>
-            <a:r>
-              <a:rPr lang="en-US" i="1" dirty="0"/>
-              <a:t>many </a:t>
-            </a:r>
-            <a:r>
-              <a:rPr lang="en-US" i="1" dirty="0" smtClean="0"/>
-              <a:t>kinds of gen </a:t>
-            </a:r>
-            <a:r>
-              <a:rPr lang="en-US" i="1" dirty="0" err="1" smtClean="0"/>
-              <a:t>funcs</a:t>
-            </a:r>
-            <a:r>
-              <a:rPr lang="en-US" i="1" dirty="0" smtClean="0"/>
-              <a:t>:</a:t>
-            </a:r>
-            <a:r>
-              <a:rPr lang="en-US" dirty="0" smtClean="0"/>
-              <a:t> </a:t>
-            </a:r>
-            <a:r>
-              <a:rPr lang="en-US" dirty="0" err="1" smtClean="0"/>
-              <a:t>ordinary,exponential,Dirichlet</a:t>
-            </a:r>
-            <a:r>
-              <a:rPr lang="en-US" dirty="0"/>
-              <a:t>,…</a:t>
-            </a:r>
-          </a:p>
-        </p:txBody>
-      </p:sp>
-    </p:spTree>
-  </p:cSld>
-  <p:clrMapOvr>
-    <a:masterClrMapping/>
-  </p:clrMapOvr>
-  <p:transition xmlns:p14="http://schemas.microsoft.com/office/powerpoint/2010/main"/>
-  <p:timing>
-    <p:tnLst>
-      <p:par>
-        <p:cTn xmlns:p14="http://schemas.microsoft.com/office/powerpoint/2010/main" id="1" dur="indefinite" restart="never" nodeType="tmRoot">
-          <p:childTnLst>
-            <p:seq concurrent="1" nextAc="seek">
-              <p:cTn id="2" dur="indefinite" nodeType="mainSeq">
-                <p:childTnLst>
-                  <p:par>
-                    <p:cTn id="3" fill="hold">
-                      <p:stCondLst>
-                        <p:cond delay="indefinite"/>
-                      </p:stCondLst>
-                      <p:childTnLst>
-                        <p:par>
-                          <p:cTn id="4" fill="hold">
-                            <p:stCondLst>
-                              <p:cond delay="0"/>
-                            </p:stCondLst>
-                            <p:childTnLst>
-                              <p:par>
-                                <p:cTn id="5" presetID="1" presetClass="entr" presetSubtype="0" fill="hold" grpId="0" nodeType="clickEffect">
-                                  <p:stCondLst>
-                                    <p:cond delay="0"/>
-                                  </p:stCondLst>
-                                  <p:childTnLst>
-                                    <p:set>
-                                      <p:cBhvr>
-                                        <p:cTn id="6" dur="1" fill="hold">
-                                          <p:stCondLst>
-                                            <p:cond delay="0"/>
-                                          </p:stCondLst>
-                                        </p:cTn>
-                                        <p:tgtEl>
-                                          <p:spTgt spid="9221"/>
-                                        </p:tgtEl>
-                                        <p:attrNameLst>
-                                          <p:attrName>style.visibility</p:attrName>
-                                        </p:attrNameLst>
-                                      </p:cBhvr>
-                                      <p:to>
-                                        <p:strVal val="visible"/>
-                                      </p:to>
-                                    </p:set>
-                                  </p:childTnLst>
-                                </p:cTn>
-                              </p:par>
-                            </p:childTnLst>
-                          </p:cTn>
-                        </p:par>
-                      </p:childTnLst>
-                    </p:cTn>
-                  </p:par>
-                </p:childTnLst>
-              </p:cTn>
-              <p:prevCondLst>
-                <p:cond evt="onPrev" delay="0">
-                  <p:tgtEl>
-                    <p:sldTgt/>
-                  </p:tgtEl>
-                </p:cond>
-              </p:prevCondLst>
-              <p:nextCondLst>
-                <p:cond evt="onNext" delay="0">
-                  <p:tgtEl>
-                    <p:sldTgt/>
-                  </p:tgtEl>
-                </p:cond>
-              </p:nextCondLst>
-            </p:seq>
-          </p:childTnLst>
-        </p:cTn>
-      </p:par>
-    </p:tnLst>
-    <p:bldLst>
-      <p:bldP spid="9221" grpId="0"/>
-    </p:bldLst>
-  </p:timing>
-</p:sld>
-</file>
-
-<file path=ppt/slides/slide40.xml><?xml version="1.0" encoding="utf-8"?>
+<file path=ppt/slides/slide42.xml><?xml version="1.0" encoding="utf-8"?>
 <p:sld xmlns:a="http://schemas.openxmlformats.org/drawingml/2006/main" xmlns:r="http://schemas.openxmlformats.org/officeDocument/2006/relationships" xmlns:p="http://schemas.openxmlformats.org/presentationml/2006/main">
   <p:cSld>
     <p:spTree>
@@ -23103,7 +23981,7 @@
           <a:graphicData uri="http://schemas.openxmlformats.org/presentationml/2006/ole">
             <mc:AlternateContent xmlns:mc="http://schemas.openxmlformats.org/markup-compatibility/2006">
               <mc:Choice xmlns:v="urn:schemas-microsoft-com:vml" Requires="v">
-                <p:oleObj spid="_x0000_s258059" name="Equation" r:id="rId3" imgW="4241800" imgH="1917700" progId="Equation.DSMT4">
+                <p:oleObj spid="_x0000_s258064" name="Equation" r:id="rId3" imgW="4241800" imgH="1917700" progId="Equation.DSMT4">
                   <p:embed/>
                 </p:oleObj>
               </mc:Choice>
@@ -23383,18 +24261,14 @@
             </a:r>
             <a:r>
               <a:rPr lang="en-US" dirty="0" smtClean="0"/>
-              <a:t> </a:t>
-            </a:r>
-            <a:r>
-              <a:rPr lang="en-US" dirty="0" smtClean="0"/>
-              <a:t>12W.</a:t>
+              <a:t> 12W.</a:t>
             </a:r>
             <a:fld id="{A585D087-0720-40C8-BCB9-442D95888E3B}" type="slidenum">
               <a:rPr lang="en-US" smtClean="0"/>
               <a:pPr>
                 <a:defRPr/>
               </a:pPr>
-              <a:t>40</a:t>
+              <a:t>42</a:t>
             </a:fld>
             <a:endParaRPr lang="en-US" dirty="0"/>
           </a:p>
@@ -23416,7 +24290,7 @@
           <a:graphicData uri="http://schemas.openxmlformats.org/presentationml/2006/ole">
             <mc:AlternateContent xmlns:mc="http://schemas.openxmlformats.org/markup-compatibility/2006">
               <mc:Choice xmlns:v="urn:schemas-microsoft-com:vml" Requires="v">
-                <p:oleObj spid="_x0000_s258060" name="Equation" r:id="rId5" imgW="965200" imgH="533400" progId="Equation.DSMT4">
+                <p:oleObj spid="_x0000_s258065" name="Equation" r:id="rId5" imgW="965200" imgH="533400" progId="Equation.DSMT4">
                   <p:embed/>
                 </p:oleObj>
               </mc:Choice>
@@ -23755,7 +24629,7 @@
 </p:sld>
 </file>
 
-<file path=ppt/slides/slide41.xml><?xml version="1.0" encoding="utf-8"?>
+<file path=ppt/slides/slide43.xml><?xml version="1.0" encoding="utf-8"?>
 <p:sld xmlns:a="http://schemas.openxmlformats.org/drawingml/2006/main" xmlns:r="http://schemas.openxmlformats.org/officeDocument/2006/relationships" xmlns:p="http://schemas.openxmlformats.org/presentationml/2006/main">
   <p:cSld>
     <p:spTree>
@@ -23879,7 +24753,7 @@
           <a:graphicData uri="http://schemas.openxmlformats.org/presentationml/2006/ole">
             <mc:AlternateContent xmlns:mc="http://schemas.openxmlformats.org/markup-compatibility/2006">
               <mc:Choice xmlns:v="urn:schemas-microsoft-com:vml" Requires="v">
-                <p:oleObj spid="_x0000_s380937" name="Equation" r:id="rId4" imgW="2463800" imgH="1727200" progId="Equation.DSMT4">
+                <p:oleObj spid="_x0000_s380942" name="Equation" r:id="rId4" imgW="2463800" imgH="1727200" progId="Equation.DSMT4">
                   <p:embed/>
                 </p:oleObj>
               </mc:Choice>
@@ -23991,7 +24865,7 @@
           <a:graphicData uri="http://schemas.openxmlformats.org/presentationml/2006/ole">
             <mc:AlternateContent xmlns:mc="http://schemas.openxmlformats.org/markup-compatibility/2006">
               <mc:Choice xmlns:v="urn:schemas-microsoft-com:vml" Requires="v">
-                <p:oleObj spid="_x0000_s380938" name="Equation" r:id="rId6" imgW="7924800" imgH="1663700" progId="Equation.DSMT4">
+                <p:oleObj spid="_x0000_s380943" name="Equation" r:id="rId6" imgW="7924800" imgH="1663700" progId="Equation.DSMT4">
                   <p:embed/>
                 </p:oleObj>
               </mc:Choice>
@@ -24074,18 +24948,14 @@
             </a:r>
             <a:r>
               <a:rPr lang="en-US" dirty="0" smtClean="0"/>
-              <a:t> </a:t>
-            </a:r>
-            <a:r>
-              <a:rPr lang="en-US" dirty="0" smtClean="0"/>
-              <a:t>12W.</a:t>
+              <a:t> 12W.</a:t>
             </a:r>
             <a:fld id="{A585D087-0720-40C8-BCB9-442D95888E3B}" type="slidenum">
               <a:rPr lang="en-US" smtClean="0"/>
               <a:pPr>
                 <a:defRPr/>
               </a:pPr>
-              <a:t>41</a:t>
+              <a:t>43</a:t>
             </a:fld>
             <a:endParaRPr lang="en-US" dirty="0"/>
           </a:p>
@@ -24241,7 +25111,7 @@
 </p:sld>
 </file>
 
-<file path=ppt/slides/slide42.xml><?xml version="1.0" encoding="utf-8"?>
+<file path=ppt/slides/slide44.xml><?xml version="1.0" encoding="utf-8"?>
 <p:sld xmlns:a="http://schemas.openxmlformats.org/drawingml/2006/main" xmlns:r="http://schemas.openxmlformats.org/officeDocument/2006/relationships" xmlns:p="http://schemas.openxmlformats.org/presentationml/2006/main">
   <p:cSld>
     <p:spTree>
@@ -24346,7 +25216,7 @@
           <a:graphicData uri="http://schemas.openxmlformats.org/presentationml/2006/ole">
             <mc:AlternateContent xmlns:mc="http://schemas.openxmlformats.org/markup-compatibility/2006">
               <mc:Choice xmlns:v="urn:schemas-microsoft-com:vml" Requires="v">
-                <p:oleObj spid="_x0000_s382985" name="Equation" r:id="rId4" imgW="6273720" imgH="571320" progId="Equation.DSMT4">
+                <p:oleObj spid="_x0000_s382990" name="Equation" r:id="rId4" imgW="6273720" imgH="571320" progId="Equation.DSMT4">
                   <p:embed/>
                 </p:oleObj>
               </mc:Choice>
@@ -24483,7 +25353,7 @@
           <a:graphicData uri="http://schemas.openxmlformats.org/presentationml/2006/ole">
             <mc:AlternateContent xmlns:mc="http://schemas.openxmlformats.org/markup-compatibility/2006">
               <mc:Choice xmlns:v="urn:schemas-microsoft-com:vml" Requires="v">
-                <p:oleObj spid="_x0000_s382986" name="Equation" r:id="rId6" imgW="5537160" imgH="571320" progId="Equation.DSMT4">
+                <p:oleObj spid="_x0000_s382991" name="Equation" r:id="rId6" imgW="5537160" imgH="571320" progId="Equation.DSMT4">
                   <p:embed/>
                 </p:oleObj>
               </mc:Choice>
@@ -24637,18 +25507,14 @@
             </a:r>
             <a:r>
               <a:rPr lang="en-US" dirty="0" smtClean="0"/>
-              <a:t> </a:t>
-            </a:r>
-            <a:r>
-              <a:rPr lang="en-US" dirty="0" smtClean="0"/>
-              <a:t>12W.</a:t>
+              <a:t> 12W.</a:t>
             </a:r>
             <a:fld id="{A585D087-0720-40C8-BCB9-442D95888E3B}" type="slidenum">
               <a:rPr lang="en-US" smtClean="0"/>
               <a:pPr>
                 <a:defRPr/>
               </a:pPr>
-              <a:t>42</a:t>
+              <a:t>44</a:t>
             </a:fld>
             <a:endParaRPr lang="en-US" dirty="0"/>
           </a:p>
@@ -24948,474 +25814,7 @@
 </p:sld>
 </file>
 
-<file path=ppt/slides/slide43.xml><?xml version="1.0" encoding="utf-8"?>
-<p:sld xmlns:a="http://schemas.openxmlformats.org/drawingml/2006/main" xmlns:r="http://schemas.openxmlformats.org/officeDocument/2006/relationships" xmlns:p="http://schemas.openxmlformats.org/presentationml/2006/main" show="0">
-  <p:cSld>
-    <p:spTree>
-      <p:nvGrpSpPr>
-        <p:cNvPr id="1" name=""/>
-        <p:cNvGrpSpPr/>
-        <p:nvPr/>
-      </p:nvGrpSpPr>
-      <p:grpSpPr>
-        <a:xfrm>
-          <a:off x="0" y="0"/>
-          <a:ext cx="0" cy="0"/>
-          <a:chOff x="0" y="0"/>
-          <a:chExt cx="0" cy="0"/>
-        </a:xfrm>
-      </p:grpSpPr>
-      <p:sp>
-        <p:nvSpPr>
-          <p:cNvPr id="2" name="Title 1"/>
-          <p:cNvSpPr>
-            <a:spLocks noGrp="1"/>
-          </p:cNvSpPr>
-          <p:nvPr>
-            <p:ph type="title"/>
-          </p:nvPr>
-        </p:nvSpPr>
-        <p:spPr>
-          <a:xfrm>
-            <a:off x="1143000" y="152400"/>
-            <a:ext cx="7772400" cy="1143000"/>
-          </a:xfrm>
-        </p:spPr>
-        <p:txBody>
-          <a:bodyPr/>
-          <a:lstStyle/>
-          <a:p>
-            <a:r>
-              <a:rPr lang="en-US" dirty="0" smtClean="0"/>
-              <a:t>coefficients of rational functions</a:t>
-            </a:r>
-            <a:endParaRPr lang="en-US" dirty="0"/>
-          </a:p>
-        </p:txBody>
-      </p:sp>
-      <p:sp>
-        <p:nvSpPr>
-          <p:cNvPr id="8" name="TextBox 7"/>
-          <p:cNvSpPr txBox="1"/>
-          <p:nvPr/>
-        </p:nvSpPr>
-        <p:spPr>
-          <a:xfrm>
-            <a:off x="419100" y="1295400"/>
-            <a:ext cx="8305800" cy="1446550"/>
-          </a:xfrm>
-          <a:prstGeom prst="rect">
-            <a:avLst/>
-          </a:prstGeom>
-          <a:noFill/>
-        </p:spPr>
-        <p:txBody>
-          <a:bodyPr wrap="square" rtlCol="0">
-            <a:spAutoFit/>
-          </a:bodyPr>
-          <a:lstStyle/>
-          <a:p>
-            <a:r>
-              <a:rPr lang="en-US" dirty="0" smtClean="0"/>
-              <a:t>Corollary: for polynomials</a:t>
-            </a:r>
-          </a:p>
-          <a:p>
-            <a:r>
-              <a:rPr lang="en-US" dirty="0" err="1" smtClean="0">
-                <a:solidFill>
-                  <a:srgbClr val="0000FF"/>
-                </a:solidFill>
-              </a:rPr>
-              <a:t>P(x</a:t>
-            </a:r>
-            <a:r>
-              <a:rPr lang="en-US" dirty="0" smtClean="0">
-                <a:solidFill>
-                  <a:srgbClr val="0000FF"/>
-                </a:solidFill>
-              </a:rPr>
-              <a:t>)</a:t>
-            </a:r>
-            <a:r>
-              <a:rPr lang="en-US" dirty="0" smtClean="0"/>
-              <a:t>, </a:t>
-            </a:r>
-            <a:r>
-              <a:rPr lang="en-US" dirty="0" err="1" smtClean="0">
-                <a:solidFill>
-                  <a:srgbClr val="0000FF"/>
-                </a:solidFill>
-              </a:rPr>
-              <a:t>Q(x</a:t>
-            </a:r>
-            <a:r>
-              <a:rPr lang="en-US" dirty="0" smtClean="0">
-                <a:solidFill>
-                  <a:srgbClr val="0000FF"/>
-                </a:solidFill>
-              </a:rPr>
-              <a:t>)</a:t>
-            </a:r>
-            <a:r>
-              <a:rPr lang="en-US" dirty="0" smtClean="0"/>
-              <a:t> can find formula for</a:t>
-            </a:r>
-            <a:endParaRPr lang="en-US" dirty="0"/>
-          </a:p>
-        </p:txBody>
-      </p:sp>
-      <p:graphicFrame>
-        <p:nvGraphicFramePr>
-          <p:cNvPr id="9" name="Object 8"/>
-          <p:cNvGraphicFramePr>
-            <a:graphicFrameLocks noChangeAspect="1"/>
-          </p:cNvGraphicFramePr>
-          <p:nvPr/>
-        </p:nvGraphicFramePr>
-        <p:xfrm>
-          <a:off x="2865438" y="2514600"/>
-          <a:ext cx="3336925" cy="2366963"/>
-        </p:xfrm>
-        <a:graphic>
-          <a:graphicData uri="http://schemas.openxmlformats.org/presentationml/2006/ole">
-            <mc:AlternateContent xmlns:mc="http://schemas.openxmlformats.org/markup-compatibility/2006">
-              <mc:Choice xmlns:v="urn:schemas-microsoft-com:vml" Requires="v">
-                <p:oleObj spid="_x0000_s385030" name="Equation" r:id="rId4" imgW="698500" imgH="495300" progId="Equation.DSMT4">
-                  <p:embed/>
-                </p:oleObj>
-              </mc:Choice>
-              <mc:Fallback>
-                <p:oleObj name="Equation" r:id="rId4" imgW="698500" imgH="495300" progId="Equation.DSMT4">
-                  <p:embed/>
-                  <p:pic>
-                    <p:nvPicPr>
-                      <p:cNvPr id="0" name="Picture 2"/>
-                      <p:cNvPicPr>
-                        <a:picLocks noChangeAspect="1" noChangeArrowheads="1"/>
-                      </p:cNvPicPr>
-                      <p:nvPr/>
-                    </p:nvPicPr>
-                    <p:blipFill>
-                      <a:blip r:embed="rId5">
-                        <a:extLst>
-                          <a:ext uri="{28A0092B-C50C-407E-A947-70E740481C1C}">
-                            <a14:useLocalDpi xmlns:a14="http://schemas.microsoft.com/office/drawing/2010/main" val="0"/>
-                          </a:ext>
-                        </a:extLst>
-                      </a:blip>
-                      <a:srcRect/>
-                      <a:stretch>
-                        <a:fillRect/>
-                      </a:stretch>
-                    </p:blipFill>
-                    <p:spPr bwMode="auto">
-                      <a:xfrm>
-                        <a:off x="2865438" y="2514600"/>
-                        <a:ext cx="3336925" cy="2366963"/>
-                      </a:xfrm>
-                      <a:prstGeom prst="rect">
-                        <a:avLst/>
-                      </a:prstGeom>
-                      <a:noFill/>
-                      <a:extLst>
-                        <a:ext uri="{909E8E84-426E-40dd-AFC4-6F175D3DCCD1}">
-                          <a14:hiddenFill xmlns:a14="http://schemas.microsoft.com/office/drawing/2010/main">
-                            <a:solidFill>
-                              <a:srgbClr val="FFFFFF"/>
-                            </a:solidFill>
-                          </a14:hiddenFill>
-                        </a:ext>
-                      </a:extLst>
-                    </p:spPr>
-                  </p:pic>
-                </p:oleObj>
-              </mc:Fallback>
-            </mc:AlternateContent>
-          </a:graphicData>
-        </a:graphic>
-      </p:graphicFrame>
-      <p:sp>
-        <p:nvSpPr>
-          <p:cNvPr id="6" name="TextBox 5"/>
-          <p:cNvSpPr txBox="1"/>
-          <p:nvPr/>
-        </p:nvSpPr>
-        <p:spPr>
-          <a:xfrm>
-            <a:off x="533400" y="5029200"/>
-            <a:ext cx="8113519" cy="1015663"/>
-          </a:xfrm>
-          <a:prstGeom prst="rect">
-            <a:avLst/>
-          </a:prstGeom>
-          <a:noFill/>
-        </p:spPr>
-        <p:txBody>
-          <a:bodyPr wrap="none" rtlCol="0">
-            <a:spAutoFit/>
-          </a:bodyPr>
-          <a:lstStyle/>
-          <a:p>
-            <a:r>
-              <a:rPr lang="en-US" sz="6000" dirty="0" smtClean="0"/>
-              <a:t>using </a:t>
-            </a:r>
-            <a:r>
-              <a:rPr lang="en-US" sz="6000" dirty="0" smtClean="0">
-                <a:solidFill>
-                  <a:srgbClr val="008000"/>
-                </a:solidFill>
-              </a:rPr>
-              <a:t>partial fractions</a:t>
-            </a:r>
-            <a:endParaRPr lang="en-US" sz="6000" dirty="0"/>
-          </a:p>
-        </p:txBody>
-      </p:sp>
-      <p:sp>
-        <p:nvSpPr>
-          <p:cNvPr id="7" name="Slide Number Placeholder 2"/>
-          <p:cNvSpPr>
-            <a:spLocks noGrp="1"/>
-          </p:cNvSpPr>
-          <p:nvPr>
-            <p:ph type="sldNum" sz="quarter" idx="10"/>
-          </p:nvPr>
-        </p:nvSpPr>
-        <p:spPr>
-          <a:xfrm>
-            <a:off x="6400800" y="6613525"/>
-            <a:ext cx="2667000" cy="244475"/>
-          </a:xfrm>
-        </p:spPr>
-        <p:txBody>
-          <a:bodyPr/>
-          <a:lstStyle/>
-          <a:p>
-            <a:pPr>
-              <a:defRPr/>
-            </a:pPr>
-            <a:r>
-              <a:rPr lang="en-US" dirty="0" err="1" smtClean="0"/>
-              <a:t>lec</a:t>
-            </a:r>
-            <a:r>
-              <a:rPr lang="en-US" dirty="0" smtClean="0"/>
-              <a:t> </a:t>
-            </a:r>
-            <a:r>
-              <a:rPr lang="en-US" dirty="0" smtClean="0"/>
-              <a:t>12W.</a:t>
-            </a:r>
-            <a:fld id="{A585D087-0720-40C8-BCB9-442D95888E3B}" type="slidenum">
-              <a:rPr lang="en-US" smtClean="0"/>
-              <a:pPr>
-                <a:defRPr/>
-              </a:pPr>
-              <a:t>43</a:t>
-            </a:fld>
-            <a:endParaRPr lang="en-US" dirty="0"/>
-          </a:p>
-        </p:txBody>
-      </p:sp>
-    </p:spTree>
-  </p:cSld>
-  <p:clrMapOvr>
-    <a:masterClrMapping/>
-  </p:clrMapOvr>
-  <p:transition xmlns:p14="http://schemas.microsoft.com/office/powerpoint/2010/main">
-    <p:fade/>
-  </p:transition>
-  <p:timing>
-    <p:tnLst>
-      <p:par>
-        <p:cTn xmlns:p14="http://schemas.microsoft.com/office/powerpoint/2010/main" id="1" dur="indefinite" restart="never" nodeType="tmRoot">
-          <p:childTnLst>
-            <p:seq concurrent="1" nextAc="seek">
-              <p:cTn id="2" dur="indefinite" nodeType="mainSeq">
-                <p:childTnLst>
-                  <p:par>
-                    <p:cTn id="3" fill="hold">
-                      <p:stCondLst>
-                        <p:cond delay="indefinite"/>
-                      </p:stCondLst>
-                      <p:childTnLst>
-                        <p:par>
-                          <p:cTn id="4" fill="hold">
-                            <p:stCondLst>
-                              <p:cond delay="0"/>
-                            </p:stCondLst>
-                            <p:childTnLst>
-                              <p:par>
-                                <p:cTn id="5" presetID="1" presetClass="entr" presetSubtype="0" fill="hold" grpId="0" nodeType="clickEffect">
-                                  <p:stCondLst>
-                                    <p:cond delay="0"/>
-                                  </p:stCondLst>
-                                  <p:childTnLst>
-                                    <p:set>
-                                      <p:cBhvr>
-                                        <p:cTn id="6" dur="1" fill="hold">
-                                          <p:stCondLst>
-                                            <p:cond delay="0"/>
-                                          </p:stCondLst>
-                                        </p:cTn>
-                                        <p:tgtEl>
-                                          <p:spTgt spid="8"/>
-                                        </p:tgtEl>
-                                        <p:attrNameLst>
-                                          <p:attrName>style.visibility</p:attrName>
-                                        </p:attrNameLst>
-                                      </p:cBhvr>
-                                      <p:to>
-                                        <p:strVal val="visible"/>
-                                      </p:to>
-                                    </p:set>
-                                  </p:childTnLst>
-                                </p:cTn>
-                              </p:par>
-                            </p:childTnLst>
-                          </p:cTn>
-                        </p:par>
-                      </p:childTnLst>
-                    </p:cTn>
-                  </p:par>
-                  <p:par>
-                    <p:cTn id="7" fill="hold">
-                      <p:stCondLst>
-                        <p:cond delay="indefinite"/>
-                      </p:stCondLst>
-                      <p:childTnLst>
-                        <p:par>
-                          <p:cTn id="8" fill="hold">
-                            <p:stCondLst>
-                              <p:cond delay="0"/>
-                            </p:stCondLst>
-                            <p:childTnLst>
-                              <p:par>
-                                <p:cTn id="9" presetID="9" presetClass="entr" presetSubtype="0" fill="hold" nodeType="clickEffect">
-                                  <p:stCondLst>
-                                    <p:cond delay="0"/>
-                                  </p:stCondLst>
-                                  <p:childTnLst>
-                                    <p:set>
-                                      <p:cBhvr>
-                                        <p:cTn id="10" dur="1" fill="hold">
-                                          <p:stCondLst>
-                                            <p:cond delay="0"/>
-                                          </p:stCondLst>
-                                        </p:cTn>
-                                        <p:tgtEl>
-                                          <p:spTgt spid="9"/>
-                                        </p:tgtEl>
-                                        <p:attrNameLst>
-                                          <p:attrName>style.visibility</p:attrName>
-                                        </p:attrNameLst>
-                                      </p:cBhvr>
-                                      <p:to>
-                                        <p:strVal val="visible"/>
-                                      </p:to>
-                                    </p:set>
-                                    <p:animEffect transition="in" filter="dissolve">
-                                      <p:cBhvr>
-                                        <p:cTn id="11" dur="500"/>
-                                        <p:tgtEl>
-                                          <p:spTgt spid="9"/>
-                                        </p:tgtEl>
-                                      </p:cBhvr>
-                                    </p:animEffect>
-                                  </p:childTnLst>
-                                </p:cTn>
-                              </p:par>
-                            </p:childTnLst>
-                          </p:cTn>
-                        </p:par>
-                      </p:childTnLst>
-                    </p:cTn>
-                  </p:par>
-                  <p:par>
-                    <p:cTn id="12" fill="hold">
-                      <p:stCondLst>
-                        <p:cond delay="indefinite"/>
-                      </p:stCondLst>
-                      <p:childTnLst>
-                        <p:par>
-                          <p:cTn id="13" fill="hold">
-                            <p:stCondLst>
-                              <p:cond delay="0"/>
-                            </p:stCondLst>
-                            <p:childTnLst>
-                              <p:par>
-                                <p:cTn id="14" presetID="10" presetClass="entr" presetSubtype="0" fill="hold" grpId="0" nodeType="clickEffect">
-                                  <p:stCondLst>
-                                    <p:cond delay="0"/>
-                                  </p:stCondLst>
-                                  <p:childTnLst>
-                                    <p:set>
-                                      <p:cBhvr>
-                                        <p:cTn id="15" dur="1" fill="hold">
-                                          <p:stCondLst>
-                                            <p:cond delay="0"/>
-                                          </p:stCondLst>
-                                        </p:cTn>
-                                        <p:tgtEl>
-                                          <p:spTgt spid="6"/>
-                                        </p:tgtEl>
-                                        <p:attrNameLst>
-                                          <p:attrName>style.visibility</p:attrName>
-                                        </p:attrNameLst>
-                                      </p:cBhvr>
-                                      <p:to>
-                                        <p:strVal val="visible"/>
-                                      </p:to>
-                                    </p:set>
-                                    <p:animEffect transition="in" filter="fade">
-                                      <p:cBhvr>
-                                        <p:cTn id="16" dur="500"/>
-                                        <p:tgtEl>
-                                          <p:spTgt spid="6"/>
-                                        </p:tgtEl>
-                                      </p:cBhvr>
-                                    </p:animEffect>
-                                  </p:childTnLst>
-                                </p:cTn>
-                              </p:par>
-                            </p:childTnLst>
-                          </p:cTn>
-                        </p:par>
-                      </p:childTnLst>
-                    </p:cTn>
-                  </p:par>
-                </p:childTnLst>
-              </p:cTn>
-              <p:prevCondLst>
-                <p:cond evt="onPrev" delay="0">
-                  <p:tgtEl>
-                    <p:sldTgt/>
-                  </p:tgtEl>
-                </p:cond>
-              </p:prevCondLst>
-              <p:nextCondLst>
-                <p:cond evt="onNext" delay="0">
-                  <p:tgtEl>
-                    <p:sldTgt/>
-                  </p:tgtEl>
-                </p:cond>
-              </p:nextCondLst>
-            </p:seq>
-          </p:childTnLst>
-        </p:cTn>
-      </p:par>
-    </p:tnLst>
-    <p:bldLst>
-      <p:bldP spid="8" grpId="0"/>
-      <p:bldP spid="6" grpId="0"/>
-    </p:bldLst>
-  </p:timing>
-</p:sld>
-</file>
-
-<file path=ppt/slides/slide44.xml><?xml version="1.0" encoding="utf-8"?>
+<file path=ppt/slides/slide45.xml><?xml version="1.0" encoding="utf-8"?>
 <p:sld xmlns:a="http://schemas.openxmlformats.org/drawingml/2006/main" xmlns:r="http://schemas.openxmlformats.org/officeDocument/2006/relationships" xmlns:p="http://schemas.openxmlformats.org/presentationml/2006/main">
   <p:cSld>
     <p:spTree>
@@ -25525,18 +25924,14 @@
             </a:r>
             <a:r>
               <a:rPr lang="en-US" dirty="0" smtClean="0"/>
-              <a:t> </a:t>
-            </a:r>
-            <a:r>
-              <a:rPr lang="en-US" dirty="0" smtClean="0"/>
-              <a:t>12W.</a:t>
+              <a:t> 12W.</a:t>
             </a:r>
             <a:fld id="{A585D087-0720-40C8-BCB9-442D95888E3B}" type="slidenum">
               <a:rPr lang="en-US" smtClean="0"/>
               <a:pPr>
                 <a:defRPr/>
               </a:pPr>
-              <a:t>44</a:t>
+              <a:t>45</a:t>
             </a:fld>
             <a:endParaRPr lang="en-US" dirty="0"/>
           </a:p>
@@ -25547,7 +25942,9 @@
   <p:clrMapOvr>
     <a:masterClrMapping/>
   </p:clrMapOvr>
-  <p:transition xmlns:p14="http://schemas.microsoft.com/office/powerpoint/2010/main"/>
+  <p:transition xmlns:p14="http://schemas.microsoft.com/office/powerpoint/2010/main" spd="slow">
+    <p:fade thruBlk="1"/>
+  </p:transition>
   <p:timing>
     <p:tnLst>
       <p:par>
@@ -26055,11 +26452,7 @@
             </a:r>
             <a:r>
               <a:rPr lang="en-US" dirty="0" smtClean="0"/>
-              <a:t> </a:t>
-            </a:r>
-            <a:r>
-              <a:rPr lang="en-US" dirty="0" smtClean="0"/>
-              <a:t>12W.</a:t>
+              <a:t> 12W.</a:t>
             </a:r>
             <a:fld id="{352FCCE4-BE3A-4FE8-9C7F-346C1706D930}" type="slidenum">
               <a:rPr lang="en-US" smtClean="0"/>
@@ -26455,7 +26848,7 @@
           <a:graphicData uri="http://schemas.openxmlformats.org/presentationml/2006/ole">
             <mc:AlternateContent xmlns:mc="http://schemas.openxmlformats.org/markup-compatibility/2006">
               <mc:Choice xmlns:v="urn:schemas-microsoft-com:vml" Requires="v">
-                <p:oleObj spid="_x0000_s80921" name="Equation" r:id="rId4" imgW="3441700" imgH="838200" progId="Equation.3">
+                <p:oleObj spid="_x0000_s80930" name="Equation" r:id="rId4" imgW="3441700" imgH="838200" progId="Equation.3">
                   <p:embed/>
                 </p:oleObj>
               </mc:Choice>
@@ -26527,11 +26920,7 @@
             </a:r>
             <a:r>
               <a:rPr lang="en-US" dirty="0" smtClean="0"/>
-              <a:t> </a:t>
-            </a:r>
-            <a:r>
-              <a:rPr lang="en-US" dirty="0" smtClean="0"/>
-              <a:t>12W.</a:t>
+              <a:t> 12W.</a:t>
             </a:r>
             <a:fld id="{167FB316-D213-489C-8FDE-91E3356C5A60}" type="slidenum">
               <a:rPr lang="en-US" smtClean="0"/>
@@ -26566,7 +26955,7 @@
           <a:graphicData uri="http://schemas.openxmlformats.org/presentationml/2006/ole">
             <mc:AlternateContent xmlns:mc="http://schemas.openxmlformats.org/markup-compatibility/2006">
               <mc:Choice xmlns:v="urn:schemas-microsoft-com:vml" Requires="v">
-                <p:oleObj spid="_x0000_s80922" name="Equation" r:id="rId6" imgW="3060700" imgH="1092200" progId="Equation.3">
+                <p:oleObj spid="_x0000_s80931" name="Equation" r:id="rId6" imgW="3060700" imgH="1092200" progId="Equation.3">
                   <p:embed/>
                 </p:oleObj>
               </mc:Choice>
@@ -26674,7 +27063,7 @@
             <a:graphicData uri="http://schemas.openxmlformats.org/presentationml/2006/ole">
               <mc:AlternateContent xmlns:mc="http://schemas.openxmlformats.org/markup-compatibility/2006">
                 <mc:Choice xmlns:v="urn:schemas-microsoft-com:vml" Requires="v">
-                  <p:oleObj spid="_x0000_s80923" name="Equation" r:id="rId8" imgW="1066680" imgH="342720" progId="Equation.DSMT4">
+                  <p:oleObj spid="_x0000_s80932" name="Equation" r:id="rId8" imgW="1066680" imgH="342720" progId="Equation.DSMT4">
                     <p:embed/>
                   </p:oleObj>
                 </mc:Choice>
@@ -26773,7 +27162,7 @@
           <a:graphicData uri="http://schemas.openxmlformats.org/presentationml/2006/ole">
             <mc:AlternateContent xmlns:mc="http://schemas.openxmlformats.org/markup-compatibility/2006">
               <mc:Choice xmlns:v="urn:schemas-microsoft-com:vml" Requires="v">
-                <p:oleObj spid="_x0000_s80924" name="Equation" r:id="rId10" imgW="1168400" imgH="1104900" progId="Equation.DSMT4">
+                <p:oleObj spid="_x0000_s80933" name="Equation" r:id="rId10" imgW="1168400" imgH="1104900" progId="Equation.DSMT4">
                   <p:embed/>
                 </p:oleObj>
               </mc:Choice>
@@ -27134,11 +27523,7 @@
             </a:r>
             <a:r>
               <a:rPr lang="en-US" dirty="0" smtClean="0"/>
-              <a:t> </a:t>
-            </a:r>
-            <a:r>
-              <a:rPr lang="en-US" dirty="0" smtClean="0"/>
-              <a:t>12W.</a:t>
+              <a:t> 12W.</a:t>
             </a:r>
             <a:fld id="{167FB316-D213-489C-8FDE-91E3356C5A60}" type="slidenum">
               <a:rPr lang="en-US" smtClean="0"/>
@@ -27322,11 +27707,7 @@
             </a:r>
             <a:r>
               <a:rPr lang="en-US" dirty="0" smtClean="0"/>
-              <a:t> </a:t>
-            </a:r>
-            <a:r>
-              <a:rPr lang="en-US" dirty="0" smtClean="0"/>
-              <a:t>12W.</a:t>
+              <a:t> 12W.</a:t>
             </a:r>
             <a:fld id="{167FB316-D213-489C-8FDE-91E3356C5A60}" type="slidenum">
               <a:rPr lang="en-US" smtClean="0"/>
@@ -27954,11 +28335,7 @@
             </a:r>
             <a:r>
               <a:rPr lang="en-US" dirty="0" smtClean="0"/>
-              <a:t> </a:t>
-            </a:r>
-            <a:r>
-              <a:rPr lang="en-US" dirty="0" smtClean="0"/>
-              <a:t>12W.</a:t>
+              <a:t> 12W.</a:t>
             </a:r>
             <a:fld id="{167FB316-D213-489C-8FDE-91E3356C5A60}" type="slidenum">
               <a:rPr lang="en-US" smtClean="0"/>

--- a/fall11/slidesF11/slides12w.pptx
+++ b/fall11/slidesF11/slides12w.pptx
@@ -5284,7 +5284,7 @@
           <a:graphicData uri="http://schemas.openxmlformats.org/presentationml/2006/ole">
             <mc:AlternateContent xmlns:mc="http://schemas.openxmlformats.org/markup-compatibility/2006">
               <mc:Choice xmlns:v="urn:schemas-microsoft-com:vml" Requires="v">
-                <p:oleObj spid="_x0000_s81969" name="Equation" r:id="rId3" imgW="3454200" imgH="1396800" progId="Equation.DSMT4">
+                <p:oleObj spid="_x0000_s81978" name="Equation" r:id="rId3" imgW="3454200" imgH="1396800" progId="Equation.DSMT4">
                   <p:embed/>
                 </p:oleObj>
               </mc:Choice>
@@ -5472,7 +5472,7 @@
           <a:graphicData uri="http://schemas.openxmlformats.org/presentationml/2006/ole">
             <mc:AlternateContent xmlns:mc="http://schemas.openxmlformats.org/markup-compatibility/2006">
               <mc:Choice xmlns:v="urn:schemas-microsoft-com:vml" Requires="v">
-                <p:oleObj spid="_x0000_s81970" name="Equation" r:id="rId5" imgW="2895480" imgH="647640" progId="Equation.DSMT4">
+                <p:oleObj spid="_x0000_s81979" name="Equation" r:id="rId5" imgW="2895480" imgH="647640" progId="Equation.DSMT4">
                   <p:embed/>
                 </p:oleObj>
               </mc:Choice>
@@ -5542,7 +5542,7 @@
           <a:graphicData uri="http://schemas.openxmlformats.org/presentationml/2006/ole">
             <mc:AlternateContent xmlns:mc="http://schemas.openxmlformats.org/markup-compatibility/2006">
               <mc:Choice xmlns:v="urn:schemas-microsoft-com:vml" Requires="v">
-                <p:oleObj spid="_x0000_s81971" name="Equation" r:id="rId7" imgW="1295280" imgH="609480" progId="Equation.DSMT4">
+                <p:oleObj spid="_x0000_s81980" name="Equation" r:id="rId7" imgW="1295280" imgH="609480" progId="Equation.DSMT4">
                   <p:embed/>
                 </p:oleObj>
               </mc:Choice>
@@ -5612,7 +5612,7 @@
           <a:graphicData uri="http://schemas.openxmlformats.org/presentationml/2006/ole">
             <mc:AlternateContent xmlns:mc="http://schemas.openxmlformats.org/markup-compatibility/2006">
               <mc:Choice xmlns:v="urn:schemas-microsoft-com:vml" Requires="v">
-                <p:oleObj spid="_x0000_s81972" name="Equation" r:id="rId9" imgW="1295280" imgH="609480" progId="Equation.DSMT4">
+                <p:oleObj spid="_x0000_s81981" name="Equation" r:id="rId9" imgW="1295280" imgH="609480" progId="Equation.DSMT4">
                   <p:embed/>
                 </p:oleObj>
               </mc:Choice>
@@ -5682,7 +5682,7 @@
           <a:graphicData uri="http://schemas.openxmlformats.org/presentationml/2006/ole">
             <mc:AlternateContent xmlns:mc="http://schemas.openxmlformats.org/markup-compatibility/2006">
               <mc:Choice xmlns:v="urn:schemas-microsoft-com:vml" Requires="v">
-                <p:oleObj spid="_x0000_s81973" name="Equation" r:id="rId11" imgW="1295280" imgH="622080" progId="Equation.DSMT4">
+                <p:oleObj spid="_x0000_s81982" name="Equation" r:id="rId11" imgW="1295280" imgH="622080" progId="Equation.DSMT4">
                   <p:embed/>
                 </p:oleObj>
               </mc:Choice>
@@ -5752,7 +5752,7 @@
           <a:graphicData uri="http://schemas.openxmlformats.org/presentationml/2006/ole">
             <mc:AlternateContent xmlns:mc="http://schemas.openxmlformats.org/markup-compatibility/2006">
               <mc:Choice xmlns:v="urn:schemas-microsoft-com:vml" Requires="v">
-                <p:oleObj spid="_x0000_s81974" name="Equation" r:id="rId13" imgW="1892160" imgH="1346040" progId="Equation.DSMT4">
+                <p:oleObj spid="_x0000_s81983" name="Equation" r:id="rId13" imgW="1892160" imgH="1346040" progId="Equation.DSMT4">
                   <p:embed/>
                 </p:oleObj>
               </mc:Choice>
@@ -5836,7 +5836,7 @@
             <a:graphicData uri="http://schemas.openxmlformats.org/presentationml/2006/ole">
               <mc:AlternateContent xmlns:mc="http://schemas.openxmlformats.org/markup-compatibility/2006">
                 <mc:Choice xmlns:v="urn:schemas-microsoft-com:vml" Requires="v">
-                  <p:oleObj spid="_x0000_s81975" name="Equation" r:id="rId15" imgW="545760" imgH="3124080" progId="Equation.DSMT4">
+                  <p:oleObj spid="_x0000_s81984" name="Equation" r:id="rId15" imgW="545760" imgH="3124080" progId="Equation.DSMT4">
                     <p:embed/>
                   </p:oleObj>
                 </mc:Choice>
@@ -5906,7 +5906,7 @@
             <a:graphicData uri="http://schemas.openxmlformats.org/presentationml/2006/ole">
               <mc:AlternateContent xmlns:mc="http://schemas.openxmlformats.org/markup-compatibility/2006">
                 <mc:Choice xmlns:v="urn:schemas-microsoft-com:vml" Requires="v">
-                  <p:oleObj spid="_x0000_s81976" name="Equation" r:id="rId17" imgW="4076640" imgH="660240" progId="Equation.DSMT4">
+                  <p:oleObj spid="_x0000_s81985" name="Equation" r:id="rId17" imgW="4076640" imgH="660240" progId="Equation.DSMT4">
                     <p:embed/>
                   </p:oleObj>
                 </mc:Choice>
@@ -6644,7 +6644,7 @@
           <a:graphicData uri="http://schemas.openxmlformats.org/presentationml/2006/ole">
             <mc:AlternateContent xmlns:mc="http://schemas.openxmlformats.org/markup-compatibility/2006">
               <mc:Choice xmlns:v="urn:schemas-microsoft-com:vml" Requires="v">
-                <p:oleObj spid="_x0000_s82961" name="Equation" r:id="rId4" imgW="5499100" imgH="1968500" progId="Equation.3">
+                <p:oleObj spid="_x0000_s82963" name="Equation" r:id="rId4" imgW="5499100" imgH="1968500" progId="Equation.3">
                   <p:embed/>
                 </p:oleObj>
               </mc:Choice>
@@ -6848,7 +6848,7 @@
           <a:graphicData uri="http://schemas.openxmlformats.org/presentationml/2006/ole">
             <mc:AlternateContent xmlns:mc="http://schemas.openxmlformats.org/markup-compatibility/2006">
               <mc:Choice xmlns:v="urn:schemas-microsoft-com:vml" Requires="v">
-                <p:oleObj spid="_x0000_s135198" name="Equation" r:id="rId4" imgW="8013700" imgH="1562100" progId="Equation.DSMT4">
+                <p:oleObj spid="_x0000_s135203" name="Equation" r:id="rId4" imgW="8013700" imgH="1562100" progId="Equation.DSMT4">
                   <p:embed/>
                 </p:oleObj>
               </mc:Choice>
@@ -6918,7 +6918,7 @@
           <a:graphicData uri="http://schemas.openxmlformats.org/presentationml/2006/ole">
             <mc:AlternateContent xmlns:mc="http://schemas.openxmlformats.org/markup-compatibility/2006">
               <mc:Choice xmlns:v="urn:schemas-microsoft-com:vml" Requires="v">
-                <p:oleObj spid="_x0000_s135199" name="Equation" r:id="rId6" imgW="8280400" imgH="1574800" progId="Equation.3">
+                <p:oleObj spid="_x0000_s135204" name="Equation" r:id="rId6" imgW="8280400" imgH="1574800" progId="Equation.3">
                   <p:embed/>
                 </p:oleObj>
               </mc:Choice>
@@ -7070,7 +7070,7 @@
           <a:graphicData uri="http://schemas.openxmlformats.org/presentationml/2006/ole">
             <mc:AlternateContent xmlns:mc="http://schemas.openxmlformats.org/markup-compatibility/2006">
               <mc:Choice xmlns:v="urn:schemas-microsoft-com:vml" Requires="v">
-                <p:oleObj spid="_x0000_s135200" name="Equation" r:id="rId8" imgW="5168900" imgH="1574800" progId="Equation.3">
+                <p:oleObj spid="_x0000_s135205" name="Equation" r:id="rId8" imgW="5168900" imgH="1574800" progId="Equation.3">
                   <p:embed/>
                 </p:oleObj>
               </mc:Choice>
@@ -7140,7 +7140,7 @@
           <a:graphicData uri="http://schemas.openxmlformats.org/presentationml/2006/ole">
             <mc:AlternateContent xmlns:mc="http://schemas.openxmlformats.org/markup-compatibility/2006">
               <mc:Choice xmlns:v="urn:schemas-microsoft-com:vml" Requires="v">
-                <p:oleObj spid="_x0000_s135201" name="Equation" r:id="rId10" imgW="7632700" imgH="1511300" progId="Equation.3">
+                <p:oleObj spid="_x0000_s135206" name="Equation" r:id="rId10" imgW="7632700" imgH="1511300" progId="Equation.3">
                   <p:embed/>
                 </p:oleObj>
               </mc:Choice>
@@ -7733,7 +7733,7 @@
           <a:graphicData uri="http://schemas.openxmlformats.org/presentationml/2006/ole">
             <mc:AlternateContent xmlns:mc="http://schemas.openxmlformats.org/markup-compatibility/2006">
               <mc:Choice xmlns:v="urn:schemas-microsoft-com:vml" Requires="v">
-                <p:oleObj spid="_x0000_s83985" name="Equation" r:id="rId4" imgW="7251700" imgH="1092200" progId="Equation.3">
+                <p:oleObj spid="_x0000_s83988" name="Equation" r:id="rId4" imgW="7251700" imgH="1092200" progId="Equation.3">
                   <p:embed/>
                 </p:oleObj>
               </mc:Choice>
@@ -7797,7 +7797,7 @@
           <a:graphicData uri="http://schemas.openxmlformats.org/presentationml/2006/ole">
             <mc:AlternateContent xmlns:mc="http://schemas.openxmlformats.org/markup-compatibility/2006">
               <mc:Choice xmlns:v="urn:schemas-microsoft-com:vml" Requires="v">
-                <p:oleObj spid="_x0000_s83986" name="Equation" r:id="rId6" imgW="3390840" imgH="1269720" progId="Equation.DSMT4">
+                <p:oleObj spid="_x0000_s83989" name="Equation" r:id="rId6" imgW="3390840" imgH="1269720" progId="Equation.DSMT4">
                   <p:embed/>
                 </p:oleObj>
               </mc:Choice>
@@ -8081,7 +8081,7 @@
           <a:graphicData uri="http://schemas.openxmlformats.org/presentationml/2006/ole">
             <mc:AlternateContent xmlns:mc="http://schemas.openxmlformats.org/markup-compatibility/2006">
               <mc:Choice xmlns:v="urn:schemas-microsoft-com:vml" Requires="v">
-                <p:oleObj spid="_x0000_s85012" name="Equation" r:id="rId4" imgW="3479760" imgH="1269720" progId="Equation.DSMT4">
+                <p:oleObj spid="_x0000_s85016" name="Equation" r:id="rId4" imgW="3479760" imgH="1269720" progId="Equation.DSMT4">
                   <p:embed/>
                 </p:oleObj>
               </mc:Choice>
@@ -8151,7 +8151,7 @@
           <a:graphicData uri="http://schemas.openxmlformats.org/presentationml/2006/ole">
             <mc:AlternateContent xmlns:mc="http://schemas.openxmlformats.org/markup-compatibility/2006">
               <mc:Choice xmlns:v="urn:schemas-microsoft-com:vml" Requires="v">
-                <p:oleObj spid="_x0000_s85013" name="Equation" r:id="rId6" imgW="3251160" imgH="1269720" progId="Equation.DSMT4">
+                <p:oleObj spid="_x0000_s85017" name="Equation" r:id="rId6" imgW="3251160" imgH="1269720" progId="Equation.DSMT4">
                   <p:embed/>
                 </p:oleObj>
               </mc:Choice>
@@ -8221,7 +8221,7 @@
           <a:graphicData uri="http://schemas.openxmlformats.org/presentationml/2006/ole">
             <mc:AlternateContent xmlns:mc="http://schemas.openxmlformats.org/markup-compatibility/2006">
               <mc:Choice xmlns:v="urn:schemas-microsoft-com:vml" Requires="v">
-                <p:oleObj spid="_x0000_s85014" name="Equation" r:id="rId8" imgW="3504960" imgH="1346040" progId="Equation.DSMT4">
+                <p:oleObj spid="_x0000_s85018" name="Equation" r:id="rId8" imgW="3504960" imgH="1346040" progId="Equation.DSMT4">
                   <p:embed/>
                 </p:oleObj>
               </mc:Choice>
@@ -8810,7 +8810,7 @@
           <a:graphicData uri="http://schemas.openxmlformats.org/presentationml/2006/ole">
             <mc:AlternateContent xmlns:mc="http://schemas.openxmlformats.org/markup-compatibility/2006">
               <mc:Choice xmlns:v="urn:schemas-microsoft-com:vml" Requires="v">
-                <p:oleObj spid="_x0000_s181270" name="Equation" r:id="rId3" imgW="165100" imgH="673100" progId="Equation.DSMT4">
+                <p:oleObj spid="_x0000_s181273" name="Equation" r:id="rId3" imgW="165100" imgH="673100" progId="Equation.DSMT4">
                   <p:embed/>
                 </p:oleObj>
               </mc:Choice>
@@ -9088,7 +9088,7 @@
           <a:graphicData uri="http://schemas.openxmlformats.org/presentationml/2006/ole">
             <mc:AlternateContent xmlns:mc="http://schemas.openxmlformats.org/markup-compatibility/2006">
               <mc:Choice xmlns:v="urn:schemas-microsoft-com:vml" Requires="v">
-                <p:oleObj spid="_x0000_s181271" name="Equation" r:id="rId5" imgW="165100" imgH="673100" progId="Equation.DSMT4">
+                <p:oleObj spid="_x0000_s181274" name="Equation" r:id="rId5" imgW="165100" imgH="673100" progId="Equation.DSMT4">
                   <p:embed/>
                 </p:oleObj>
               </mc:Choice>
@@ -10421,7 +10421,7 @@
           <a:graphicData uri="http://schemas.openxmlformats.org/presentationml/2006/ole">
             <mc:AlternateContent xmlns:mc="http://schemas.openxmlformats.org/markup-compatibility/2006">
               <mc:Choice xmlns:v="urn:schemas-microsoft-com:vml" Requires="v">
-                <p:oleObj spid="_x0000_s164873" name="Equation" r:id="rId3" imgW="8013700" imgH="939800" progId="Equation.DSMT4">
+                <p:oleObj spid="_x0000_s164875" name="Equation" r:id="rId3" imgW="8013700" imgH="939800" progId="Equation.DSMT4">
                   <p:embed/>
                 </p:oleObj>
               </mc:Choice>
@@ -10883,7 +10883,7 @@
           <a:graphicData uri="http://schemas.openxmlformats.org/presentationml/2006/ole">
             <mc:AlternateContent xmlns:mc="http://schemas.openxmlformats.org/markup-compatibility/2006">
               <mc:Choice xmlns:v="urn:schemas-microsoft-com:vml" Requires="v">
-                <p:oleObj spid="_x0000_s230430" name="Equation" r:id="rId3" imgW="7543800" imgH="939800" progId="Equation.3">
+                <p:oleObj spid="_x0000_s230434" name="Equation" r:id="rId3" imgW="7543800" imgH="939800" progId="Equation.3">
                   <p:embed/>
                 </p:oleObj>
               </mc:Choice>
@@ -10944,7 +10944,7 @@
           <a:graphicData uri="http://schemas.openxmlformats.org/presentationml/2006/ole">
             <mc:AlternateContent xmlns:mc="http://schemas.openxmlformats.org/markup-compatibility/2006">
               <mc:Choice xmlns:v="urn:schemas-microsoft-com:vml" Requires="v">
-                <p:oleObj spid="_x0000_s230431" name="Equation" r:id="rId5" imgW="8178800" imgH="774700" progId="Equation.3">
+                <p:oleObj spid="_x0000_s230435" name="Equation" r:id="rId5" imgW="8178800" imgH="774700" progId="Equation.3">
                   <p:embed/>
                 </p:oleObj>
               </mc:Choice>
@@ -11005,7 +11005,7 @@
           <a:graphicData uri="http://schemas.openxmlformats.org/presentationml/2006/ole">
             <mc:AlternateContent xmlns:mc="http://schemas.openxmlformats.org/markup-compatibility/2006">
               <mc:Choice xmlns:v="urn:schemas-microsoft-com:vml" Requires="v">
-                <p:oleObj spid="_x0000_s230432" name="Equation" r:id="rId7" imgW="7810500" imgH="762000" progId="Equation.DSMT4">
+                <p:oleObj spid="_x0000_s230436" name="Equation" r:id="rId7" imgW="7810500" imgH="762000" progId="Equation.DSMT4">
                   <p:embed/>
                 </p:oleObj>
               </mc:Choice>
@@ -11045,13 +11045,13 @@
   <p:clrMapOvr>
     <a:masterClrMapping/>
   </p:clrMapOvr>
-  <mc:AlternateContent xmlns:mc="http://schemas.openxmlformats.org/markup-compatibility/2006">
-    <mc:Choice xmlns:p14="http://schemas.microsoft.com/office/powerpoint/2010/main" Requires="p14">
+  <mc:AlternateContent xmlns:mc="http://schemas.openxmlformats.org/markup-compatibility/2006" xmlns:p14="http://schemas.microsoft.com/office/powerpoint/2010/main">
+    <mc:Choice Requires="p14">
       <p:transition spd="med" p14:dur="700">
         <p:fade/>
       </p:transition>
     </mc:Choice>
-    <mc:Fallback>
+    <mc:Fallback xmlns="">
       <p:transition xmlns:p14="http://schemas.microsoft.com/office/powerpoint/2010/main" spd="med">
         <p:fade/>
       </p:transition>
@@ -11498,7 +11498,7 @@
           <a:graphicData uri="http://schemas.openxmlformats.org/presentationml/2006/ole">
             <mc:AlternateContent xmlns:mc="http://schemas.openxmlformats.org/markup-compatibility/2006">
               <mc:Choice xmlns:v="urn:schemas-microsoft-com:vml" Requires="v">
-                <p:oleObj spid="_x0000_s320522" name="Equation" r:id="rId3" imgW="762000" imgH="469900" progId="Equation.DSMT4">
+                <p:oleObj spid="_x0000_s320524" name="Equation" r:id="rId3" imgW="762000" imgH="469900" progId="Equation.DSMT4">
                   <p:embed/>
                 </p:oleObj>
               </mc:Choice>
@@ -11792,7 +11792,7 @@
           <a:graphicData uri="http://schemas.openxmlformats.org/presentationml/2006/ole">
             <mc:AlternateContent xmlns:mc="http://schemas.openxmlformats.org/markup-compatibility/2006">
               <mc:Choice xmlns:v="urn:schemas-microsoft-com:vml" Requires="v">
-                <p:oleObj spid="_x0000_s251927" name="Equation" r:id="rId4" imgW="2159000" imgH="241300" progId="Equation.DSMT4">
+                <p:oleObj spid="_x0000_s251931" name="Equation" r:id="rId4" imgW="2159000" imgH="241300" progId="Equation.DSMT4">
                   <p:embed/>
                 </p:oleObj>
               </mc:Choice>
@@ -11900,7 +11900,7 @@
           <a:graphicData uri="http://schemas.openxmlformats.org/presentationml/2006/ole">
             <mc:AlternateContent xmlns:mc="http://schemas.openxmlformats.org/markup-compatibility/2006">
               <mc:Choice xmlns:v="urn:schemas-microsoft-com:vml" Requires="v">
-                <p:oleObj spid="_x0000_s251928" name="Equation" r:id="rId6" imgW="647700" imgH="215900" progId="Equation.DSMT4">
+                <p:oleObj spid="_x0000_s251932" name="Equation" r:id="rId6" imgW="647700" imgH="215900" progId="Equation.DSMT4">
                   <p:embed/>
                 </p:oleObj>
               </mc:Choice>
@@ -11970,7 +11970,7 @@
           <a:graphicData uri="http://schemas.openxmlformats.org/presentationml/2006/ole">
             <mc:AlternateContent xmlns:mc="http://schemas.openxmlformats.org/markup-compatibility/2006">
               <mc:Choice xmlns:v="urn:schemas-microsoft-com:vml" Requires="v">
-                <p:oleObj spid="_x0000_s251929" name="Equation" r:id="rId8" imgW="1244600" imgH="241300" progId="Equation.DSMT4">
+                <p:oleObj spid="_x0000_s251933" name="Equation" r:id="rId8" imgW="1244600" imgH="241300" progId="Equation.DSMT4">
                   <p:embed/>
                 </p:oleObj>
               </mc:Choice>
@@ -12619,7 +12619,7 @@
           <a:graphicData uri="http://schemas.openxmlformats.org/presentationml/2006/ole">
             <mc:AlternateContent xmlns:mc="http://schemas.openxmlformats.org/markup-compatibility/2006">
               <mc:Choice xmlns:v="urn:schemas-microsoft-com:vml" Requires="v">
-                <p:oleObj spid="_x0000_s88096" name="Equation" r:id="rId4" imgW="990360" imgH="571320" progId="Equation.DSMT4">
+                <p:oleObj spid="_x0000_s88101" name="Equation" r:id="rId4" imgW="990360" imgH="571320" progId="Equation.DSMT4">
                   <p:embed/>
                 </p:oleObj>
               </mc:Choice>
@@ -12695,7 +12695,7 @@
           <a:graphicData uri="http://schemas.openxmlformats.org/presentationml/2006/ole">
             <mc:AlternateContent xmlns:mc="http://schemas.openxmlformats.org/markup-compatibility/2006">
               <mc:Choice xmlns:v="urn:schemas-microsoft-com:vml" Requires="v">
-                <p:oleObj spid="_x0000_s88097" name="Equation" r:id="rId6" imgW="2095500" imgH="2006600" progId="Equation.3">
+                <p:oleObj spid="_x0000_s88102" name="Equation" r:id="rId6" imgW="2095500" imgH="2006600" progId="Equation.3">
                   <p:embed/>
                 </p:oleObj>
               </mc:Choice>
@@ -12784,7 +12784,7 @@
           <a:graphicData uri="http://schemas.openxmlformats.org/presentationml/2006/ole">
             <mc:AlternateContent xmlns:mc="http://schemas.openxmlformats.org/markup-compatibility/2006">
               <mc:Choice xmlns:v="urn:schemas-microsoft-com:vml" Requires="v">
-                <p:oleObj spid="_x0000_s88098" name="Equation" r:id="rId8" imgW="4609800" imgH="1231560" progId="Equation.DSMT4">
+                <p:oleObj spid="_x0000_s88103" name="Equation" r:id="rId8" imgW="4609800" imgH="1231560" progId="Equation.DSMT4">
                   <p:embed/>
                 </p:oleObj>
               </mc:Choice>
@@ -12854,7 +12854,7 @@
           <a:graphicData uri="http://schemas.openxmlformats.org/presentationml/2006/ole">
             <mc:AlternateContent xmlns:mc="http://schemas.openxmlformats.org/markup-compatibility/2006">
               <mc:Choice xmlns:v="urn:schemas-microsoft-com:vml" Requires="v">
-                <p:oleObj spid="_x0000_s88099" name="Equation" r:id="rId10" imgW="4063680" imgH="571320" progId="Equation.DSMT4">
+                <p:oleObj spid="_x0000_s88104" name="Equation" r:id="rId10" imgW="4063680" imgH="571320" progId="Equation.DSMT4">
                   <p:embed/>
                 </p:oleObj>
               </mc:Choice>
@@ -13316,7 +13316,7 @@
           <a:graphicData uri="http://schemas.openxmlformats.org/presentationml/2006/ole">
             <mc:AlternateContent xmlns:mc="http://schemas.openxmlformats.org/markup-compatibility/2006">
               <mc:Choice xmlns:v="urn:schemas-microsoft-com:vml" Requires="v">
-                <p:oleObj spid="_x0000_s234509" name="Equation" r:id="rId4" imgW="2222500" imgH="927100" progId="Equation.DSMT4">
+                <p:oleObj spid="_x0000_s234511" name="Equation" r:id="rId4" imgW="2222500" imgH="927100" progId="Equation.DSMT4">
                   <p:embed/>
                 </p:oleObj>
               </mc:Choice>
@@ -13920,7 +13920,7 @@
           <a:graphicData uri="http://schemas.openxmlformats.org/presentationml/2006/ole">
             <mc:AlternateContent xmlns:mc="http://schemas.openxmlformats.org/markup-compatibility/2006">
               <mc:Choice xmlns:v="urn:schemas-microsoft-com:vml" Requires="v">
-                <p:oleObj spid="_x0000_s235535" name="Equation" r:id="rId4" imgW="3429000" imgH="1244520" progId="Equation.DSMT4">
+                <p:oleObj spid="_x0000_s235538" name="Equation" r:id="rId4" imgW="3429000" imgH="1244520" progId="Equation.DSMT4">
                   <p:embed/>
                 </p:oleObj>
               </mc:Choice>
@@ -13990,7 +13990,7 @@
           <a:graphicData uri="http://schemas.openxmlformats.org/presentationml/2006/ole">
             <mc:AlternateContent xmlns:mc="http://schemas.openxmlformats.org/markup-compatibility/2006">
               <mc:Choice xmlns:v="urn:schemas-microsoft-com:vml" Requires="v">
-                <p:oleObj spid="_x0000_s235536" name="Equation" r:id="rId6" imgW="3429000" imgH="1244520" progId="Equation.DSMT4">
+                <p:oleObj spid="_x0000_s235539" name="Equation" r:id="rId6" imgW="3429000" imgH="1244520" progId="Equation.DSMT4">
                   <p:embed/>
                 </p:oleObj>
               </mc:Choice>
@@ -14352,7 +14352,7 @@
           <a:graphicData uri="http://schemas.openxmlformats.org/presentationml/2006/ole">
             <mc:AlternateContent xmlns:mc="http://schemas.openxmlformats.org/markup-compatibility/2006">
               <mc:Choice xmlns:v="urn:schemas-microsoft-com:vml" Requires="v">
-                <p:oleObj spid="_x0000_s236564" name="Equation" r:id="rId4" imgW="3009600" imgH="596880" progId="Equation.DSMT4">
+                <p:oleObj spid="_x0000_s236568" name="Equation" r:id="rId4" imgW="3009600" imgH="596880" progId="Equation.DSMT4">
                   <p:embed/>
                 </p:oleObj>
               </mc:Choice>
@@ -14422,7 +14422,7 @@
           <a:graphicData uri="http://schemas.openxmlformats.org/presentationml/2006/ole">
             <mc:AlternateContent xmlns:mc="http://schemas.openxmlformats.org/markup-compatibility/2006">
               <mc:Choice xmlns:v="urn:schemas-microsoft-com:vml" Requires="v">
-                <p:oleObj spid="_x0000_s236565" name="Equation" r:id="rId6" imgW="2184120" imgH="1269720" progId="Equation.DSMT4">
+                <p:oleObj spid="_x0000_s236569" name="Equation" r:id="rId6" imgW="2184120" imgH="1269720" progId="Equation.DSMT4">
                   <p:embed/>
                 </p:oleObj>
               </mc:Choice>
@@ -14498,7 +14498,7 @@
           <a:graphicData uri="http://schemas.openxmlformats.org/presentationml/2006/ole">
             <mc:AlternateContent xmlns:mc="http://schemas.openxmlformats.org/markup-compatibility/2006">
               <mc:Choice xmlns:v="urn:schemas-microsoft-com:vml" Requires="v">
-                <p:oleObj spid="_x0000_s236566" name="Equation" r:id="rId8" imgW="4089400" imgH="1765300" progId="Equation.3">
+                <p:oleObj spid="_x0000_s236570" name="Equation" r:id="rId8" imgW="4089400" imgH="1765300" progId="Equation.3">
                   <p:embed/>
                 </p:oleObj>
               </mc:Choice>
@@ -14926,7 +14926,7 @@
           <a:graphicData uri="http://schemas.openxmlformats.org/presentationml/2006/ole">
             <mc:AlternateContent xmlns:mc="http://schemas.openxmlformats.org/markup-compatibility/2006">
               <mc:Choice xmlns:v="urn:schemas-microsoft-com:vml" Requires="v">
-                <p:oleObj spid="_x0000_s253963" name="Equation" r:id="rId4" imgW="2184120" imgH="1523880" progId="Equation.DSMT4">
+                <p:oleObj spid="_x0000_s253965" name="Equation" r:id="rId4" imgW="2184120" imgH="1523880" progId="Equation.DSMT4">
                   <p:embed/>
                 </p:oleObj>
               </mc:Choice>
@@ -14985,13 +14985,13 @@
   <p:clrMapOvr>
     <a:masterClrMapping/>
   </p:clrMapOvr>
-  <mc:AlternateContent xmlns:mc="http://schemas.openxmlformats.org/markup-compatibility/2006">
-    <mc:Choice xmlns:p14="http://schemas.microsoft.com/office/powerpoint/2010/main" Requires="p14">
+  <mc:AlternateContent xmlns:mc="http://schemas.openxmlformats.org/markup-compatibility/2006" xmlns:p14="http://schemas.microsoft.com/office/powerpoint/2010/main">
+    <mc:Choice Requires="p14">
       <p:transition spd="med" p14:dur="700">
         <p:fade/>
       </p:transition>
     </mc:Choice>
-    <mc:Fallback>
+    <mc:Fallback xmlns="">
       <p:transition xmlns:p14="http://schemas.microsoft.com/office/powerpoint/2010/main" spd="med">
         <p:fade/>
       </p:transition>
@@ -15544,7 +15544,7 @@
           <a:graphicData uri="http://schemas.openxmlformats.org/presentationml/2006/ole">
             <mc:AlternateContent xmlns:mc="http://schemas.openxmlformats.org/markup-compatibility/2006">
               <mc:Choice xmlns:v="urn:schemas-microsoft-com:vml" Requires="v">
-                <p:oleObj spid="_x0000_s256009" name="Equation" r:id="rId4" imgW="2476500" imgH="1600200" progId="Equation.DSMT4">
+                <p:oleObj spid="_x0000_s256011" name="Equation" r:id="rId4" imgW="2476500" imgH="1600200" progId="Equation.DSMT4">
                   <p:embed/>
                 </p:oleObj>
               </mc:Choice>
@@ -15793,7 +15793,7 @@
           <a:graphicData uri="http://schemas.openxmlformats.org/presentationml/2006/ole">
             <mc:AlternateContent xmlns:mc="http://schemas.openxmlformats.org/markup-compatibility/2006">
               <mc:Choice xmlns:v="urn:schemas-microsoft-com:vml" Requires="v">
-                <p:oleObj spid="_x0000_s254990" name="Equation" r:id="rId4" imgW="2476500" imgH="1600200" progId="Equation.DSMT4">
+                <p:oleObj spid="_x0000_s254993" name="Equation" r:id="rId4" imgW="2476500" imgH="1600200" progId="Equation.DSMT4">
                   <p:embed/>
                 </p:oleObj>
               </mc:Choice>
@@ -15945,7 +15945,7 @@
           <a:graphicData uri="http://schemas.openxmlformats.org/presentationml/2006/ole">
             <mc:AlternateContent xmlns:mc="http://schemas.openxmlformats.org/markup-compatibility/2006">
               <mc:Choice xmlns:v="urn:schemas-microsoft-com:vml" Requires="v">
-                <p:oleObj spid="_x0000_s254991" name="Equation" r:id="rId6" imgW="2311200" imgH="1523880" progId="Equation.DSMT4">
+                <p:oleObj spid="_x0000_s254994" name="Equation" r:id="rId6" imgW="2311200" imgH="1523880" progId="Equation.DSMT4">
                   <p:embed/>
                 </p:oleObj>
               </mc:Choice>
@@ -16073,7 +16073,7 @@
           <a:graphicData uri="http://schemas.openxmlformats.org/presentationml/2006/ole">
             <mc:AlternateContent xmlns:mc="http://schemas.openxmlformats.org/markup-compatibility/2006">
               <mc:Choice xmlns:v="urn:schemas-microsoft-com:vml" Requires="v">
-                <p:oleObj spid="_x0000_s316454" name="Equation" r:id="rId4" imgW="2159000" imgH="241300" progId="Equation.DSMT4">
+                <p:oleObj spid="_x0000_s316460" name="Equation" r:id="rId4" imgW="2159000" imgH="241300" progId="Equation.DSMT4">
                   <p:embed/>
                 </p:oleObj>
               </mc:Choice>
@@ -16490,7 +16490,7 @@
           <a:graphicData uri="http://schemas.openxmlformats.org/presentationml/2006/ole">
             <mc:AlternateContent xmlns:mc="http://schemas.openxmlformats.org/markup-compatibility/2006">
               <mc:Choice xmlns:v="urn:schemas-microsoft-com:vml" Requires="v">
-                <p:oleObj spid="_x0000_s316455" name="Equation" r:id="rId6" imgW="647700" imgH="215900" progId="Equation.DSMT4">
+                <p:oleObj spid="_x0000_s316461" name="Equation" r:id="rId6" imgW="647700" imgH="215900" progId="Equation.DSMT4">
                   <p:embed/>
                 </p:oleObj>
               </mc:Choice>
@@ -16560,7 +16560,7 @@
           <a:graphicData uri="http://schemas.openxmlformats.org/presentationml/2006/ole">
             <mc:AlternateContent xmlns:mc="http://schemas.openxmlformats.org/markup-compatibility/2006">
               <mc:Choice xmlns:v="urn:schemas-microsoft-com:vml" Requires="v">
-                <p:oleObj spid="_x0000_s316456" name="Equation" r:id="rId8" imgW="1244600" imgH="241300" progId="Equation.DSMT4">
+                <p:oleObj spid="_x0000_s316462" name="Equation" r:id="rId8" imgW="1244600" imgH="241300" progId="Equation.DSMT4">
                   <p:embed/>
                 </p:oleObj>
               </mc:Choice>
@@ -16636,7 +16636,7 @@
           <a:graphicData uri="http://schemas.openxmlformats.org/presentationml/2006/ole">
             <mc:AlternateContent xmlns:mc="http://schemas.openxmlformats.org/markup-compatibility/2006">
               <mc:Choice xmlns:v="urn:schemas-microsoft-com:vml" Requires="v">
-                <p:oleObj spid="_x0000_s316457" name="Equation" r:id="rId10" imgW="1524000" imgH="241300" progId="Equation.DSMT4">
+                <p:oleObj spid="_x0000_s316463" name="Equation" r:id="rId10" imgW="1524000" imgH="241300" progId="Equation.DSMT4">
                   <p:embed/>
                 </p:oleObj>
               </mc:Choice>
@@ -16693,7 +16693,7 @@
           <a:graphicData uri="http://schemas.openxmlformats.org/presentationml/2006/ole">
             <mc:AlternateContent xmlns:mc="http://schemas.openxmlformats.org/markup-compatibility/2006">
               <mc:Choice xmlns:v="urn:schemas-microsoft-com:vml" Requires="v">
-                <p:oleObj spid="_x0000_s316458" name="Equation" r:id="rId12" imgW="381000" imgH="469900" progId="Equation.DSMT4">
+                <p:oleObj spid="_x0000_s316464" name="Equation" r:id="rId12" imgW="381000" imgH="469900" progId="Equation.DSMT4">
                   <p:embed/>
                 </p:oleObj>
               </mc:Choice>
@@ -17552,7 +17552,7 @@
           <a:graphicData uri="http://schemas.openxmlformats.org/presentationml/2006/ole">
             <mc:AlternateContent xmlns:mc="http://schemas.openxmlformats.org/markup-compatibility/2006">
               <mc:Choice xmlns:v="urn:schemas-microsoft-com:vml" Requires="v">
-                <p:oleObj spid="_x0000_s1031" name="Equation" r:id="rId4" imgW="3073400" imgH="1574800" progId="Equation.DSMT4">
+                <p:oleObj spid="_x0000_s1034" name="Equation" r:id="rId4" imgW="3073400" imgH="1574800" progId="Equation.DSMT4">
                   <p:embed/>
                 </p:oleObj>
               </mc:Choice>
@@ -17636,15 +17636,7 @@
                   <a:srgbClr val="0000FF"/>
                 </a:solidFill>
               </a:rPr>
-              <a:t> </a:t>
-            </a:r>
-            <a:r>
-              <a:rPr lang="en-US" sz="5400" dirty="0" smtClean="0">
-                <a:solidFill>
-                  <a:srgbClr val="0000FF"/>
-                </a:solidFill>
-              </a:rPr>
-              <a:t>of </a:t>
+              <a:t> of </a:t>
             </a:r>
             <a:r>
               <a:rPr lang="en-US" sz="5400" dirty="0" err="1" smtClean="0">
@@ -17700,7 +17692,7 @@
           <a:graphicData uri="http://schemas.openxmlformats.org/presentationml/2006/ole">
             <mc:AlternateContent xmlns:mc="http://schemas.openxmlformats.org/markup-compatibility/2006">
               <mc:Choice xmlns:v="urn:schemas-microsoft-com:vml" Requires="v">
-                <p:oleObj spid="_x0000_s1032" name="Equation" r:id="rId6" imgW="2857500" imgH="1663700" progId="Equation.DSMT4">
+                <p:oleObj spid="_x0000_s1035" name="Equation" r:id="rId6" imgW="2857500" imgH="1663700" progId="Equation.DSMT4">
                   <p:embed/>
                 </p:oleObj>
               </mc:Choice>
@@ -17991,7 +17983,7 @@
           <a:graphicData uri="http://schemas.openxmlformats.org/presentationml/2006/ole">
             <mc:AlternateContent xmlns:mc="http://schemas.openxmlformats.org/markup-compatibility/2006">
               <mc:Choice xmlns:v="urn:schemas-microsoft-com:vml" Requires="v">
-                <p:oleObj spid="_x0000_s93208" name="Equation" r:id="rId4" imgW="3543300" imgH="1917700" progId="Equation.DSMT4">
+                <p:oleObj spid="_x0000_s93212" name="Equation" r:id="rId4" imgW="3543300" imgH="1917700" progId="Equation.DSMT4">
                   <p:embed/>
                 </p:oleObj>
               </mc:Choice>
@@ -18061,7 +18053,7 @@
           <a:graphicData uri="http://schemas.openxmlformats.org/presentationml/2006/ole">
             <mc:AlternateContent xmlns:mc="http://schemas.openxmlformats.org/markup-compatibility/2006">
               <mc:Choice xmlns:v="urn:schemas-microsoft-com:vml" Requires="v">
-                <p:oleObj spid="_x0000_s93209" name="Equation" r:id="rId6" imgW="3543300" imgH="1600200" progId="Equation.DSMT4">
+                <p:oleObj spid="_x0000_s93213" name="Equation" r:id="rId6" imgW="3543300" imgH="1600200" progId="Equation.DSMT4">
                   <p:embed/>
                 </p:oleObj>
               </mc:Choice>
@@ -18131,7 +18123,7 @@
           <a:graphicData uri="http://schemas.openxmlformats.org/presentationml/2006/ole">
             <mc:AlternateContent xmlns:mc="http://schemas.openxmlformats.org/markup-compatibility/2006">
               <mc:Choice xmlns:v="urn:schemas-microsoft-com:vml" Requires="v">
-                <p:oleObj spid="_x0000_s93210" name="Equation" r:id="rId8" imgW="1524000" imgH="482600" progId="Equation.DSMT4">
+                <p:oleObj spid="_x0000_s93214" name="Equation" r:id="rId8" imgW="1524000" imgH="482600" progId="Equation.DSMT4">
                   <p:embed/>
                 </p:oleObj>
               </mc:Choice>
@@ -18190,13 +18182,13 @@
   <p:clrMapOvr>
     <a:masterClrMapping/>
   </p:clrMapOvr>
-  <mc:AlternateContent xmlns:mc="http://schemas.openxmlformats.org/markup-compatibility/2006">
-    <mc:Choice xmlns:p14="http://schemas.microsoft.com/office/powerpoint/2010/main" Requires="p14">
+  <mc:AlternateContent xmlns:mc="http://schemas.openxmlformats.org/markup-compatibility/2006" xmlns:p14="http://schemas.microsoft.com/office/powerpoint/2010/main">
+    <mc:Choice Requires="p14">
       <p:transition spd="med" p14:dur="700">
         <p:fade/>
       </p:transition>
     </mc:Choice>
-    <mc:Fallback>
+    <mc:Fallback xmlns="">
       <p:transition xmlns:p14="http://schemas.microsoft.com/office/powerpoint/2010/main" spd="med">
         <p:fade/>
       </p:transition>
@@ -18509,7 +18501,7 @@
           <a:graphicData uri="http://schemas.openxmlformats.org/presentationml/2006/ole">
             <mc:AlternateContent xmlns:mc="http://schemas.openxmlformats.org/markup-compatibility/2006">
               <mc:Choice xmlns:v="urn:schemas-microsoft-com:vml" Requires="v">
-                <p:oleObj spid="_x0000_s231433" name="Equation" r:id="rId4" imgW="6603840" imgH="2920680" progId="Equation.DSMT4">
+                <p:oleObj spid="_x0000_s231435" name="Equation" r:id="rId4" imgW="6603840" imgH="2920680" progId="Equation.DSMT4">
                   <p:embed/>
                 </p:oleObj>
               </mc:Choice>
@@ -18759,7 +18751,7 @@
           <a:graphicData uri="http://schemas.openxmlformats.org/presentationml/2006/ole">
             <mc:AlternateContent xmlns:mc="http://schemas.openxmlformats.org/markup-compatibility/2006">
               <mc:Choice xmlns:v="urn:schemas-microsoft-com:vml" Requires="v">
-                <p:oleObj spid="_x0000_s232458" name="Equation" r:id="rId4" imgW="6489700" imgH="850900" progId="Equation.DSMT4">
+                <p:oleObj spid="_x0000_s232460" name="Equation" r:id="rId4" imgW="6489700" imgH="850900" progId="Equation.DSMT4">
                   <p:embed/>
                 </p:oleObj>
               </mc:Choice>
@@ -19042,7 +19034,7 @@
           <a:graphicData uri="http://schemas.openxmlformats.org/presentationml/2006/ole">
             <mc:AlternateContent xmlns:mc="http://schemas.openxmlformats.org/markup-compatibility/2006">
               <mc:Choice xmlns:v="urn:schemas-microsoft-com:vml" Requires="v">
-                <p:oleObj spid="_x0000_s233486" name="Equation" r:id="rId4" imgW="6540500" imgH="1092200" progId="Equation.3">
+                <p:oleObj spid="_x0000_s233489" name="Equation" r:id="rId4" imgW="6540500" imgH="1092200" progId="Equation.3">
                   <p:embed/>
                 </p:oleObj>
               </mc:Choice>
@@ -19149,7 +19141,7 @@
           <a:graphicData uri="http://schemas.openxmlformats.org/presentationml/2006/ole">
             <mc:AlternateContent xmlns:mc="http://schemas.openxmlformats.org/markup-compatibility/2006">
               <mc:Choice xmlns:v="urn:schemas-microsoft-com:vml" Requires="v">
-                <p:oleObj spid="_x0000_s233487" name="Equation" r:id="rId6" imgW="5905440" imgH="558720" progId="Equation.DSMT4">
+                <p:oleObj spid="_x0000_s233490" name="Equation" r:id="rId6" imgW="5905440" imgH="558720" progId="Equation.DSMT4">
                   <p:embed/>
                 </p:oleObj>
               </mc:Choice>
@@ -19426,13 +19418,13 @@
   <p:clrMapOvr>
     <a:masterClrMapping/>
   </p:clrMapOvr>
-  <mc:AlternateContent xmlns:mc="http://schemas.openxmlformats.org/markup-compatibility/2006">
-    <mc:Choice xmlns:p14="http://schemas.microsoft.com/office/powerpoint/2010/main" Requires="p14">
+  <mc:AlternateContent xmlns:mc="http://schemas.openxmlformats.org/markup-compatibility/2006" xmlns:p14="http://schemas.microsoft.com/office/powerpoint/2010/main">
+    <mc:Choice Requires="p14">
       <p:transition spd="slow" p14:dur="1200">
         <p:fade thruBlk="1"/>
       </p:transition>
     </mc:Choice>
-    <mc:Fallback>
+    <mc:Fallback xmlns="">
       <p:transition xmlns:p14="http://schemas.microsoft.com/office/powerpoint/2010/main" spd="slow">
         <p:fade thruBlk="1"/>
       </p:transition>
@@ -19774,7 +19766,11 @@
                   <a:srgbClr val="0000FF"/>
                 </a:solidFill>
               </a:rPr>
-              <a:t>P</a:t>
+              <a:t>P(x)</a:t>
+            </a:r>
+            <a:r>
+              <a:rPr lang="en-US" sz="5400" dirty="0" smtClean="0"/>
+              <a:t>, </a:t>
             </a:r>
             <a:r>
               <a:rPr lang="en-US" sz="5400" dirty="0" smtClean="0">
@@ -19782,42 +19778,14 @@
                   <a:srgbClr val="0000FF"/>
                 </a:solidFill>
               </a:rPr>
-              <a:t>(x)</a:t>
-            </a:r>
-            <a:r>
-              <a:rPr lang="en-US" sz="5400" dirty="0" smtClean="0"/>
-              <a:t>, </a:t>
-            </a:r>
-            <a:r>
-              <a:rPr lang="en-US" sz="5400" dirty="0" smtClean="0">
-                <a:solidFill>
-                  <a:srgbClr val="0000FF"/>
-                </a:solidFill>
-              </a:rPr>
-              <a:t>Q(x</a:t>
-            </a:r>
-            <a:r>
-              <a:rPr lang="en-US" sz="5400" dirty="0" smtClean="0">
-                <a:solidFill>
-                  <a:srgbClr val="0000FF"/>
-                </a:solidFill>
-              </a:rPr>
-              <a:t>)</a:t>
+              <a:t>Q(x)</a:t>
             </a:r>
             <a:endParaRPr lang="en-US" sz="5400" dirty="0"/>
           </a:p>
           <a:p>
             <a:r>
               <a:rPr lang="en-US" sz="5400" dirty="0" smtClean="0"/>
-              <a:t>can </a:t>
-            </a:r>
-            <a:r>
-              <a:rPr lang="en-US" sz="5400" dirty="0" smtClean="0"/>
-              <a:t>find formula </a:t>
-            </a:r>
-            <a:r>
-              <a:rPr lang="en-US" sz="5400" dirty="0" smtClean="0"/>
-              <a:t>for </a:t>
+              <a:t>can find formula for </a:t>
             </a:r>
             <a:r>
               <a:rPr lang="en-US" sz="5400" dirty="0" err="1" smtClean="0"/>
@@ -19873,7 +19841,7 @@
           <a:graphicData uri="http://schemas.openxmlformats.org/presentationml/2006/ole">
             <mc:AlternateContent xmlns:mc="http://schemas.openxmlformats.org/markup-compatibility/2006">
               <mc:Choice xmlns:v="urn:schemas-microsoft-com:vml" Requires="v">
-                <p:oleObj spid="_x0000_s385035" name="Equation" r:id="rId4" imgW="419100" imgH="495300" progId="Equation.DSMT4">
+                <p:oleObj spid="_x0000_s385037" name="Equation" r:id="rId4" imgW="419100" imgH="495300" progId="Equation.DSMT4">
                   <p:embed/>
                 </p:oleObj>
               </mc:Choice>
@@ -20238,11 +20206,7 @@
           <a:p>
             <a:r>
               <a:rPr lang="en-US" dirty="0" smtClean="0"/>
-              <a:t>Partial Fraction </a:t>
-            </a:r>
-            <a:r>
-              <a:rPr lang="en-US" dirty="0" smtClean="0"/>
-              <a:t>Example</a:t>
+              <a:t>Partial Fraction Example</a:t>
             </a:r>
             <a:endParaRPr lang="en-US" dirty="0"/>
           </a:p>
@@ -20264,7 +20228,7 @@
           <a:graphicData uri="http://schemas.openxmlformats.org/presentationml/2006/ole">
             <mc:AlternateContent xmlns:mc="http://schemas.openxmlformats.org/markup-compatibility/2006">
               <mc:Choice xmlns:v="urn:schemas-microsoft-com:vml" Requires="v">
-                <p:oleObj spid="_x0000_s259097" name="Equation" r:id="rId3" imgW="4533900" imgH="1435100" progId="Equation.DSMT4">
+                <p:oleObj spid="_x0000_s259101" name="Equation" r:id="rId3" imgW="4533900" imgH="1435100" progId="Equation.DSMT4">
                   <p:embed/>
                 </p:oleObj>
               </mc:Choice>
@@ -20334,7 +20298,7 @@
           <a:graphicData uri="http://schemas.openxmlformats.org/presentationml/2006/ole">
             <mc:AlternateContent xmlns:mc="http://schemas.openxmlformats.org/markup-compatibility/2006">
               <mc:Choice xmlns:v="urn:schemas-microsoft-com:vml" Requires="v">
-                <p:oleObj spid="_x0000_s259098" name="Equation" r:id="rId5" imgW="4800600" imgH="1180800" progId="Equation.DSMT4">
+                <p:oleObj spid="_x0000_s259102" name="Equation" r:id="rId5" imgW="4800600" imgH="1180800" progId="Equation.DSMT4">
                   <p:embed/>
                 </p:oleObj>
               </mc:Choice>
@@ -20404,7 +20368,7 @@
           <a:graphicData uri="http://schemas.openxmlformats.org/presentationml/2006/ole">
             <mc:AlternateContent xmlns:mc="http://schemas.openxmlformats.org/markup-compatibility/2006">
               <mc:Choice xmlns:v="urn:schemas-microsoft-com:vml" Requires="v">
-                <p:oleObj spid="_x0000_s259099" name="Equation" r:id="rId7" imgW="4520880" imgH="1143000" progId="Equation.DSMT4">
+                <p:oleObj spid="_x0000_s259103" name="Equation" r:id="rId7" imgW="4520880" imgH="1143000" progId="Equation.DSMT4">
                   <p:embed/>
                 </p:oleObj>
               </mc:Choice>
@@ -20753,13 +20717,13 @@
   <p:clrMapOvr>
     <a:masterClrMapping/>
   </p:clrMapOvr>
-  <mc:AlternateContent xmlns:mc="http://schemas.openxmlformats.org/markup-compatibility/2006">
-    <mc:Choice xmlns:p14="http://schemas.microsoft.com/office/powerpoint/2010/main" Requires="p14">
+  <mc:AlternateContent xmlns:mc="http://schemas.openxmlformats.org/markup-compatibility/2006" xmlns:p14="http://schemas.microsoft.com/office/powerpoint/2010/main">
+    <mc:Choice Requires="p14">
       <p:transition spd="slow" p14:dur="800">
         <p:fade/>
       </p:transition>
     </mc:Choice>
-    <mc:Fallback>
+    <mc:Fallback xmlns="">
       <p:transition xmlns:p14="http://schemas.microsoft.com/office/powerpoint/2010/main" spd="slow">
         <p:fade/>
       </p:transition>
@@ -21107,7 +21071,7 @@
           <a:graphicData uri="http://schemas.openxmlformats.org/presentationml/2006/ole">
             <mc:AlternateContent xmlns:mc="http://schemas.openxmlformats.org/markup-compatibility/2006">
               <mc:Choice xmlns:v="urn:schemas-microsoft-com:vml" Requires="v">
-                <p:oleObj spid="_x0000_s260114" name="Equation" r:id="rId3" imgW="6705600" imgH="1625600" progId="Equation.DSMT4">
+                <p:oleObj spid="_x0000_s260117" name="Equation" r:id="rId3" imgW="6705600" imgH="1625600" progId="Equation.DSMT4">
                   <p:embed/>
                 </p:oleObj>
               </mc:Choice>
@@ -21177,7 +21141,7 @@
           <a:graphicData uri="http://schemas.openxmlformats.org/presentationml/2006/ole">
             <mc:AlternateContent xmlns:mc="http://schemas.openxmlformats.org/markup-compatibility/2006">
               <mc:Choice xmlns:v="urn:schemas-microsoft-com:vml" Requires="v">
-                <p:oleObj spid="_x0000_s260115" name="Equation" r:id="rId5" imgW="3898900" imgH="850900" progId="Equation.DSMT4">
+                <p:oleObj spid="_x0000_s260118" name="Equation" r:id="rId5" imgW="3898900" imgH="850900" progId="Equation.DSMT4">
                   <p:embed/>
                 </p:oleObj>
               </mc:Choice>
@@ -21720,7 +21684,7 @@
           <a:graphicData uri="http://schemas.openxmlformats.org/presentationml/2006/ole">
             <mc:AlternateContent xmlns:mc="http://schemas.openxmlformats.org/markup-compatibility/2006">
               <mc:Choice xmlns:v="urn:schemas-microsoft-com:vml" Requires="v">
-                <p:oleObj spid="_x0000_s261134" name="Equation" r:id="rId3" imgW="7327800" imgH="1307880" progId="Equation.DSMT4">
+                <p:oleObj spid="_x0000_s261137" name="Equation" r:id="rId3" imgW="7327800" imgH="1307880" progId="Equation.DSMT4">
                   <p:embed/>
                 </p:oleObj>
               </mc:Choice>
@@ -21844,7 +21808,7 @@
           <a:graphicData uri="http://schemas.openxmlformats.org/presentationml/2006/ole">
             <mc:AlternateContent xmlns:mc="http://schemas.openxmlformats.org/markup-compatibility/2006">
               <mc:Choice xmlns:v="urn:schemas-microsoft-com:vml" Requires="v">
-                <p:oleObj spid="_x0000_s261135" name="Equation" r:id="rId5" imgW="6057720" imgH="660240" progId="Equation.DSMT4">
+                <p:oleObj spid="_x0000_s261138" name="Equation" r:id="rId5" imgW="6057720" imgH="660240" progId="Equation.DSMT4">
                   <p:embed/>
                 </p:oleObj>
               </mc:Choice>
@@ -22465,7 +22429,7 @@
           <a:graphicData uri="http://schemas.openxmlformats.org/presentationml/2006/ole">
             <mc:AlternateContent xmlns:mc="http://schemas.openxmlformats.org/markup-compatibility/2006">
               <mc:Choice xmlns:v="urn:schemas-microsoft-com:vml" Requires="v">
-                <p:oleObj spid="_x0000_s262183" name="Equation" r:id="rId3" imgW="6057720" imgH="660240" progId="Equation.DSMT4">
+                <p:oleObj spid="_x0000_s262191" name="Equation" r:id="rId3" imgW="6057720" imgH="660240" progId="Equation.DSMT4">
                   <p:embed/>
                 </p:oleObj>
               </mc:Choice>
@@ -22573,7 +22537,7 @@
           <a:graphicData uri="http://schemas.openxmlformats.org/presentationml/2006/ole">
             <mc:AlternateContent xmlns:mc="http://schemas.openxmlformats.org/markup-compatibility/2006">
               <mc:Choice xmlns:v="urn:schemas-microsoft-com:vml" Requires="v">
-                <p:oleObj spid="_x0000_s262184" name="Equation" r:id="rId5" imgW="1396800" imgH="482400" progId="Equation.DSMT4">
+                <p:oleObj spid="_x0000_s262192" name="Equation" r:id="rId5" imgW="1396800" imgH="482400" progId="Equation.DSMT4">
                   <p:embed/>
                 </p:oleObj>
               </mc:Choice>
@@ -22643,7 +22607,7 @@
           <a:graphicData uri="http://schemas.openxmlformats.org/presentationml/2006/ole">
             <mc:AlternateContent xmlns:mc="http://schemas.openxmlformats.org/markup-compatibility/2006">
               <mc:Choice xmlns:v="urn:schemas-microsoft-com:vml" Requires="v">
-                <p:oleObj spid="_x0000_s262185" name="Equation" r:id="rId7" imgW="2946240" imgH="660240" progId="Equation.DSMT4">
+                <p:oleObj spid="_x0000_s262193" name="Equation" r:id="rId7" imgW="2946240" imgH="660240" progId="Equation.DSMT4">
                   <p:embed/>
                 </p:oleObj>
               </mc:Choice>
@@ -22713,7 +22677,7 @@
           <a:graphicData uri="http://schemas.openxmlformats.org/presentationml/2006/ole">
             <mc:AlternateContent xmlns:mc="http://schemas.openxmlformats.org/markup-compatibility/2006">
               <mc:Choice xmlns:v="urn:schemas-microsoft-com:vml" Requires="v">
-                <p:oleObj spid="_x0000_s262186" name="Equation" r:id="rId9" imgW="1981080" imgH="863280" progId="Equation.DSMT4">
+                <p:oleObj spid="_x0000_s262194" name="Equation" r:id="rId9" imgW="1981080" imgH="863280" progId="Equation.DSMT4">
                   <p:embed/>
                 </p:oleObj>
               </mc:Choice>
@@ -22783,7 +22747,7 @@
           <a:graphicData uri="http://schemas.openxmlformats.org/presentationml/2006/ole">
             <mc:AlternateContent xmlns:mc="http://schemas.openxmlformats.org/markup-compatibility/2006">
               <mc:Choice xmlns:v="urn:schemas-microsoft-com:vml" Requires="v">
-                <p:oleObj spid="_x0000_s262187" name="Equation" r:id="rId11" imgW="2133360" imgH="545760" progId="Equation.DSMT4">
+                <p:oleObj spid="_x0000_s262195" name="Equation" r:id="rId11" imgW="2133360" imgH="545760" progId="Equation.DSMT4">
                   <p:embed/>
                 </p:oleObj>
               </mc:Choice>
@@ -22853,7 +22817,7 @@
           <a:graphicData uri="http://schemas.openxmlformats.org/presentationml/2006/ole">
             <mc:AlternateContent xmlns:mc="http://schemas.openxmlformats.org/markup-compatibility/2006">
               <mc:Choice xmlns:v="urn:schemas-microsoft-com:vml" Requires="v">
-                <p:oleObj spid="_x0000_s262188" name="Equation" r:id="rId13" imgW="4267080" imgH="685800" progId="Equation.DSMT4">
+                <p:oleObj spid="_x0000_s262196" name="Equation" r:id="rId13" imgW="4267080" imgH="685800" progId="Equation.DSMT4">
                   <p:embed/>
                 </p:oleObj>
               </mc:Choice>
@@ -22923,7 +22887,7 @@
           <a:graphicData uri="http://schemas.openxmlformats.org/presentationml/2006/ole">
             <mc:AlternateContent xmlns:mc="http://schemas.openxmlformats.org/markup-compatibility/2006">
               <mc:Choice xmlns:v="urn:schemas-microsoft-com:vml" Requires="v">
-                <p:oleObj spid="_x0000_s262189" name="Equation" r:id="rId15" imgW="1574640" imgH="863280" progId="Equation.DSMT4">
+                <p:oleObj spid="_x0000_s262197" name="Equation" r:id="rId15" imgW="1574640" imgH="863280" progId="Equation.DSMT4">
                   <p:embed/>
                 </p:oleObj>
               </mc:Choice>
@@ -23418,7 +23382,7 @@
           <a:graphicData uri="http://schemas.openxmlformats.org/presentationml/2006/ole">
             <mc:AlternateContent xmlns:mc="http://schemas.openxmlformats.org/markup-compatibility/2006">
               <mc:Choice xmlns:v="urn:schemas-microsoft-com:vml" Requires="v">
-                <p:oleObj spid="_x0000_s257045" name="Equation" r:id="rId3" imgW="4495680" imgH="1269720" progId="Equation.DSMT4">
+                <p:oleObj spid="_x0000_s257049" name="Equation" r:id="rId3" imgW="4495680" imgH="1269720" progId="Equation.DSMT4">
                   <p:embed/>
                 </p:oleObj>
               </mc:Choice>
@@ -23560,7 +23524,7 @@
           <a:graphicData uri="http://schemas.openxmlformats.org/presentationml/2006/ole">
             <mc:AlternateContent xmlns:mc="http://schemas.openxmlformats.org/markup-compatibility/2006">
               <mc:Choice xmlns:v="urn:schemas-microsoft-com:vml" Requires="v">
-                <p:oleObj spid="_x0000_s257046" name="Equation" r:id="rId5" imgW="3848100" imgH="1447800" progId="Equation.DSMT4">
+                <p:oleObj spid="_x0000_s257050" name="Equation" r:id="rId5" imgW="3848100" imgH="1447800" progId="Equation.DSMT4">
                   <p:embed/>
                 </p:oleObj>
               </mc:Choice>
@@ -23623,7 +23587,7 @@
           <a:graphicData uri="http://schemas.openxmlformats.org/presentationml/2006/ole">
             <mc:AlternateContent xmlns:mc="http://schemas.openxmlformats.org/markup-compatibility/2006">
               <mc:Choice xmlns:v="urn:schemas-microsoft-com:vml" Requires="v">
-                <p:oleObj spid="_x0000_s257047" name="Equation" r:id="rId7" imgW="749300" imgH="304800" progId="Equation.DSMT4">
+                <p:oleObj spid="_x0000_s257051" name="Equation" r:id="rId7" imgW="749300" imgH="304800" progId="Equation.DSMT4">
                   <p:embed/>
                 </p:oleObj>
               </mc:Choice>
@@ -23981,7 +23945,7 @@
           <a:graphicData uri="http://schemas.openxmlformats.org/presentationml/2006/ole">
             <mc:AlternateContent xmlns:mc="http://schemas.openxmlformats.org/markup-compatibility/2006">
               <mc:Choice xmlns:v="urn:schemas-microsoft-com:vml" Requires="v">
-                <p:oleObj spid="_x0000_s258064" name="Equation" r:id="rId3" imgW="4241800" imgH="1917700" progId="Equation.DSMT4">
+                <p:oleObj spid="_x0000_s258067" name="Equation" r:id="rId3" imgW="4241800" imgH="1917700" progId="Equation.DSMT4">
                   <p:embed/>
                 </p:oleObj>
               </mc:Choice>
@@ -24290,7 +24254,7 @@
           <a:graphicData uri="http://schemas.openxmlformats.org/presentationml/2006/ole">
             <mc:AlternateContent xmlns:mc="http://schemas.openxmlformats.org/markup-compatibility/2006">
               <mc:Choice xmlns:v="urn:schemas-microsoft-com:vml" Requires="v">
-                <p:oleObj spid="_x0000_s258065" name="Equation" r:id="rId5" imgW="965200" imgH="533400" progId="Equation.DSMT4">
+                <p:oleObj spid="_x0000_s258068" name="Equation" r:id="rId5" imgW="965200" imgH="533400" progId="Equation.DSMT4">
                   <p:embed/>
                 </p:oleObj>
               </mc:Choice>
@@ -24753,7 +24717,7 @@
           <a:graphicData uri="http://schemas.openxmlformats.org/presentationml/2006/ole">
             <mc:AlternateContent xmlns:mc="http://schemas.openxmlformats.org/markup-compatibility/2006">
               <mc:Choice xmlns:v="urn:schemas-microsoft-com:vml" Requires="v">
-                <p:oleObj spid="_x0000_s380942" name="Equation" r:id="rId4" imgW="2463800" imgH="1727200" progId="Equation.DSMT4">
+                <p:oleObj spid="_x0000_s380945" name="Equation" r:id="rId4" imgW="2463800" imgH="1727200" progId="Equation.DSMT4">
                   <p:embed/>
                 </p:oleObj>
               </mc:Choice>
@@ -24865,7 +24829,7 @@
           <a:graphicData uri="http://schemas.openxmlformats.org/presentationml/2006/ole">
             <mc:AlternateContent xmlns:mc="http://schemas.openxmlformats.org/markup-compatibility/2006">
               <mc:Choice xmlns:v="urn:schemas-microsoft-com:vml" Requires="v">
-                <p:oleObj spid="_x0000_s380943" name="Equation" r:id="rId6" imgW="7924800" imgH="1663700" progId="Equation.DSMT4">
+                <p:oleObj spid="_x0000_s380946" name="Equation" r:id="rId6" imgW="7924800" imgH="1663700" progId="Equation.DSMT4">
                   <p:embed/>
                 </p:oleObj>
               </mc:Choice>
@@ -25216,7 +25180,7 @@
           <a:graphicData uri="http://schemas.openxmlformats.org/presentationml/2006/ole">
             <mc:AlternateContent xmlns:mc="http://schemas.openxmlformats.org/markup-compatibility/2006">
               <mc:Choice xmlns:v="urn:schemas-microsoft-com:vml" Requires="v">
-                <p:oleObj spid="_x0000_s382990" name="Equation" r:id="rId4" imgW="6273720" imgH="571320" progId="Equation.DSMT4">
+                <p:oleObj spid="_x0000_s382993" name="Equation" r:id="rId4" imgW="6273720" imgH="571320" progId="Equation.DSMT4">
                   <p:embed/>
                 </p:oleObj>
               </mc:Choice>
@@ -25353,7 +25317,7 @@
           <a:graphicData uri="http://schemas.openxmlformats.org/presentationml/2006/ole">
             <mc:AlternateContent xmlns:mc="http://schemas.openxmlformats.org/markup-compatibility/2006">
               <mc:Choice xmlns:v="urn:schemas-microsoft-com:vml" Requires="v">
-                <p:oleObj spid="_x0000_s382991" name="Equation" r:id="rId6" imgW="5537160" imgH="571320" progId="Equation.DSMT4">
+                <p:oleObj spid="_x0000_s382994" name="Equation" r:id="rId6" imgW="5537160" imgH="571320" progId="Equation.DSMT4">
                   <p:embed/>
                 </p:oleObj>
               </mc:Choice>
@@ -26848,7 +26812,7 @@
           <a:graphicData uri="http://schemas.openxmlformats.org/presentationml/2006/ole">
             <mc:AlternateContent xmlns:mc="http://schemas.openxmlformats.org/markup-compatibility/2006">
               <mc:Choice xmlns:v="urn:schemas-microsoft-com:vml" Requires="v">
-                <p:oleObj spid="_x0000_s80930" name="Equation" r:id="rId4" imgW="3441700" imgH="838200" progId="Equation.3">
+                <p:oleObj spid="_x0000_s80935" name="Equation" r:id="rId4" imgW="3441700" imgH="838200" progId="Equation.3">
                   <p:embed/>
                 </p:oleObj>
               </mc:Choice>
@@ -26955,7 +26919,7 @@
           <a:graphicData uri="http://schemas.openxmlformats.org/presentationml/2006/ole">
             <mc:AlternateContent xmlns:mc="http://schemas.openxmlformats.org/markup-compatibility/2006">
               <mc:Choice xmlns:v="urn:schemas-microsoft-com:vml" Requires="v">
-                <p:oleObj spid="_x0000_s80931" name="Equation" r:id="rId6" imgW="3060700" imgH="1092200" progId="Equation.3">
+                <p:oleObj spid="_x0000_s80936" name="Equation" r:id="rId6" imgW="3060700" imgH="1092200" progId="Equation.3">
                   <p:embed/>
                 </p:oleObj>
               </mc:Choice>
@@ -27063,7 +27027,7 @@
             <a:graphicData uri="http://schemas.openxmlformats.org/presentationml/2006/ole">
               <mc:AlternateContent xmlns:mc="http://schemas.openxmlformats.org/markup-compatibility/2006">
                 <mc:Choice xmlns:v="urn:schemas-microsoft-com:vml" Requires="v">
-                  <p:oleObj spid="_x0000_s80932" name="Equation" r:id="rId8" imgW="1066680" imgH="342720" progId="Equation.DSMT4">
+                  <p:oleObj spid="_x0000_s80937" name="Equation" r:id="rId8" imgW="1066680" imgH="342720" progId="Equation.DSMT4">
                     <p:embed/>
                   </p:oleObj>
                 </mc:Choice>
@@ -27162,7 +27126,7 @@
           <a:graphicData uri="http://schemas.openxmlformats.org/presentationml/2006/ole">
             <mc:AlternateContent xmlns:mc="http://schemas.openxmlformats.org/markup-compatibility/2006">
               <mc:Choice xmlns:v="urn:schemas-microsoft-com:vml" Requires="v">
-                <p:oleObj spid="_x0000_s80933" name="Equation" r:id="rId10" imgW="1168400" imgH="1104900" progId="Equation.DSMT4">
+                <p:oleObj spid="_x0000_s80938" name="Equation" r:id="rId10" imgW="1168400" imgH="1104900" progId="Equation.DSMT4">
                   <p:embed/>
                 </p:oleObj>
               </mc:Choice>
